--- a/Präsentation/Präsentation.pptx
+++ b/Präsentation/Präsentation.pptx
@@ -5,7 +5,7 @@
     <p:sldMasterId id="2147483648" r:id="rId1"/>
   </p:sldMasterIdLst>
   <p:notesMasterIdLst>
-    <p:notesMasterId r:id="rId17"/>
+    <p:notesMasterId r:id="rId18"/>
   </p:notesMasterIdLst>
   <p:sldIdLst>
     <p:sldId id="268" r:id="rId2"/>
@@ -22,7 +22,8 @@
     <p:sldId id="272" r:id="rId13"/>
     <p:sldId id="273" r:id="rId14"/>
     <p:sldId id="259" r:id="rId15"/>
-    <p:sldId id="264" r:id="rId16"/>
+    <p:sldId id="274" r:id="rId16"/>
+    <p:sldId id="264" r:id="rId17"/>
   </p:sldIdLst>
   <p:sldSz cx="12192000" cy="6858000"/>
   <p:notesSz cx="6858000" cy="9144000"/>
@@ -121,6 +122,14 @@
       </a:defRPr>
     </a:lvl9pPr>
   </p:defaultTextStyle>
+  <p:extLst>
+    <p:ext uri="{EFAFB233-063F-42B5-8137-9DF3F51BA10A}">
+      <p15:sldGuideLst xmlns:p15="http://schemas.microsoft.com/office/powerpoint/2012/main"/>
+    </p:ext>
+    <p:ext uri="{2D200454-40CA-4A62-9FC3-DE9A4176ACB9}">
+      <p15:notesGuideLst xmlns:p15="http://schemas.microsoft.com/office/powerpoint/2012/main"/>
+    </p:ext>
+  </p:extLst>
 </p:presentation>
 </file>
 
@@ -206,7 +215,7 @@
           <a:p>
             <a:fld id="{F8B7030B-3EDE-8E48-AA79-7A108A2FBAE1}" type="datetimeFigureOut">
               <a:rPr lang="de-DE" smtClean="0"/>
-              <a:t>06.02.22</a:t>
+              <a:t>12.02.22</a:t>
             </a:fld>
             <a:endParaRPr lang="de-DE"/>
           </a:p>
@@ -517,7 +526,30 @@
           <a:bodyPr/>
           <a:lstStyle/>
           <a:p>
-            <a:endParaRPr lang="de-DE"/>
+            <a:pPr marL="0" marR="0" lvl="0" indent="0" algn="l" defTabSz="914400" rtl="0" eaLnBrk="1" fontAlgn="auto" latinLnBrk="0" hangingPunct="1">
+              <a:lnSpc>
+                <a:spcPct val="100000"/>
+              </a:lnSpc>
+              <a:spcBef>
+                <a:spcPts val="0"/>
+              </a:spcBef>
+              <a:spcAft>
+                <a:spcPts val="0"/>
+              </a:spcAft>
+              <a:buClrTx/>
+              <a:buSzTx/>
+              <a:buFontTx/>
+              <a:buNone/>
+              <a:tabLst/>
+              <a:defRPr/>
+            </a:pPr>
+            <a:r>
+              <a:rPr lang="de-DE" dirty="0"/>
+              <a:t>Vorstellung SL / SJ</a:t>
+            </a:r>
+          </a:p>
+          <a:p>
+            <a:endParaRPr lang="de-DE" dirty="0"/>
           </a:p>
         </p:txBody>
       </p:sp>
@@ -538,7 +570,7 @@
           <a:p>
             <a:fld id="{F4B4D359-01ED-4D4E-820A-8F1370E7EFBB}" type="slidenum">
               <a:rPr lang="de-DE" smtClean="0"/>
-              <a:t>2</a:t>
+              <a:t>1</a:t>
             </a:fld>
             <a:endParaRPr lang="de-DE"/>
           </a:p>
@@ -547,7 +579,7 @@
     </p:spTree>
     <p:extLst>
       <p:ext uri="{BB962C8B-B14F-4D97-AF65-F5344CB8AC3E}">
-        <p14:creationId xmlns:p14="http://schemas.microsoft.com/office/powerpoint/2010/main" val="1422882426"/>
+        <p14:creationId xmlns:p14="http://schemas.microsoft.com/office/powerpoint/2010/main" val="1885841578"/>
       </p:ext>
     </p:extLst>
   </p:cSld>
@@ -603,7 +635,7 @@
           <a:p>
             <a:r>
               <a:rPr lang="de-DE" dirty="0"/>
-              <a:t>12:00 min</a:t>
+              <a:t>Beispiel aus der Praxis (Mähroboter)</a:t>
             </a:r>
           </a:p>
         </p:txBody>
@@ -625,6 +657,560 @@
           <a:p>
             <a:fld id="{F4B4D359-01ED-4D4E-820A-8F1370E7EFBB}" type="slidenum">
               <a:rPr lang="de-DE" smtClean="0"/>
+              <a:t>2</a:t>
+            </a:fld>
+            <a:endParaRPr lang="de-DE"/>
+          </a:p>
+        </p:txBody>
+      </p:sp>
+    </p:spTree>
+    <p:extLst>
+      <p:ext uri="{BB962C8B-B14F-4D97-AF65-F5344CB8AC3E}">
+        <p14:creationId xmlns:p14="http://schemas.microsoft.com/office/powerpoint/2010/main" val="1422882426"/>
+      </p:ext>
+    </p:extLst>
+  </p:cSld>
+  <p:clrMapOvr>
+    <a:masterClrMapping/>
+  </p:clrMapOvr>
+</p:notes>
+</file>
+
+<file path=ppt/notesSlides/notesSlide3.xml><?xml version="1.0" encoding="utf-8"?>
+<p:notes xmlns:a="http://schemas.openxmlformats.org/drawingml/2006/main" xmlns:r="http://schemas.openxmlformats.org/officeDocument/2006/relationships" xmlns:p="http://schemas.openxmlformats.org/presentationml/2006/main">
+  <p:cSld>
+    <p:spTree>
+      <p:nvGrpSpPr>
+        <p:cNvPr id="1" name=""/>
+        <p:cNvGrpSpPr/>
+        <p:nvPr/>
+      </p:nvGrpSpPr>
+      <p:grpSpPr>
+        <a:xfrm>
+          <a:off x="0" y="0"/>
+          <a:ext cx="0" cy="0"/>
+          <a:chOff x="0" y="0"/>
+          <a:chExt cx="0" cy="0"/>
+        </a:xfrm>
+      </p:grpSpPr>
+      <p:sp>
+        <p:nvSpPr>
+          <p:cNvPr id="2" name="Folienbildplatzhalter 1"/>
+          <p:cNvSpPr>
+            <a:spLocks noGrp="1" noRot="1" noChangeAspect="1"/>
+          </p:cNvSpPr>
+          <p:nvPr>
+            <p:ph type="sldImg"/>
+          </p:nvPr>
+        </p:nvSpPr>
+        <p:spPr/>
+      </p:sp>
+      <p:sp>
+        <p:nvSpPr>
+          <p:cNvPr id="3" name="Notizenplatzhalter 2"/>
+          <p:cNvSpPr>
+            <a:spLocks noGrp="1"/>
+          </p:cNvSpPr>
+          <p:nvPr>
+            <p:ph type="body" idx="1"/>
+          </p:nvPr>
+        </p:nvSpPr>
+        <p:spPr/>
+        <p:txBody>
+          <a:bodyPr/>
+          <a:lstStyle/>
+          <a:p>
+            <a:r>
+              <a:rPr lang="de-DE" dirty="0"/>
+              <a:t>Hier gleichmäßige Flächenaufteilung</a:t>
+            </a:r>
+          </a:p>
+        </p:txBody>
+      </p:sp>
+      <p:sp>
+        <p:nvSpPr>
+          <p:cNvPr id="4" name="Foliennummernplatzhalter 3"/>
+          <p:cNvSpPr>
+            <a:spLocks noGrp="1"/>
+          </p:cNvSpPr>
+          <p:nvPr>
+            <p:ph type="sldNum" sz="quarter" idx="5"/>
+          </p:nvPr>
+        </p:nvSpPr>
+        <p:spPr/>
+        <p:txBody>
+          <a:bodyPr/>
+          <a:lstStyle/>
+          <a:p>
+            <a:fld id="{F4B4D359-01ED-4D4E-820A-8F1370E7EFBB}" type="slidenum">
+              <a:rPr lang="de-DE" smtClean="0"/>
+              <a:t>3</a:t>
+            </a:fld>
+            <a:endParaRPr lang="de-DE"/>
+          </a:p>
+        </p:txBody>
+      </p:sp>
+    </p:spTree>
+    <p:extLst>
+      <p:ext uri="{BB962C8B-B14F-4D97-AF65-F5344CB8AC3E}">
+        <p14:creationId xmlns:p14="http://schemas.microsoft.com/office/powerpoint/2010/main" val="715478407"/>
+      </p:ext>
+    </p:extLst>
+  </p:cSld>
+  <p:clrMapOvr>
+    <a:masterClrMapping/>
+  </p:clrMapOvr>
+</p:notes>
+</file>
+
+<file path=ppt/notesSlides/notesSlide4.xml><?xml version="1.0" encoding="utf-8"?>
+<p:notes xmlns:a="http://schemas.openxmlformats.org/drawingml/2006/main" xmlns:r="http://schemas.openxmlformats.org/officeDocument/2006/relationships" xmlns:p="http://schemas.openxmlformats.org/presentationml/2006/main">
+  <p:cSld>
+    <p:spTree>
+      <p:nvGrpSpPr>
+        <p:cNvPr id="1" name=""/>
+        <p:cNvGrpSpPr/>
+        <p:nvPr/>
+      </p:nvGrpSpPr>
+      <p:grpSpPr>
+        <a:xfrm>
+          <a:off x="0" y="0"/>
+          <a:ext cx="0" cy="0"/>
+          <a:chOff x="0" y="0"/>
+          <a:chExt cx="0" cy="0"/>
+        </a:xfrm>
+      </p:grpSpPr>
+      <p:sp>
+        <p:nvSpPr>
+          <p:cNvPr id="2" name="Folienbildplatzhalter 1"/>
+          <p:cNvSpPr>
+            <a:spLocks noGrp="1" noRot="1" noChangeAspect="1"/>
+          </p:cNvSpPr>
+          <p:nvPr>
+            <p:ph type="sldImg"/>
+          </p:nvPr>
+        </p:nvSpPr>
+        <p:spPr/>
+      </p:sp>
+      <p:sp>
+        <p:nvSpPr>
+          <p:cNvPr id="3" name="Notizenplatzhalter 2"/>
+          <p:cNvSpPr>
+            <a:spLocks noGrp="1"/>
+          </p:cNvSpPr>
+          <p:nvPr>
+            <p:ph type="body" idx="1"/>
+          </p:nvPr>
+        </p:nvSpPr>
+        <p:spPr/>
+        <p:txBody>
+          <a:bodyPr/>
+          <a:lstStyle/>
+          <a:p>
+            <a:r>
+              <a:rPr lang="de-DE" dirty="0"/>
+              <a:t>Was ist L? </a:t>
+            </a:r>
+            <a:r>
+              <a:rPr lang="de-DE" dirty="0" err="1"/>
+              <a:t>PrL</a:t>
+            </a:r>
+            <a:r>
+              <a:rPr lang="de-DE" dirty="0"/>
+              <a:t> = Polygon Rechts der Linie</a:t>
+            </a:r>
+          </a:p>
+          <a:p>
+            <a:r>
+              <a:rPr lang="de-DE" dirty="0"/>
+              <a:t>Was ist Area und Area Required?</a:t>
+            </a:r>
+          </a:p>
+        </p:txBody>
+      </p:sp>
+      <p:sp>
+        <p:nvSpPr>
+          <p:cNvPr id="4" name="Foliennummernplatzhalter 3"/>
+          <p:cNvSpPr>
+            <a:spLocks noGrp="1"/>
+          </p:cNvSpPr>
+          <p:nvPr>
+            <p:ph type="sldNum" sz="quarter" idx="5"/>
+          </p:nvPr>
+        </p:nvSpPr>
+        <p:spPr/>
+        <p:txBody>
+          <a:bodyPr/>
+          <a:lstStyle/>
+          <a:p>
+            <a:fld id="{F4B4D359-01ED-4D4E-820A-8F1370E7EFBB}" type="slidenum">
+              <a:rPr lang="de-DE" smtClean="0"/>
+              <a:t>4</a:t>
+            </a:fld>
+            <a:endParaRPr lang="de-DE"/>
+          </a:p>
+        </p:txBody>
+      </p:sp>
+    </p:spTree>
+    <p:extLst>
+      <p:ext uri="{BB962C8B-B14F-4D97-AF65-F5344CB8AC3E}">
+        <p14:creationId xmlns:p14="http://schemas.microsoft.com/office/powerpoint/2010/main" val="692341688"/>
+      </p:ext>
+    </p:extLst>
+  </p:cSld>
+  <p:clrMapOvr>
+    <a:masterClrMapping/>
+  </p:clrMapOvr>
+</p:notes>
+</file>
+
+<file path=ppt/notesSlides/notesSlide5.xml><?xml version="1.0" encoding="utf-8"?>
+<p:notes xmlns:a="http://schemas.openxmlformats.org/drawingml/2006/main" xmlns:r="http://schemas.openxmlformats.org/officeDocument/2006/relationships" xmlns:p="http://schemas.openxmlformats.org/presentationml/2006/main">
+  <p:cSld>
+    <p:spTree>
+      <p:nvGrpSpPr>
+        <p:cNvPr id="1" name=""/>
+        <p:cNvGrpSpPr/>
+        <p:nvPr/>
+      </p:nvGrpSpPr>
+      <p:grpSpPr>
+        <a:xfrm>
+          <a:off x="0" y="0"/>
+          <a:ext cx="0" cy="0"/>
+          <a:chOff x="0" y="0"/>
+          <a:chExt cx="0" cy="0"/>
+        </a:xfrm>
+      </p:grpSpPr>
+      <p:sp>
+        <p:nvSpPr>
+          <p:cNvPr id="2" name="Folienbildplatzhalter 1"/>
+          <p:cNvSpPr>
+            <a:spLocks noGrp="1" noRot="1" noChangeAspect="1"/>
+          </p:cNvSpPr>
+          <p:nvPr>
+            <p:ph type="sldImg"/>
+          </p:nvPr>
+        </p:nvSpPr>
+        <p:spPr/>
+      </p:sp>
+      <p:sp>
+        <p:nvSpPr>
+          <p:cNvPr id="3" name="Notizenplatzhalter 2"/>
+          <p:cNvSpPr>
+            <a:spLocks noGrp="1"/>
+          </p:cNvSpPr>
+          <p:nvPr>
+            <p:ph type="body" idx="1"/>
+          </p:nvPr>
+        </p:nvSpPr>
+        <p:spPr/>
+        <p:txBody>
+          <a:bodyPr/>
+          <a:lstStyle/>
+          <a:p>
+            <a:r>
+              <a:rPr lang="de-DE" sz="1200" dirty="0"/>
+              <a:t>Das Polygon soll also so zerlegt werden, dass S01 auf einem Teilpolygon mit 20% der Fläche und S02 auf einem Teilpolygon mit 80% der Fläche von CP liegt.</a:t>
+            </a:r>
+          </a:p>
+          <a:p>
+            <a:endParaRPr lang="de-DE" sz="1200" dirty="0"/>
+          </a:p>
+          <a:p>
+            <a:endParaRPr lang="de-DE" dirty="0"/>
+          </a:p>
+        </p:txBody>
+      </p:sp>
+      <p:sp>
+        <p:nvSpPr>
+          <p:cNvPr id="4" name="Foliennummernplatzhalter 3"/>
+          <p:cNvSpPr>
+            <a:spLocks noGrp="1"/>
+          </p:cNvSpPr>
+          <p:nvPr>
+            <p:ph type="sldNum" sz="quarter" idx="5"/>
+          </p:nvPr>
+        </p:nvSpPr>
+        <p:spPr/>
+        <p:txBody>
+          <a:bodyPr/>
+          <a:lstStyle/>
+          <a:p>
+            <a:fld id="{F4B4D359-01ED-4D4E-820A-8F1370E7EFBB}" type="slidenum">
+              <a:rPr lang="de-DE" smtClean="0"/>
+              <a:t>5</a:t>
+            </a:fld>
+            <a:endParaRPr lang="de-DE"/>
+          </a:p>
+        </p:txBody>
+      </p:sp>
+    </p:spTree>
+    <p:extLst>
+      <p:ext uri="{BB962C8B-B14F-4D97-AF65-F5344CB8AC3E}">
+        <p14:creationId xmlns:p14="http://schemas.microsoft.com/office/powerpoint/2010/main" val="1539115059"/>
+      </p:ext>
+    </p:extLst>
+  </p:cSld>
+  <p:clrMapOvr>
+    <a:masterClrMapping/>
+  </p:clrMapOvr>
+</p:notes>
+</file>
+
+<file path=ppt/notesSlides/notesSlide6.xml><?xml version="1.0" encoding="utf-8"?>
+<p:notes xmlns:a="http://schemas.openxmlformats.org/drawingml/2006/main" xmlns:r="http://schemas.openxmlformats.org/officeDocument/2006/relationships" xmlns:p="http://schemas.openxmlformats.org/presentationml/2006/main">
+  <p:cSld>
+    <p:spTree>
+      <p:nvGrpSpPr>
+        <p:cNvPr id="1" name=""/>
+        <p:cNvGrpSpPr/>
+        <p:nvPr/>
+      </p:nvGrpSpPr>
+      <p:grpSpPr>
+        <a:xfrm>
+          <a:off x="0" y="0"/>
+          <a:ext cx="0" cy="0"/>
+          <a:chOff x="0" y="0"/>
+          <a:chExt cx="0" cy="0"/>
+        </a:xfrm>
+      </p:grpSpPr>
+      <p:sp>
+        <p:nvSpPr>
+          <p:cNvPr id="2" name="Folienbildplatzhalter 1"/>
+          <p:cNvSpPr>
+            <a:spLocks noGrp="1" noRot="1" noChangeAspect="1"/>
+          </p:cNvSpPr>
+          <p:nvPr>
+            <p:ph type="sldImg"/>
+          </p:nvPr>
+        </p:nvSpPr>
+        <p:spPr/>
+      </p:sp>
+      <p:sp>
+        <p:nvSpPr>
+          <p:cNvPr id="3" name="Notizenplatzhalter 2"/>
+          <p:cNvSpPr>
+            <a:spLocks noGrp="1"/>
+          </p:cNvSpPr>
+          <p:nvPr>
+            <p:ph type="body" idx="1"/>
+          </p:nvPr>
+        </p:nvSpPr>
+        <p:spPr/>
+        <p:txBody>
+          <a:bodyPr/>
+          <a:lstStyle/>
+          <a:p>
+            <a:r>
+              <a:rPr lang="de-DE" sz="1200" dirty="0"/>
+              <a:t>Das Polygon soll so zerteilt werden, dass S01 auf einem Teilpolygon mit 70% der Fläche und S02 auf einem Teilpolygon mit 30% der Fläche von CP liegt.</a:t>
+            </a:r>
+          </a:p>
+          <a:p>
+            <a:endParaRPr lang="de-DE" sz="1200" dirty="0"/>
+          </a:p>
+          <a:p>
+            <a:endParaRPr lang="de-DE" dirty="0"/>
+          </a:p>
+        </p:txBody>
+      </p:sp>
+      <p:sp>
+        <p:nvSpPr>
+          <p:cNvPr id="4" name="Foliennummernplatzhalter 3"/>
+          <p:cNvSpPr>
+            <a:spLocks noGrp="1"/>
+          </p:cNvSpPr>
+          <p:nvPr>
+            <p:ph type="sldNum" sz="quarter" idx="5"/>
+          </p:nvPr>
+        </p:nvSpPr>
+        <p:spPr/>
+        <p:txBody>
+          <a:bodyPr/>
+          <a:lstStyle/>
+          <a:p>
+            <a:fld id="{F4B4D359-01ED-4D4E-820A-8F1370E7EFBB}" type="slidenum">
+              <a:rPr lang="de-DE" smtClean="0"/>
+              <a:t>8</a:t>
+            </a:fld>
+            <a:endParaRPr lang="de-DE"/>
+          </a:p>
+        </p:txBody>
+      </p:sp>
+    </p:spTree>
+    <p:extLst>
+      <p:ext uri="{BB962C8B-B14F-4D97-AF65-F5344CB8AC3E}">
+        <p14:creationId xmlns:p14="http://schemas.microsoft.com/office/powerpoint/2010/main" val="2338445071"/>
+      </p:ext>
+    </p:extLst>
+  </p:cSld>
+  <p:clrMapOvr>
+    <a:masterClrMapping/>
+  </p:clrMapOvr>
+</p:notes>
+</file>
+
+<file path=ppt/notesSlides/notesSlide7.xml><?xml version="1.0" encoding="utf-8"?>
+<p:notes xmlns:a="http://schemas.openxmlformats.org/drawingml/2006/main" xmlns:r="http://schemas.openxmlformats.org/officeDocument/2006/relationships" xmlns:p="http://schemas.openxmlformats.org/presentationml/2006/main">
+  <p:cSld>
+    <p:spTree>
+      <p:nvGrpSpPr>
+        <p:cNvPr id="1" name=""/>
+        <p:cNvGrpSpPr/>
+        <p:nvPr/>
+      </p:nvGrpSpPr>
+      <p:grpSpPr>
+        <a:xfrm>
+          <a:off x="0" y="0"/>
+          <a:ext cx="0" cy="0"/>
+          <a:chOff x="0" y="0"/>
+          <a:chExt cx="0" cy="0"/>
+        </a:xfrm>
+      </p:grpSpPr>
+      <p:sp>
+        <p:nvSpPr>
+          <p:cNvPr id="2" name="Folienbildplatzhalter 1"/>
+          <p:cNvSpPr>
+            <a:spLocks noGrp="1" noRot="1" noChangeAspect="1"/>
+          </p:cNvSpPr>
+          <p:nvPr>
+            <p:ph type="sldImg"/>
+          </p:nvPr>
+        </p:nvSpPr>
+        <p:spPr/>
+      </p:sp>
+      <p:sp>
+        <p:nvSpPr>
+          <p:cNvPr id="3" name="Notizenplatzhalter 2"/>
+          <p:cNvSpPr>
+            <a:spLocks noGrp="1"/>
+          </p:cNvSpPr>
+          <p:nvPr>
+            <p:ph type="body" idx="1"/>
+          </p:nvPr>
+        </p:nvSpPr>
+        <p:spPr/>
+        <p:txBody>
+          <a:bodyPr/>
+          <a:lstStyle/>
+          <a:p>
+            <a:r>
+              <a:rPr lang="de-DE" sz="1200" dirty="0"/>
+              <a:t>Das Polygon soll so zerteilt werden, dass S01 auf einem Teilpolygon mit 95% der Fläche und S02 auf einem Teilpolygon mit 5% der Fläche von CP liegt.</a:t>
+            </a:r>
+          </a:p>
+          <a:p>
+            <a:endParaRPr lang="de-DE" sz="1200" dirty="0"/>
+          </a:p>
+          <a:p>
+            <a:endParaRPr lang="de-DE" dirty="0"/>
+          </a:p>
+        </p:txBody>
+      </p:sp>
+      <p:sp>
+        <p:nvSpPr>
+          <p:cNvPr id="4" name="Foliennummernplatzhalter 3"/>
+          <p:cNvSpPr>
+            <a:spLocks noGrp="1"/>
+          </p:cNvSpPr>
+          <p:nvPr>
+            <p:ph type="sldNum" sz="quarter" idx="5"/>
+          </p:nvPr>
+        </p:nvSpPr>
+        <p:spPr/>
+        <p:txBody>
+          <a:bodyPr/>
+          <a:lstStyle/>
+          <a:p>
+            <a:fld id="{F4B4D359-01ED-4D4E-820A-8F1370E7EFBB}" type="slidenum">
+              <a:rPr lang="de-DE" smtClean="0"/>
+              <a:t>11</a:t>
+            </a:fld>
+            <a:endParaRPr lang="de-DE"/>
+          </a:p>
+        </p:txBody>
+      </p:sp>
+    </p:spTree>
+    <p:extLst>
+      <p:ext uri="{BB962C8B-B14F-4D97-AF65-F5344CB8AC3E}">
+        <p14:creationId xmlns:p14="http://schemas.microsoft.com/office/powerpoint/2010/main" val="3160362952"/>
+      </p:ext>
+    </p:extLst>
+  </p:cSld>
+  <p:clrMapOvr>
+    <a:masterClrMapping/>
+  </p:clrMapOvr>
+</p:notes>
+</file>
+
+<file path=ppt/notesSlides/notesSlide8.xml><?xml version="1.0" encoding="utf-8"?>
+<p:notes xmlns:a="http://schemas.openxmlformats.org/drawingml/2006/main" xmlns:r="http://schemas.openxmlformats.org/officeDocument/2006/relationships" xmlns:p="http://schemas.openxmlformats.org/presentationml/2006/main">
+  <p:cSld>
+    <p:spTree>
+      <p:nvGrpSpPr>
+        <p:cNvPr id="1" name=""/>
+        <p:cNvGrpSpPr/>
+        <p:nvPr/>
+      </p:nvGrpSpPr>
+      <p:grpSpPr>
+        <a:xfrm>
+          <a:off x="0" y="0"/>
+          <a:ext cx="0" cy="0"/>
+          <a:chOff x="0" y="0"/>
+          <a:chExt cx="0" cy="0"/>
+        </a:xfrm>
+      </p:grpSpPr>
+      <p:sp>
+        <p:nvSpPr>
+          <p:cNvPr id="2" name="Folienbildplatzhalter 1"/>
+          <p:cNvSpPr>
+            <a:spLocks noGrp="1" noRot="1" noChangeAspect="1"/>
+          </p:cNvSpPr>
+          <p:nvPr>
+            <p:ph type="sldImg"/>
+          </p:nvPr>
+        </p:nvSpPr>
+        <p:spPr/>
+      </p:sp>
+      <p:sp>
+        <p:nvSpPr>
+          <p:cNvPr id="3" name="Notizenplatzhalter 2"/>
+          <p:cNvSpPr>
+            <a:spLocks noGrp="1"/>
+          </p:cNvSpPr>
+          <p:nvPr>
+            <p:ph type="body" idx="1"/>
+          </p:nvPr>
+        </p:nvSpPr>
+        <p:spPr/>
+        <p:txBody>
+          <a:bodyPr/>
+          <a:lstStyle/>
+          <a:p>
+            <a:r>
+              <a:rPr lang="de-DE" dirty="0"/>
+              <a:t>12:00 min</a:t>
+            </a:r>
+          </a:p>
+        </p:txBody>
+      </p:sp>
+      <p:sp>
+        <p:nvSpPr>
+          <p:cNvPr id="4" name="Foliennummernplatzhalter 3"/>
+          <p:cNvSpPr>
+            <a:spLocks noGrp="1"/>
+          </p:cNvSpPr>
+          <p:nvPr>
+            <p:ph type="sldNum" sz="quarter" idx="5"/>
+          </p:nvPr>
+        </p:nvSpPr>
+        <p:spPr/>
+        <p:txBody>
+          <a:bodyPr/>
+          <a:lstStyle/>
+          <a:p>
+            <a:fld id="{F4B4D359-01ED-4D4E-820A-8F1370E7EFBB}" type="slidenum">
+              <a:rPr lang="de-DE" smtClean="0"/>
               <a:t>13</a:t>
             </a:fld>
             <a:endParaRPr lang="de-DE"/>
@@ -635,6 +1221,93 @@
     <p:extLst>
       <p:ext uri="{BB962C8B-B14F-4D97-AF65-F5344CB8AC3E}">
         <p14:creationId xmlns:p14="http://schemas.microsoft.com/office/powerpoint/2010/main" val="3347448406"/>
+      </p:ext>
+    </p:extLst>
+  </p:cSld>
+  <p:clrMapOvr>
+    <a:masterClrMapping/>
+  </p:clrMapOvr>
+</p:notes>
+</file>
+
+<file path=ppt/notesSlides/notesSlide9.xml><?xml version="1.0" encoding="utf-8"?>
+<p:notes xmlns:a="http://schemas.openxmlformats.org/drawingml/2006/main" xmlns:r="http://schemas.openxmlformats.org/officeDocument/2006/relationships" xmlns:p="http://schemas.openxmlformats.org/presentationml/2006/main">
+  <p:cSld>
+    <p:spTree>
+      <p:nvGrpSpPr>
+        <p:cNvPr id="1" name=""/>
+        <p:cNvGrpSpPr/>
+        <p:nvPr/>
+      </p:nvGrpSpPr>
+      <p:grpSpPr>
+        <a:xfrm>
+          <a:off x="0" y="0"/>
+          <a:ext cx="0" cy="0"/>
+          <a:chOff x="0" y="0"/>
+          <a:chExt cx="0" cy="0"/>
+        </a:xfrm>
+      </p:grpSpPr>
+      <p:sp>
+        <p:nvSpPr>
+          <p:cNvPr id="2" name="Folienbildplatzhalter 1"/>
+          <p:cNvSpPr>
+            <a:spLocks noGrp="1" noRot="1" noChangeAspect="1"/>
+          </p:cNvSpPr>
+          <p:nvPr>
+            <p:ph type="sldImg"/>
+          </p:nvPr>
+        </p:nvSpPr>
+        <p:spPr/>
+      </p:sp>
+      <p:sp>
+        <p:nvSpPr>
+          <p:cNvPr id="3" name="Notizenplatzhalter 2"/>
+          <p:cNvSpPr>
+            <a:spLocks noGrp="1"/>
+          </p:cNvSpPr>
+          <p:nvPr>
+            <p:ph type="body" idx="1"/>
+          </p:nvPr>
+        </p:nvSpPr>
+        <p:spPr/>
+        <p:txBody>
+          <a:bodyPr/>
+          <a:lstStyle/>
+          <a:p>
+            <a:r>
+              <a:rPr lang="de-DE" dirty="0"/>
+              <a:t>Bei Fall 2.1: Die Fläche die wir suchen wird jetzt größer</a:t>
+            </a:r>
+          </a:p>
+        </p:txBody>
+      </p:sp>
+      <p:sp>
+        <p:nvSpPr>
+          <p:cNvPr id="4" name="Foliennummernplatzhalter 3"/>
+          <p:cNvSpPr>
+            <a:spLocks noGrp="1"/>
+          </p:cNvSpPr>
+          <p:nvPr>
+            <p:ph type="sldNum" sz="quarter" idx="5"/>
+          </p:nvPr>
+        </p:nvSpPr>
+        <p:spPr/>
+        <p:txBody>
+          <a:bodyPr/>
+          <a:lstStyle/>
+          <a:p>
+            <a:fld id="{F4B4D359-01ED-4D4E-820A-8F1370E7EFBB}" type="slidenum">
+              <a:rPr lang="de-DE" smtClean="0"/>
+              <a:t>14</a:t>
+            </a:fld>
+            <a:endParaRPr lang="de-DE"/>
+          </a:p>
+        </p:txBody>
+      </p:sp>
+    </p:spTree>
+    <p:extLst>
+      <p:ext uri="{BB962C8B-B14F-4D97-AF65-F5344CB8AC3E}">
+        <p14:creationId xmlns:p14="http://schemas.microsoft.com/office/powerpoint/2010/main" val="3446069465"/>
       </p:ext>
     </p:extLst>
   </p:cSld>
@@ -789,10 +1462,10 @@
           <a:bodyPr/>
           <a:lstStyle/>
           <a:p>
-            <a:fld id="{DB36F1DF-06E5-9640-98EB-0F3BD301A163}" type="datetime1">
-              <a:rPr lang="de-DE" smtClean="0"/>
-              <a:t>06.02.22</a:t>
-            </a:fld>
+            <a:r>
+              <a:rPr lang="de-DE"/>
+              <a:t>14.02.22</a:t>
+            </a:r>
             <a:endParaRPr lang="de-DE" dirty="0"/>
           </a:p>
         </p:txBody>
@@ -990,11 +1663,10 @@
           <a:bodyPr/>
           <a:lstStyle/>
           <a:p>
-            <a:fld id="{619AE9C5-EEA4-1342-B0B4-2BA9591DAC04}" type="datetime1">
-              <a:rPr lang="de-DE" smtClean="0"/>
-              <a:t>06.02.22</a:t>
-            </a:fld>
-            <a:endParaRPr lang="de-DE"/>
+            <a:r>
+              <a:rPr lang="de-DE"/>
+              <a:t>14.02.22</a:t>
+            </a:r>
           </a:p>
         </p:txBody>
       </p:sp>
@@ -1201,11 +1873,10 @@
           <a:bodyPr/>
           <a:lstStyle/>
           <a:p>
-            <a:fld id="{93B5FFB2-079B-5D44-89BB-585BA9AFF994}" type="datetime1">
-              <a:rPr lang="de-DE" smtClean="0"/>
-              <a:t>06.02.22</a:t>
-            </a:fld>
-            <a:endParaRPr lang="de-DE"/>
+            <a:r>
+              <a:rPr lang="de-DE"/>
+              <a:t>14.02.22</a:t>
+            </a:r>
           </a:p>
         </p:txBody>
       </p:sp>
@@ -1402,10 +2073,10 @@
           <a:bodyPr/>
           <a:lstStyle/>
           <a:p>
-            <a:fld id="{6CE7F809-86BE-564F-9B19-DDE8C2FB4248}" type="datetime1">
-              <a:rPr lang="de-DE" smtClean="0"/>
-              <a:t>06.02.22</a:t>
-            </a:fld>
+            <a:r>
+              <a:rPr lang="de-DE"/>
+              <a:t>14.02.22</a:t>
+            </a:r>
             <a:endParaRPr lang="de-DE" dirty="0"/>
           </a:p>
         </p:txBody>
@@ -1681,11 +2352,10 @@
           <a:bodyPr/>
           <a:lstStyle/>
           <a:p>
-            <a:fld id="{6B0CEFC9-2606-7947-B8E7-913D72AA5102}" type="datetime1">
-              <a:rPr lang="de-DE" smtClean="0"/>
-              <a:t>06.02.22</a:t>
-            </a:fld>
-            <a:endParaRPr lang="de-DE"/>
+            <a:r>
+              <a:rPr lang="de-DE"/>
+              <a:t>14.02.22</a:t>
+            </a:r>
           </a:p>
         </p:txBody>
       </p:sp>
@@ -1949,11 +2619,10 @@
           <a:bodyPr/>
           <a:lstStyle/>
           <a:p>
-            <a:fld id="{91E29B99-55A1-D046-8AB7-5D6CA329F4A6}" type="datetime1">
-              <a:rPr lang="de-DE" smtClean="0"/>
-              <a:t>06.02.22</a:t>
-            </a:fld>
-            <a:endParaRPr lang="de-DE"/>
+            <a:r>
+              <a:rPr lang="de-DE"/>
+              <a:t>14.02.22</a:t>
+            </a:r>
           </a:p>
         </p:txBody>
       </p:sp>
@@ -2364,11 +3033,10 @@
           <a:bodyPr/>
           <a:lstStyle/>
           <a:p>
-            <a:fld id="{577422E0-613F-A44C-988D-77FFFD163C1D}" type="datetime1">
-              <a:rPr lang="de-DE" smtClean="0"/>
-              <a:t>06.02.22</a:t>
-            </a:fld>
-            <a:endParaRPr lang="de-DE"/>
+            <a:r>
+              <a:rPr lang="de-DE"/>
+              <a:t>14.02.22</a:t>
+            </a:r>
           </a:p>
         </p:txBody>
       </p:sp>
@@ -2554,11 +3222,10 @@
           <a:bodyPr/>
           <a:lstStyle/>
           <a:p>
-            <a:fld id="{5EDEE105-BF55-1447-BA16-C0E856872DDA}" type="datetime1">
-              <a:rPr lang="de-DE" smtClean="0"/>
-              <a:t>06.02.22</a:t>
-            </a:fld>
-            <a:endParaRPr lang="de-DE"/>
+            <a:r>
+              <a:rPr lang="de-DE"/>
+              <a:t>14.02.22</a:t>
+            </a:r>
           </a:p>
         </p:txBody>
       </p:sp>
@@ -2670,10 +3337,10 @@
           <a:bodyPr/>
           <a:lstStyle/>
           <a:p>
-            <a:fld id="{69E94F92-C213-5E48-8AE1-0137AEF275A1}" type="datetime1">
-              <a:rPr lang="de-DE" smtClean="0"/>
-              <a:t>06.02.22</a:t>
-            </a:fld>
+            <a:r>
+              <a:rPr lang="de-DE"/>
+              <a:t>14.02.22</a:t>
+            </a:r>
             <a:endParaRPr lang="de-DE" dirty="0"/>
           </a:p>
         </p:txBody>
@@ -2984,11 +3651,10 @@
           <a:bodyPr/>
           <a:lstStyle/>
           <a:p>
-            <a:fld id="{E67C821E-43C9-2C4A-B7E9-2363CD8EBAAB}" type="datetime1">
-              <a:rPr lang="de-DE" smtClean="0"/>
-              <a:t>06.02.22</a:t>
-            </a:fld>
-            <a:endParaRPr lang="de-DE"/>
+            <a:r>
+              <a:rPr lang="de-DE"/>
+              <a:t>14.02.22</a:t>
+            </a:r>
           </a:p>
         </p:txBody>
       </p:sp>
@@ -3275,11 +3941,10 @@
           <a:bodyPr/>
           <a:lstStyle/>
           <a:p>
-            <a:fld id="{394A174B-0FA2-E14B-89A5-E9B1C45E41CC}" type="datetime1">
-              <a:rPr lang="de-DE" smtClean="0"/>
-              <a:t>06.02.22</a:t>
-            </a:fld>
-            <a:endParaRPr lang="de-DE"/>
+            <a:r>
+              <a:rPr lang="de-DE"/>
+              <a:t>14.02.22</a:t>
+            </a:r>
           </a:p>
         </p:txBody>
       </p:sp>
@@ -3519,11 +4184,10 @@
             </a:lvl1pPr>
           </a:lstStyle>
           <a:p>
-            <a:fld id="{9B60C1F2-60C5-A94F-B6ED-70005C1F4124}" type="datetime1">
-              <a:rPr lang="de-DE" smtClean="0"/>
-              <a:t>06.02.22</a:t>
-            </a:fld>
-            <a:endParaRPr lang="de-DE"/>
+            <a:r>
+              <a:rPr lang="de-DE"/>
+              <a:t>14.02.22</a:t>
+            </a:r>
           </a:p>
         </p:txBody>
       </p:sp>
@@ -3641,7 +4305,7 @@
     <p:sldLayoutId id="2147483658" r:id="rId10"/>
     <p:sldLayoutId id="2147483659" r:id="rId11"/>
   </p:sldLayoutIdLst>
-  <p:hf sldNum="0" hdr="0" ftr="0" dt="0"/>
+  <p:hf hdr="0"/>
   <p:txStyles>
     <p:titleStyle>
       <a:lvl1pPr algn="l" defTabSz="914400" rtl="0" eaLnBrk="1" latinLnBrk="0" hangingPunct="1">
@@ -3956,8 +4620,8 @@
         </p:nvSpPr>
         <p:spPr>
           <a:xfrm>
-            <a:off x="1756541" y="1745343"/>
-            <a:ext cx="8678917" cy="523220"/>
+            <a:off x="1036983" y="1158934"/>
+            <a:ext cx="10118033" cy="646331"/>
           </a:xfrm>
           <a:prstGeom prst="rect">
             <a:avLst/>
@@ -3972,10 +4636,303 @@
           <a:p>
             <a:pPr algn="ctr"/>
             <a:r>
+              <a:rPr lang="de-DE" sz="3600" dirty="0"/>
+              <a:t>Gleichmäßige Flächenaufteilung von Polygonen</a:t>
+            </a:r>
+            <a:endParaRPr lang="de-DE" sz="41300" dirty="0"/>
+          </a:p>
+        </p:txBody>
+      </p:sp>
+      <p:sp>
+        <p:nvSpPr>
+          <p:cNvPr id="3" name="Textfeld 2">
+            <a:extLst>
+              <a:ext uri="{FF2B5EF4-FFF2-40B4-BE49-F238E27FC236}">
+                <a16:creationId xmlns:a16="http://schemas.microsoft.com/office/drawing/2014/main" id="{32342917-3D17-B240-95A5-3C4082A1DEE3}"/>
+              </a:ext>
+            </a:extLst>
+          </p:cNvPr>
+          <p:cNvSpPr txBox="1"/>
+          <p:nvPr/>
+        </p:nvSpPr>
+        <p:spPr>
+          <a:xfrm>
+            <a:off x="2186609" y="2079228"/>
+            <a:ext cx="8248849" cy="523220"/>
+          </a:xfrm>
+          <a:prstGeom prst="rect">
+            <a:avLst/>
+          </a:prstGeom>
+          <a:noFill/>
+        </p:spPr>
+        <p:txBody>
+          <a:bodyPr wrap="square" rtlCol="0">
+            <a:spAutoFit/>
+          </a:bodyPr>
+          <a:lstStyle/>
+          <a:p>
+            <a:pPr algn="ctr"/>
+            <a:r>
               <a:rPr lang="de-DE" sz="2800" dirty="0"/>
-              <a:t>Gleichmäßige Flächenaufteilung von Polygonen</a:t>
+              <a:t>Sebastian Loder	Jan Steffen </a:t>
+            </a:r>
+            <a:r>
+              <a:rPr lang="de-DE" sz="2800" dirty="0" err="1"/>
+              <a:t>Jendrny</a:t>
             </a:r>
             <a:endParaRPr lang="de-DE" sz="28700" dirty="0"/>
+          </a:p>
+        </p:txBody>
+      </p:sp>
+      <p:sp>
+        <p:nvSpPr>
+          <p:cNvPr id="8" name="Textfeld 7">
+            <a:extLst>
+              <a:ext uri="{FF2B5EF4-FFF2-40B4-BE49-F238E27FC236}">
+                <a16:creationId xmlns:a16="http://schemas.microsoft.com/office/drawing/2014/main" id="{3E981C24-98F1-9F46-8832-43D88CF49475}"/>
+              </a:ext>
+            </a:extLst>
+          </p:cNvPr>
+          <p:cNvSpPr txBox="1"/>
+          <p:nvPr/>
+        </p:nvSpPr>
+        <p:spPr>
+          <a:xfrm>
+            <a:off x="838200" y="4255553"/>
+            <a:ext cx="10515600" cy="1323439"/>
+          </a:xfrm>
+          <a:prstGeom prst="rect">
+            <a:avLst/>
+          </a:prstGeom>
+          <a:ln>
+            <a:noFill/>
+          </a:ln>
+        </p:spPr>
+        <p:style>
+          <a:lnRef idx="2">
+            <a:schemeClr val="dk1"/>
+          </a:lnRef>
+          <a:fillRef idx="1">
+            <a:schemeClr val="lt1"/>
+          </a:fillRef>
+          <a:effectRef idx="0">
+            <a:schemeClr val="dk1"/>
+          </a:effectRef>
+          <a:fontRef idx="minor">
+            <a:schemeClr val="dk1"/>
+          </a:fontRef>
+        </p:style>
+        <p:txBody>
+          <a:bodyPr wrap="square">
+            <a:spAutoFit/>
+          </a:bodyPr>
+          <a:lstStyle/>
+          <a:p>
+            <a:r>
+              <a:rPr lang="de-DE" sz="1600" b="1" dirty="0">
+                <a:effectLst/>
+                <a:latin typeface="FrutigerLTCom"/>
+              </a:rPr>
+              <a:t>Algorithmische Geometrie</a:t>
+            </a:r>
+            <a:r>
+              <a:rPr lang="de-DE" sz="1600" b="1" dirty="0">
+                <a:latin typeface="FrutigerLTCom"/>
+              </a:rPr>
+              <a:t>, </a:t>
+            </a:r>
+            <a:r>
+              <a:rPr lang="de-DE" sz="1600" b="1" dirty="0">
+                <a:effectLst/>
+                <a:latin typeface="FrutigerLTCom"/>
+              </a:rPr>
+              <a:t>Seminar 1904</a:t>
+            </a:r>
+            <a:br>
+              <a:rPr lang="de-DE" sz="1600" b="0" dirty="0">
+                <a:effectLst/>
+                <a:latin typeface="FrutigerLTCom"/>
+              </a:rPr>
+            </a:br>
+            <a:r>
+              <a:rPr lang="de-DE" sz="1600" b="0" dirty="0">
+                <a:effectLst/>
+                <a:latin typeface="FrutigerLTCom"/>
+              </a:rPr>
+              <a:t>im Wintersemester 2021/22 </a:t>
+            </a:r>
+            <a:endParaRPr lang="de-DE" sz="1600" dirty="0"/>
+          </a:p>
+          <a:p>
+            <a:r>
+              <a:rPr lang="de-DE" sz="1600" b="0" dirty="0">
+                <a:effectLst/>
+                <a:latin typeface="FrutigerLTCom"/>
+              </a:rPr>
+              <a:t>veranstaltet vom Lehrgebiet Kooperative Systeme </a:t>
+            </a:r>
+          </a:p>
+          <a:p>
+            <a:r>
+              <a:rPr lang="de-DE" sz="1600" b="0" dirty="0">
+                <a:effectLst/>
+                <a:latin typeface="FrutigerLTCom"/>
+              </a:rPr>
+              <a:t>der </a:t>
+            </a:r>
+            <a:r>
+              <a:rPr lang="de-DE" sz="1600" b="0" dirty="0" err="1">
+                <a:effectLst/>
+                <a:latin typeface="FrutigerLTCom"/>
+              </a:rPr>
+              <a:t>Fakultät</a:t>
+            </a:r>
+            <a:r>
+              <a:rPr lang="de-DE" sz="1600" b="0" dirty="0">
+                <a:effectLst/>
+                <a:latin typeface="FrutigerLTCom"/>
+              </a:rPr>
+              <a:t> </a:t>
+            </a:r>
+            <a:r>
+              <a:rPr lang="de-DE" sz="1600" b="0" dirty="0" err="1">
+                <a:effectLst/>
+                <a:latin typeface="FrutigerLTCom"/>
+              </a:rPr>
+              <a:t>für</a:t>
+            </a:r>
+            <a:r>
+              <a:rPr lang="de-DE" sz="1600" b="0" dirty="0">
+                <a:effectLst/>
+                <a:latin typeface="FrutigerLTCom"/>
+              </a:rPr>
+              <a:t> Mathematik und Informatik </a:t>
+            </a:r>
+            <a:endParaRPr lang="de-DE" sz="1600" dirty="0"/>
+          </a:p>
+          <a:p>
+            <a:r>
+              <a:rPr lang="de-DE" sz="1600" b="0" dirty="0">
+                <a:effectLst/>
+                <a:latin typeface="FrutigerLTCom"/>
+              </a:rPr>
+              <a:t>Christian </a:t>
+            </a:r>
+            <a:r>
+              <a:rPr lang="de-DE" sz="1600" b="0" dirty="0" err="1">
+                <a:effectLst/>
+                <a:latin typeface="FrutigerLTCom"/>
+              </a:rPr>
+              <a:t>Icking</a:t>
+            </a:r>
+            <a:r>
+              <a:rPr lang="de-DE" sz="1600" b="0" dirty="0">
+                <a:effectLst/>
+                <a:latin typeface="FrutigerLTCom"/>
+              </a:rPr>
+              <a:t>, </a:t>
+            </a:r>
+            <a:r>
+              <a:rPr lang="de-DE" sz="1600" b="0" dirty="0" err="1">
+                <a:effectLst/>
+                <a:latin typeface="FrutigerLTCom"/>
+              </a:rPr>
+              <a:t>Lihong</a:t>
+            </a:r>
+            <a:r>
+              <a:rPr lang="de-DE" sz="1600" b="0" dirty="0">
+                <a:effectLst/>
+                <a:latin typeface="FrutigerLTCom"/>
+              </a:rPr>
+              <a:t> Ma </a:t>
+            </a:r>
+            <a:endParaRPr lang="de-DE" sz="1600" dirty="0"/>
+          </a:p>
+        </p:txBody>
+      </p:sp>
+      <p:sp>
+        <p:nvSpPr>
+          <p:cNvPr id="6" name="Datumsplatzhalter 5">
+            <a:extLst>
+              <a:ext uri="{FF2B5EF4-FFF2-40B4-BE49-F238E27FC236}">
+                <a16:creationId xmlns:a16="http://schemas.microsoft.com/office/drawing/2014/main" id="{FDD149E6-4F61-F747-AAE1-C42258E034D8}"/>
+              </a:ext>
+            </a:extLst>
+          </p:cNvPr>
+          <p:cNvSpPr>
+            <a:spLocks noGrp="1"/>
+          </p:cNvSpPr>
+          <p:nvPr>
+            <p:ph type="dt" sz="half" idx="10"/>
+          </p:nvPr>
+        </p:nvSpPr>
+        <p:spPr/>
+        <p:txBody>
+          <a:bodyPr/>
+          <a:lstStyle/>
+          <a:p>
+            <a:r>
+              <a:rPr lang="de-DE"/>
+              <a:t>14.02.22</a:t>
+            </a:r>
+            <a:endParaRPr lang="de-DE" dirty="0"/>
+          </a:p>
+        </p:txBody>
+      </p:sp>
+      <p:sp>
+        <p:nvSpPr>
+          <p:cNvPr id="9" name="Fußzeilenplatzhalter 8">
+            <a:extLst>
+              <a:ext uri="{FF2B5EF4-FFF2-40B4-BE49-F238E27FC236}">
+                <a16:creationId xmlns:a16="http://schemas.microsoft.com/office/drawing/2014/main" id="{1E687CB9-8F44-8D44-9C2F-4ED4CF960CDA}"/>
+              </a:ext>
+            </a:extLst>
+          </p:cNvPr>
+          <p:cNvSpPr>
+            <a:spLocks noGrp="1"/>
+          </p:cNvSpPr>
+          <p:nvPr>
+            <p:ph type="ftr" sz="quarter" idx="11"/>
+          </p:nvPr>
+        </p:nvSpPr>
+        <p:spPr/>
+        <p:txBody>
+          <a:bodyPr/>
+          <a:lstStyle/>
+          <a:p>
+            <a:r>
+              <a:rPr lang="de-DE" dirty="0"/>
+              <a:t>Seminar Algorithmische Geometrie</a:t>
+            </a:r>
+          </a:p>
+        </p:txBody>
+      </p:sp>
+      <p:sp>
+        <p:nvSpPr>
+          <p:cNvPr id="10" name="Foliennummernplatzhalter 9">
+            <a:extLst>
+              <a:ext uri="{FF2B5EF4-FFF2-40B4-BE49-F238E27FC236}">
+                <a16:creationId xmlns:a16="http://schemas.microsoft.com/office/drawing/2014/main" id="{57641CAA-6A7F-FA48-9927-0DC9773D2E84}"/>
+              </a:ext>
+            </a:extLst>
+          </p:cNvPr>
+          <p:cNvSpPr>
+            <a:spLocks noGrp="1"/>
+          </p:cNvSpPr>
+          <p:nvPr>
+            <p:ph type="sldNum" sz="quarter" idx="12"/>
+          </p:nvPr>
+        </p:nvSpPr>
+        <p:spPr/>
+        <p:txBody>
+          <a:bodyPr/>
+          <a:lstStyle/>
+          <a:p>
+            <a:fld id="{CD307F64-5B15-6D4F-AE85-70F08BDC121E}" type="slidenum">
+              <a:rPr lang="de-DE" smtClean="0"/>
+              <a:t>1</a:t>
+            </a:fld>
+            <a:endParaRPr lang="de-DE"/>
           </a:p>
         </p:txBody>
       </p:sp>
@@ -4164,164 +5121,8 @@
           </a:prstGeom>
         </p:spPr>
       </p:pic>
-      <p:sp>
-        <p:nvSpPr>
-          <p:cNvPr id="22" name="Textfeld 21">
-            <a:extLst>
-              <a:ext uri="{FF2B5EF4-FFF2-40B4-BE49-F238E27FC236}">
-                <a16:creationId xmlns:a16="http://schemas.microsoft.com/office/drawing/2014/main" id="{29A0CA41-FB35-8A4B-8849-B9356C6DEB21}"/>
-              </a:ext>
-            </a:extLst>
-          </p:cNvPr>
-          <p:cNvSpPr txBox="1"/>
-          <p:nvPr/>
-        </p:nvSpPr>
-        <p:spPr>
-          <a:xfrm>
-            <a:off x="6678000" y="5934323"/>
-            <a:ext cx="2650727" cy="338554"/>
-          </a:xfrm>
-          <a:prstGeom prst="rect">
-            <a:avLst/>
-          </a:prstGeom>
-          <a:noFill/>
-        </p:spPr>
-        <p:txBody>
-          <a:bodyPr wrap="square" rtlCol="0">
-            <a:spAutoFit/>
-          </a:bodyPr>
-          <a:lstStyle/>
-          <a:p>
-            <a:pPr algn="ctr"/>
-            <a:r>
-              <a:rPr lang="de-DE" sz="1600" dirty="0"/>
-              <a:t>c(S01) = 0.70</a:t>
-            </a:r>
-          </a:p>
-        </p:txBody>
-      </p:sp>
-      <p:sp>
-        <p:nvSpPr>
-          <p:cNvPr id="23" name="Textfeld 22">
-            <a:extLst>
-              <a:ext uri="{FF2B5EF4-FFF2-40B4-BE49-F238E27FC236}">
-                <a16:creationId xmlns:a16="http://schemas.microsoft.com/office/drawing/2014/main" id="{9FC8D6FE-166F-DA4F-8D24-6E549E20F022}"/>
-              </a:ext>
-            </a:extLst>
-          </p:cNvPr>
-          <p:cNvSpPr txBox="1"/>
-          <p:nvPr/>
-        </p:nvSpPr>
-        <p:spPr>
-          <a:xfrm>
-            <a:off x="9067273" y="5934323"/>
-            <a:ext cx="2650727" cy="338554"/>
-          </a:xfrm>
-          <a:prstGeom prst="rect">
-            <a:avLst/>
-          </a:prstGeom>
-          <a:noFill/>
-        </p:spPr>
-        <p:txBody>
-          <a:bodyPr wrap="square" rtlCol="0">
-            <a:spAutoFit/>
-          </a:bodyPr>
-          <a:lstStyle/>
-          <a:p>
-            <a:pPr algn="ctr"/>
-            <a:r>
-              <a:rPr lang="de-DE" sz="1600" dirty="0"/>
-              <a:t>c(S02) = 0.30 </a:t>
-            </a:r>
-          </a:p>
-        </p:txBody>
-      </p:sp>
-      <p:cxnSp>
-        <p:nvCxnSpPr>
-          <p:cNvPr id="25" name="Gerade Verbindung 24">
-            <a:extLst>
-              <a:ext uri="{FF2B5EF4-FFF2-40B4-BE49-F238E27FC236}">
-                <a16:creationId xmlns:a16="http://schemas.microsoft.com/office/drawing/2014/main" id="{20CF3BBF-160E-8A4B-B41D-85D23C8B08FC}"/>
-              </a:ext>
-            </a:extLst>
-          </p:cNvPr>
-          <p:cNvCxnSpPr>
-            <a:cxnSpLocks/>
-          </p:cNvCxnSpPr>
-          <p:nvPr/>
-        </p:nvCxnSpPr>
-        <p:spPr>
-          <a:xfrm>
-            <a:off x="8081819" y="5671127"/>
-            <a:ext cx="1246908" cy="0"/>
-          </a:xfrm>
-          <a:prstGeom prst="line">
-            <a:avLst/>
-          </a:prstGeom>
-          <a:ln w="19050">
-            <a:headEnd type="triangle" w="med" len="med"/>
-            <a:tailEnd type="triangle" w="med" len="med"/>
-          </a:ln>
-        </p:spPr>
-        <p:style>
-          <a:lnRef idx="1">
-            <a:schemeClr val="accent1"/>
-          </a:lnRef>
-          <a:fillRef idx="0">
-            <a:schemeClr val="accent1"/>
-          </a:fillRef>
-          <a:effectRef idx="0">
-            <a:schemeClr val="accent1"/>
-          </a:effectRef>
-          <a:fontRef idx="minor">
-            <a:schemeClr val="tx1"/>
-          </a:fontRef>
-        </p:style>
-      </p:cxnSp>
-      <p:cxnSp>
-        <p:nvCxnSpPr>
-          <p:cNvPr id="30" name="Gerade Verbindung 29">
-            <a:extLst>
-              <a:ext uri="{FF2B5EF4-FFF2-40B4-BE49-F238E27FC236}">
-                <a16:creationId xmlns:a16="http://schemas.microsoft.com/office/drawing/2014/main" id="{7E1B36CD-673E-2744-98A7-2192A11DAB1E}"/>
-              </a:ext>
-            </a:extLst>
-          </p:cNvPr>
-          <p:cNvCxnSpPr>
-            <a:cxnSpLocks/>
-          </p:cNvCxnSpPr>
-          <p:nvPr/>
-        </p:nvCxnSpPr>
-        <p:spPr>
-          <a:xfrm>
-            <a:off x="9328727" y="5671127"/>
-            <a:ext cx="720436" cy="0"/>
-          </a:xfrm>
-          <a:prstGeom prst="line">
-            <a:avLst/>
-          </a:prstGeom>
-          <a:ln w="19050">
-            <a:headEnd type="triangle" w="med" len="med"/>
-            <a:tailEnd type="triangle" w="med" len="med"/>
-          </a:ln>
-        </p:spPr>
-        <p:style>
-          <a:lnRef idx="1">
-            <a:schemeClr val="accent1"/>
-          </a:lnRef>
-          <a:fillRef idx="0">
-            <a:schemeClr val="accent1"/>
-          </a:fillRef>
-          <a:effectRef idx="0">
-            <a:schemeClr val="accent1"/>
-          </a:effectRef>
-          <a:fontRef idx="minor">
-            <a:schemeClr val="tx1"/>
-          </a:fontRef>
-        </p:style>
-      </p:cxnSp>
-      <mc:AlternateContent xmlns:mc="http://schemas.openxmlformats.org/markup-compatibility/2006">
-        <mc:Choice xmlns:a14="http://schemas.microsoft.com/office/drawing/2010/main" Requires="a14">
+      <mc:AlternateContent xmlns:mc="http://schemas.openxmlformats.org/markup-compatibility/2006" xmlns:a14="http://schemas.microsoft.com/office/drawing/2010/main">
+        <mc:Choice Requires="a14">
           <p:sp>
             <p:nvSpPr>
               <p:cNvPr id="32" name="Textfeld 31">
@@ -4476,7 +5277,7 @@
             </p:txBody>
           </p:sp>
         </mc:Choice>
-        <mc:Fallback>
+        <mc:Fallback xmlns="">
           <p:sp>
             <p:nvSpPr>
               <p:cNvPr id="32" name="Textfeld 31">
@@ -4521,6 +5322,215 @@
           </p:sp>
         </mc:Fallback>
       </mc:AlternateContent>
+      <p:cxnSp>
+        <p:nvCxnSpPr>
+          <p:cNvPr id="11" name="Gerade Verbindung mit Pfeil 10">
+            <a:extLst>
+              <a:ext uri="{FF2B5EF4-FFF2-40B4-BE49-F238E27FC236}">
+                <a16:creationId xmlns:a16="http://schemas.microsoft.com/office/drawing/2014/main" id="{057A8010-3F9B-EA41-889E-13741F112D10}"/>
+              </a:ext>
+            </a:extLst>
+          </p:cNvPr>
+          <p:cNvCxnSpPr>
+            <a:cxnSpLocks/>
+          </p:cNvCxnSpPr>
+          <p:nvPr/>
+        </p:nvCxnSpPr>
+        <p:spPr>
+          <a:xfrm flipH="1">
+            <a:off x="9328727" y="5576270"/>
+            <a:ext cx="711200" cy="0"/>
+          </a:xfrm>
+          <a:prstGeom prst="straightConnector1">
+            <a:avLst/>
+          </a:prstGeom>
+          <a:ln w="19050">
+            <a:solidFill>
+              <a:srgbClr val="3C66DF"/>
+            </a:solidFill>
+            <a:tailEnd type="triangle"/>
+          </a:ln>
+        </p:spPr>
+        <p:style>
+          <a:lnRef idx="1">
+            <a:schemeClr val="accent1"/>
+          </a:lnRef>
+          <a:fillRef idx="0">
+            <a:schemeClr val="accent1"/>
+          </a:fillRef>
+          <a:effectRef idx="0">
+            <a:schemeClr val="accent1"/>
+          </a:effectRef>
+          <a:fontRef idx="minor">
+            <a:schemeClr val="tx1"/>
+          </a:fontRef>
+        </p:style>
+      </p:cxnSp>
+      <p:sp>
+        <p:nvSpPr>
+          <p:cNvPr id="18" name="Textfeld 17">
+            <a:extLst>
+              <a:ext uri="{FF2B5EF4-FFF2-40B4-BE49-F238E27FC236}">
+                <a16:creationId xmlns:a16="http://schemas.microsoft.com/office/drawing/2014/main" id="{FB53562A-EA3E-3C48-8B76-87E684567780}"/>
+              </a:ext>
+            </a:extLst>
+          </p:cNvPr>
+          <p:cNvSpPr txBox="1"/>
+          <p:nvPr/>
+        </p:nvSpPr>
+        <p:spPr>
+          <a:xfrm>
+            <a:off x="7922398" y="4381215"/>
+            <a:ext cx="803389" cy="292388"/>
+          </a:xfrm>
+          <a:prstGeom prst="rect">
+            <a:avLst/>
+          </a:prstGeom>
+          <a:noFill/>
+        </p:spPr>
+        <p:txBody>
+          <a:bodyPr wrap="square">
+            <a:spAutoFit/>
+          </a:bodyPr>
+          <a:lstStyle/>
+          <a:p>
+            <a:r>
+              <a:rPr lang="de-DE" sz="1300" dirty="0">
+                <a:solidFill>
+                  <a:srgbClr val="FF0000"/>
+                </a:solidFill>
+              </a:rPr>
+              <a:t>, c = 0.70</a:t>
+            </a:r>
+          </a:p>
+        </p:txBody>
+      </p:sp>
+      <p:sp>
+        <p:nvSpPr>
+          <p:cNvPr id="19" name="Textfeld 18">
+            <a:extLst>
+              <a:ext uri="{FF2B5EF4-FFF2-40B4-BE49-F238E27FC236}">
+                <a16:creationId xmlns:a16="http://schemas.microsoft.com/office/drawing/2014/main" id="{C4560402-DC7D-6544-B70F-51F32E6F9925}"/>
+              </a:ext>
+            </a:extLst>
+          </p:cNvPr>
+          <p:cNvSpPr txBox="1"/>
+          <p:nvPr/>
+        </p:nvSpPr>
+        <p:spPr>
+          <a:xfrm>
+            <a:off x="10659027" y="4781708"/>
+            <a:ext cx="803389" cy="292388"/>
+          </a:xfrm>
+          <a:prstGeom prst="rect">
+            <a:avLst/>
+          </a:prstGeom>
+          <a:noFill/>
+        </p:spPr>
+        <p:txBody>
+          <a:bodyPr wrap="square">
+            <a:spAutoFit/>
+          </a:bodyPr>
+          <a:lstStyle/>
+          <a:p>
+            <a:r>
+              <a:rPr lang="de-DE" sz="1300" dirty="0">
+                <a:solidFill>
+                  <a:srgbClr val="FF0000"/>
+                </a:solidFill>
+              </a:rPr>
+              <a:t>, c = 0.30</a:t>
+            </a:r>
+          </a:p>
+        </p:txBody>
+      </p:sp>
+      <p:sp>
+        <p:nvSpPr>
+          <p:cNvPr id="3" name="Datumsplatzhalter 2">
+            <a:extLst>
+              <a:ext uri="{FF2B5EF4-FFF2-40B4-BE49-F238E27FC236}">
+                <a16:creationId xmlns:a16="http://schemas.microsoft.com/office/drawing/2014/main" id="{E41D71C7-3279-274A-BCAC-667A9339AB30}"/>
+              </a:ext>
+            </a:extLst>
+          </p:cNvPr>
+          <p:cNvSpPr>
+            <a:spLocks noGrp="1"/>
+          </p:cNvSpPr>
+          <p:nvPr>
+            <p:ph type="dt" sz="half" idx="10"/>
+          </p:nvPr>
+        </p:nvSpPr>
+        <p:spPr/>
+        <p:txBody>
+          <a:bodyPr/>
+          <a:lstStyle/>
+          <a:p>
+            <a:r>
+              <a:rPr lang="de-DE"/>
+              <a:t>14.02.22</a:t>
+            </a:r>
+            <a:endParaRPr lang="de-DE" dirty="0"/>
+          </a:p>
+        </p:txBody>
+      </p:sp>
+      <p:sp>
+        <p:nvSpPr>
+          <p:cNvPr id="4" name="Fußzeilenplatzhalter 3">
+            <a:extLst>
+              <a:ext uri="{FF2B5EF4-FFF2-40B4-BE49-F238E27FC236}">
+                <a16:creationId xmlns:a16="http://schemas.microsoft.com/office/drawing/2014/main" id="{E78836CF-BE7F-A24E-8705-F168A392BDE1}"/>
+              </a:ext>
+            </a:extLst>
+          </p:cNvPr>
+          <p:cNvSpPr>
+            <a:spLocks noGrp="1"/>
+          </p:cNvSpPr>
+          <p:nvPr>
+            <p:ph type="ftr" sz="quarter" idx="11"/>
+          </p:nvPr>
+        </p:nvSpPr>
+        <p:spPr/>
+        <p:txBody>
+          <a:bodyPr/>
+          <a:lstStyle/>
+          <a:p>
+            <a:r>
+              <a:rPr lang="de-DE"/>
+              <a:t>Seminar Algorithmische Geometrie</a:t>
+            </a:r>
+            <a:endParaRPr lang="de-DE" dirty="0"/>
+          </a:p>
+        </p:txBody>
+      </p:sp>
+      <p:sp>
+        <p:nvSpPr>
+          <p:cNvPr id="6" name="Foliennummernplatzhalter 5">
+            <a:extLst>
+              <a:ext uri="{FF2B5EF4-FFF2-40B4-BE49-F238E27FC236}">
+                <a16:creationId xmlns:a16="http://schemas.microsoft.com/office/drawing/2014/main" id="{250EEC49-F34F-E042-AE73-CBA21CBAEEEB}"/>
+              </a:ext>
+            </a:extLst>
+          </p:cNvPr>
+          <p:cNvSpPr>
+            <a:spLocks noGrp="1"/>
+          </p:cNvSpPr>
+          <p:nvPr>
+            <p:ph type="sldNum" sz="quarter" idx="12"/>
+          </p:nvPr>
+        </p:nvSpPr>
+        <p:spPr/>
+        <p:txBody>
+          <a:bodyPr/>
+          <a:lstStyle/>
+          <a:p>
+            <a:fld id="{CD307F64-5B15-6D4F-AE85-70F08BDC121E}" type="slidenum">
+              <a:rPr lang="de-DE" smtClean="0"/>
+              <a:t>10</a:t>
+            </a:fld>
+            <a:endParaRPr lang="de-DE"/>
+          </a:p>
+        </p:txBody>
+      </p:sp>
     </p:spTree>
     <p:extLst>
       <p:ext uri="{BB962C8B-B14F-4D97-AF65-F5344CB8AC3E}">
@@ -4671,7 +5681,15 @@
           <a:p>
             <a:r>
               <a:rPr lang="de-DE" sz="2200" dirty="0"/>
-              <a:t>ConvexDivide - Fall 2.2 - Initialisierung</a:t>
+              <a:t>ConvexDivide - Fall 2.2 - „</a:t>
+            </a:r>
+            <a:r>
+              <a:rPr lang="de-DE" sz="2200" dirty="0" err="1"/>
+              <a:t>PrL</a:t>
+            </a:r>
+            <a:r>
+              <a:rPr lang="de-DE" sz="2200" dirty="0"/>
+              <a:t> zu klein und Le = Sn“</a:t>
             </a:r>
           </a:p>
         </p:txBody>
@@ -4693,7 +5711,7 @@
             <p:spPr>
               <a:xfrm>
                 <a:off x="360000" y="917210"/>
-                <a:ext cx="6105832" cy="4493538"/>
+                <a:ext cx="6105832" cy="3139321"/>
               </a:xfrm>
               <a:prstGeom prst="rect">
                 <a:avLst/>
@@ -4721,15 +5739,6 @@
                 <a:r>
                   <a:rPr lang="de-DE" sz="2200" dirty="0"/>
                   <a:t>c(S02) = 0.05</a:t>
-                </a:r>
-              </a:p>
-              <a:p>
-                <a:endParaRPr lang="de-DE" sz="2200" dirty="0"/>
-              </a:p>
-              <a:p>
-                <a:r>
-                  <a:rPr lang="de-DE" sz="2200" dirty="0"/>
-                  <a:t>Das Polygon soll so zerteilt werden, dass S01 auf einem Teilpolygon mit 95% der Fläche und S02 auf einem Teilpolygon mit 5% der Fläche von CP liegt.</a:t>
                 </a:r>
               </a:p>
               <a:p>
@@ -4868,15 +5877,15 @@
             <p:spPr>
               <a:xfrm>
                 <a:off x="360000" y="917210"/>
-                <a:ext cx="6105832" cy="4493538"/>
+                <a:ext cx="6105832" cy="3139321"/>
               </a:xfrm>
               <a:prstGeom prst="rect">
                 <a:avLst/>
               </a:prstGeom>
               <a:blipFill>
-                <a:blip r:embed="rId2"/>
+                <a:blip r:embed="rId3"/>
                 <a:stretch>
-                  <a:fillRect l="-1245" t="-845" b="-1690"/>
+                  <a:fillRect l="-1245" t="-1210" b="-2823"/>
                 </a:stretch>
               </a:blipFill>
             </p:spPr>
@@ -4910,7 +5919,7 @@
           <p:nvPr/>
         </p:nvPicPr>
         <p:blipFill>
-          <a:blip r:embed="rId3"/>
+          <a:blip r:embed="rId4"/>
           <a:stretch>
             <a:fillRect/>
           </a:stretch>
@@ -4927,10 +5936,10 @@
       </p:pic>
       <p:sp>
         <p:nvSpPr>
-          <p:cNvPr id="18" name="Textfeld 17">
-            <a:extLst>
-              <a:ext uri="{FF2B5EF4-FFF2-40B4-BE49-F238E27FC236}">
-                <a16:creationId xmlns:a16="http://schemas.microsoft.com/office/drawing/2014/main" id="{EAA4E3E5-E3E0-BC49-8DE0-6423F00FBF9C}"/>
+          <p:cNvPr id="13" name="Textfeld 12">
+            <a:extLst>
+              <a:ext uri="{FF2B5EF4-FFF2-40B4-BE49-F238E27FC236}">
+                <a16:creationId xmlns:a16="http://schemas.microsoft.com/office/drawing/2014/main" id="{63C0E42A-D399-AC49-9D8D-9CD612A4D9BD}"/>
               </a:ext>
             </a:extLst>
           </p:cNvPr>
@@ -4939,8 +5948,8 @@
         </p:nvSpPr>
         <p:spPr>
           <a:xfrm>
-            <a:off x="6678000" y="5934323"/>
-            <a:ext cx="2650727" cy="338554"/>
+            <a:off x="7922398" y="4381215"/>
+            <a:ext cx="803389" cy="292388"/>
           </a:xfrm>
           <a:prstGeom prst="rect">
             <a:avLst/>
@@ -4948,25 +5957,28 @@
           <a:noFill/>
         </p:spPr>
         <p:txBody>
-          <a:bodyPr wrap="square" rtlCol="0">
+          <a:bodyPr wrap="square">
             <a:spAutoFit/>
           </a:bodyPr>
           <a:lstStyle/>
           <a:p>
-            <a:pPr algn="ctr"/>
-            <a:r>
-              <a:rPr lang="de-DE" sz="1600" dirty="0"/>
-              <a:t>c(S01) = 0.95</a:t>
-            </a:r>
-          </a:p>
-        </p:txBody>
-      </p:sp>
-      <p:sp>
-        <p:nvSpPr>
-          <p:cNvPr id="19" name="Textfeld 18">
-            <a:extLst>
-              <a:ext uri="{FF2B5EF4-FFF2-40B4-BE49-F238E27FC236}">
-                <a16:creationId xmlns:a16="http://schemas.microsoft.com/office/drawing/2014/main" id="{F7BFF63A-4FF2-944F-A740-F7B3536EE936}"/>
+            <a:r>
+              <a:rPr lang="de-DE" sz="1300" dirty="0">
+                <a:solidFill>
+                  <a:srgbClr val="FF0000"/>
+                </a:solidFill>
+              </a:rPr>
+              <a:t>, c = 0.95</a:t>
+            </a:r>
+          </a:p>
+        </p:txBody>
+      </p:sp>
+      <p:sp>
+        <p:nvSpPr>
+          <p:cNvPr id="17" name="Textfeld 16">
+            <a:extLst>
+              <a:ext uri="{FF2B5EF4-FFF2-40B4-BE49-F238E27FC236}">
+                <a16:creationId xmlns:a16="http://schemas.microsoft.com/office/drawing/2014/main" id="{8E2E25F2-5D51-DA4B-A860-464F074BB0B5}"/>
               </a:ext>
             </a:extLst>
           </p:cNvPr>
@@ -4975,8 +5987,8 @@
         </p:nvSpPr>
         <p:spPr>
           <a:xfrm>
-            <a:off x="9067273" y="5934323"/>
-            <a:ext cx="2650727" cy="338554"/>
+            <a:off x="10659027" y="4781708"/>
+            <a:ext cx="803389" cy="292388"/>
           </a:xfrm>
           <a:prstGeom prst="rect">
             <a:avLst/>
@@ -4984,61 +5996,105 @@
           <a:noFill/>
         </p:spPr>
         <p:txBody>
-          <a:bodyPr wrap="square" rtlCol="0">
+          <a:bodyPr wrap="square">
             <a:spAutoFit/>
           </a:bodyPr>
           <a:lstStyle/>
           <a:p>
-            <a:pPr algn="ctr"/>
-            <a:r>
-              <a:rPr lang="de-DE" sz="1600" dirty="0"/>
-              <a:t>c(S02) = 0.05 </a:t>
-            </a:r>
-          </a:p>
-        </p:txBody>
-      </p:sp>
-      <p:sp>
-        <p:nvSpPr>
-          <p:cNvPr id="20" name="Smiley 19">
-            <a:extLst>
-              <a:ext uri="{FF2B5EF4-FFF2-40B4-BE49-F238E27FC236}">
-                <a16:creationId xmlns:a16="http://schemas.microsoft.com/office/drawing/2014/main" id="{1D9A696B-60DC-924C-9904-B5B74C10B3F2}"/>
-              </a:ext>
-            </a:extLst>
-          </p:cNvPr>
-          <p:cNvSpPr/>
-          <p:nvPr/>
-        </p:nvSpPr>
-        <p:spPr>
-          <a:xfrm>
-            <a:off x="10566400" y="387927"/>
-            <a:ext cx="1265600" cy="1265382"/>
-          </a:xfrm>
-          <a:prstGeom prst="smileyFace">
-            <a:avLst/>
-          </a:prstGeom>
-        </p:spPr>
-        <p:style>
-          <a:lnRef idx="2">
-            <a:schemeClr val="accent4">
-              <a:shade val="50000"/>
-            </a:schemeClr>
-          </a:lnRef>
-          <a:fillRef idx="1">
-            <a:schemeClr val="accent4"/>
-          </a:fillRef>
-          <a:effectRef idx="0">
-            <a:schemeClr val="accent4"/>
-          </a:effectRef>
-          <a:fontRef idx="minor">
-            <a:schemeClr val="lt1"/>
-          </a:fontRef>
-        </p:style>
-        <p:txBody>
-          <a:bodyPr rtlCol="0" anchor="ctr"/>
-          <a:lstStyle/>
-          <a:p>
-            <a:pPr algn="ctr"/>
+            <a:r>
+              <a:rPr lang="de-DE" sz="1300" dirty="0">
+                <a:solidFill>
+                  <a:srgbClr val="FF0000"/>
+                </a:solidFill>
+              </a:rPr>
+              <a:t>, c = 0.05</a:t>
+            </a:r>
+          </a:p>
+        </p:txBody>
+      </p:sp>
+      <p:sp>
+        <p:nvSpPr>
+          <p:cNvPr id="3" name="Datumsplatzhalter 2">
+            <a:extLst>
+              <a:ext uri="{FF2B5EF4-FFF2-40B4-BE49-F238E27FC236}">
+                <a16:creationId xmlns:a16="http://schemas.microsoft.com/office/drawing/2014/main" id="{32E6B7E2-4B4B-FE48-896A-695B0C27C678}"/>
+              </a:ext>
+            </a:extLst>
+          </p:cNvPr>
+          <p:cNvSpPr>
+            <a:spLocks noGrp="1"/>
+          </p:cNvSpPr>
+          <p:nvPr>
+            <p:ph type="dt" sz="half" idx="10"/>
+          </p:nvPr>
+        </p:nvSpPr>
+        <p:spPr/>
+        <p:txBody>
+          <a:bodyPr/>
+          <a:lstStyle/>
+          <a:p>
+            <a:r>
+              <a:rPr lang="de-DE"/>
+              <a:t>14.02.22</a:t>
+            </a:r>
+            <a:endParaRPr lang="de-DE" dirty="0"/>
+          </a:p>
+        </p:txBody>
+      </p:sp>
+      <p:sp>
+        <p:nvSpPr>
+          <p:cNvPr id="4" name="Fußzeilenplatzhalter 3">
+            <a:extLst>
+              <a:ext uri="{FF2B5EF4-FFF2-40B4-BE49-F238E27FC236}">
+                <a16:creationId xmlns:a16="http://schemas.microsoft.com/office/drawing/2014/main" id="{D7C9C906-9E50-344F-8CA8-F2C1C3D8583F}"/>
+              </a:ext>
+            </a:extLst>
+          </p:cNvPr>
+          <p:cNvSpPr>
+            <a:spLocks noGrp="1"/>
+          </p:cNvSpPr>
+          <p:nvPr>
+            <p:ph type="ftr" sz="quarter" idx="11"/>
+          </p:nvPr>
+        </p:nvSpPr>
+        <p:spPr/>
+        <p:txBody>
+          <a:bodyPr/>
+          <a:lstStyle/>
+          <a:p>
+            <a:r>
+              <a:rPr lang="de-DE"/>
+              <a:t>Seminar Algorithmische Geometrie</a:t>
+            </a:r>
+            <a:endParaRPr lang="de-DE" dirty="0"/>
+          </a:p>
+        </p:txBody>
+      </p:sp>
+      <p:sp>
+        <p:nvSpPr>
+          <p:cNvPr id="6" name="Foliennummernplatzhalter 5">
+            <a:extLst>
+              <a:ext uri="{FF2B5EF4-FFF2-40B4-BE49-F238E27FC236}">
+                <a16:creationId xmlns:a16="http://schemas.microsoft.com/office/drawing/2014/main" id="{EF2C807C-EE44-514E-9907-1DD435766A1F}"/>
+              </a:ext>
+            </a:extLst>
+          </p:cNvPr>
+          <p:cNvSpPr>
+            <a:spLocks noGrp="1"/>
+          </p:cNvSpPr>
+          <p:nvPr>
+            <p:ph type="sldNum" sz="quarter" idx="12"/>
+          </p:nvPr>
+        </p:nvSpPr>
+        <p:spPr/>
+        <p:txBody>
+          <a:bodyPr/>
+          <a:lstStyle/>
+          <a:p>
+            <a:fld id="{CD307F64-5B15-6D4F-AE85-70F08BDC121E}" type="slidenum">
+              <a:rPr lang="de-DE" smtClean="0"/>
+              <a:t>11</a:t>
+            </a:fld>
             <a:endParaRPr lang="de-DE"/>
           </a:p>
         </p:txBody>
@@ -5238,78 +6294,6 @@
       </p:sp>
       <p:sp>
         <p:nvSpPr>
-          <p:cNvPr id="22" name="Textfeld 21">
-            <a:extLst>
-              <a:ext uri="{FF2B5EF4-FFF2-40B4-BE49-F238E27FC236}">
-                <a16:creationId xmlns:a16="http://schemas.microsoft.com/office/drawing/2014/main" id="{29A0CA41-FB35-8A4B-8849-B9356C6DEB21}"/>
-              </a:ext>
-            </a:extLst>
-          </p:cNvPr>
-          <p:cNvSpPr txBox="1"/>
-          <p:nvPr/>
-        </p:nvSpPr>
-        <p:spPr>
-          <a:xfrm>
-            <a:off x="6678000" y="5934323"/>
-            <a:ext cx="2650727" cy="338554"/>
-          </a:xfrm>
-          <a:prstGeom prst="rect">
-            <a:avLst/>
-          </a:prstGeom>
-          <a:noFill/>
-        </p:spPr>
-        <p:txBody>
-          <a:bodyPr wrap="square" rtlCol="0">
-            <a:spAutoFit/>
-          </a:bodyPr>
-          <a:lstStyle/>
-          <a:p>
-            <a:pPr algn="ctr"/>
-            <a:r>
-              <a:rPr lang="de-DE" sz="1600" dirty="0"/>
-              <a:t>c(S01) = 0.95</a:t>
-            </a:r>
-          </a:p>
-        </p:txBody>
-      </p:sp>
-      <p:sp>
-        <p:nvSpPr>
-          <p:cNvPr id="23" name="Textfeld 22">
-            <a:extLst>
-              <a:ext uri="{FF2B5EF4-FFF2-40B4-BE49-F238E27FC236}">
-                <a16:creationId xmlns:a16="http://schemas.microsoft.com/office/drawing/2014/main" id="{9FC8D6FE-166F-DA4F-8D24-6E549E20F022}"/>
-              </a:ext>
-            </a:extLst>
-          </p:cNvPr>
-          <p:cNvSpPr txBox="1"/>
-          <p:nvPr/>
-        </p:nvSpPr>
-        <p:spPr>
-          <a:xfrm>
-            <a:off x="9067273" y="5934323"/>
-            <a:ext cx="2650727" cy="338554"/>
-          </a:xfrm>
-          <a:prstGeom prst="rect">
-            <a:avLst/>
-          </a:prstGeom>
-          <a:noFill/>
-        </p:spPr>
-        <p:txBody>
-          <a:bodyPr wrap="square" rtlCol="0">
-            <a:spAutoFit/>
-          </a:bodyPr>
-          <a:lstStyle/>
-          <a:p>
-            <a:pPr algn="ctr"/>
-            <a:r>
-              <a:rPr lang="de-DE" sz="1600" dirty="0"/>
-              <a:t>c(S02) = 0.05 </a:t>
-            </a:r>
-          </a:p>
-        </p:txBody>
-      </p:sp>
-      <p:sp>
-        <p:nvSpPr>
           <p:cNvPr id="18" name="Bogen 17">
             <a:extLst>
               <a:ext uri="{FF2B5EF4-FFF2-40B4-BE49-F238E27FC236}">
@@ -5414,8 +6398,8 @@
           </a:p>
         </p:txBody>
       </p:sp>
-      <mc:AlternateContent xmlns:mc="http://schemas.openxmlformats.org/markup-compatibility/2006">
-        <mc:Choice xmlns:a14="http://schemas.microsoft.com/office/drawing/2010/main" Requires="a14">
+      <mc:AlternateContent xmlns:mc="http://schemas.openxmlformats.org/markup-compatibility/2006" xmlns:a14="http://schemas.microsoft.com/office/drawing/2010/main">
+        <mc:Choice Requires="a14">
           <p:sp>
             <p:nvSpPr>
               <p:cNvPr id="20" name="Textfeld 19">
@@ -5599,7 +6583,7 @@
             </p:txBody>
           </p:sp>
         </mc:Choice>
-        <mc:Fallback>
+        <mc:Fallback xmlns="">
           <p:sp>
             <p:nvSpPr>
               <p:cNvPr id="20" name="Textfeld 19">
@@ -5697,6 +6681,171 @@
           </a:p>
         </p:txBody>
       </p:sp>
+      <p:sp>
+        <p:nvSpPr>
+          <p:cNvPr id="16" name="Textfeld 15">
+            <a:extLst>
+              <a:ext uri="{FF2B5EF4-FFF2-40B4-BE49-F238E27FC236}">
+                <a16:creationId xmlns:a16="http://schemas.microsoft.com/office/drawing/2014/main" id="{CAE9C0A6-E55B-634B-9430-48D743B983C8}"/>
+              </a:ext>
+            </a:extLst>
+          </p:cNvPr>
+          <p:cNvSpPr txBox="1"/>
+          <p:nvPr/>
+        </p:nvSpPr>
+        <p:spPr>
+          <a:xfrm>
+            <a:off x="7922398" y="4381215"/>
+            <a:ext cx="803389" cy="292388"/>
+          </a:xfrm>
+          <a:prstGeom prst="rect">
+            <a:avLst/>
+          </a:prstGeom>
+          <a:noFill/>
+        </p:spPr>
+        <p:txBody>
+          <a:bodyPr wrap="square">
+            <a:spAutoFit/>
+          </a:bodyPr>
+          <a:lstStyle/>
+          <a:p>
+            <a:r>
+              <a:rPr lang="de-DE" sz="1300" dirty="0">
+                <a:solidFill>
+                  <a:srgbClr val="FF0000"/>
+                </a:solidFill>
+              </a:rPr>
+              <a:t>, c = 0.95</a:t>
+            </a:r>
+          </a:p>
+        </p:txBody>
+      </p:sp>
+      <p:sp>
+        <p:nvSpPr>
+          <p:cNvPr id="17" name="Textfeld 16">
+            <a:extLst>
+              <a:ext uri="{FF2B5EF4-FFF2-40B4-BE49-F238E27FC236}">
+                <a16:creationId xmlns:a16="http://schemas.microsoft.com/office/drawing/2014/main" id="{9F4EB095-926C-904C-9F49-CFD80E75EE2D}"/>
+              </a:ext>
+            </a:extLst>
+          </p:cNvPr>
+          <p:cNvSpPr txBox="1"/>
+          <p:nvPr/>
+        </p:nvSpPr>
+        <p:spPr>
+          <a:xfrm>
+            <a:off x="10659027" y="4781708"/>
+            <a:ext cx="803389" cy="292388"/>
+          </a:xfrm>
+          <a:prstGeom prst="rect">
+            <a:avLst/>
+          </a:prstGeom>
+          <a:noFill/>
+        </p:spPr>
+        <p:txBody>
+          <a:bodyPr wrap="square">
+            <a:spAutoFit/>
+          </a:bodyPr>
+          <a:lstStyle/>
+          <a:p>
+            <a:r>
+              <a:rPr lang="de-DE" sz="1300" dirty="0">
+                <a:solidFill>
+                  <a:srgbClr val="FF0000"/>
+                </a:solidFill>
+              </a:rPr>
+              <a:t>, c = 0.05</a:t>
+            </a:r>
+          </a:p>
+        </p:txBody>
+      </p:sp>
+      <p:sp>
+        <p:nvSpPr>
+          <p:cNvPr id="2" name="Datumsplatzhalter 1">
+            <a:extLst>
+              <a:ext uri="{FF2B5EF4-FFF2-40B4-BE49-F238E27FC236}">
+                <a16:creationId xmlns:a16="http://schemas.microsoft.com/office/drawing/2014/main" id="{FE3CF773-49D7-1B41-AAFE-FDCD1AA17965}"/>
+              </a:ext>
+            </a:extLst>
+          </p:cNvPr>
+          <p:cNvSpPr>
+            <a:spLocks noGrp="1"/>
+          </p:cNvSpPr>
+          <p:nvPr>
+            <p:ph type="dt" sz="half" idx="10"/>
+          </p:nvPr>
+        </p:nvSpPr>
+        <p:spPr/>
+        <p:txBody>
+          <a:bodyPr/>
+          <a:lstStyle/>
+          <a:p>
+            <a:r>
+              <a:rPr lang="de-DE"/>
+              <a:t>14.02.22</a:t>
+            </a:r>
+            <a:endParaRPr lang="de-DE" dirty="0"/>
+          </a:p>
+        </p:txBody>
+      </p:sp>
+      <p:sp>
+        <p:nvSpPr>
+          <p:cNvPr id="4" name="Fußzeilenplatzhalter 3">
+            <a:extLst>
+              <a:ext uri="{FF2B5EF4-FFF2-40B4-BE49-F238E27FC236}">
+                <a16:creationId xmlns:a16="http://schemas.microsoft.com/office/drawing/2014/main" id="{C60DEAB8-83FE-6744-9D1D-1DCA080CA194}"/>
+              </a:ext>
+            </a:extLst>
+          </p:cNvPr>
+          <p:cNvSpPr>
+            <a:spLocks noGrp="1"/>
+          </p:cNvSpPr>
+          <p:nvPr>
+            <p:ph type="ftr" sz="quarter" idx="11"/>
+          </p:nvPr>
+        </p:nvSpPr>
+        <p:spPr/>
+        <p:txBody>
+          <a:bodyPr/>
+          <a:lstStyle/>
+          <a:p>
+            <a:r>
+              <a:rPr lang="de-DE"/>
+              <a:t>Seminar Algorithmische Geometrie</a:t>
+            </a:r>
+            <a:endParaRPr lang="de-DE" dirty="0"/>
+          </a:p>
+        </p:txBody>
+      </p:sp>
+      <p:sp>
+        <p:nvSpPr>
+          <p:cNvPr id="6" name="Foliennummernplatzhalter 5">
+            <a:extLst>
+              <a:ext uri="{FF2B5EF4-FFF2-40B4-BE49-F238E27FC236}">
+                <a16:creationId xmlns:a16="http://schemas.microsoft.com/office/drawing/2014/main" id="{4B823F69-AE13-4144-B7D1-18131B789E05}"/>
+              </a:ext>
+            </a:extLst>
+          </p:cNvPr>
+          <p:cNvSpPr>
+            <a:spLocks noGrp="1"/>
+          </p:cNvSpPr>
+          <p:nvPr>
+            <p:ph type="sldNum" sz="quarter" idx="12"/>
+          </p:nvPr>
+        </p:nvSpPr>
+        <p:spPr/>
+        <p:txBody>
+          <a:bodyPr/>
+          <a:lstStyle/>
+          <a:p>
+            <a:fld id="{CD307F64-5B15-6D4F-AE85-70F08BDC121E}" type="slidenum">
+              <a:rPr lang="de-DE" smtClean="0"/>
+              <a:t>12</a:t>
+            </a:fld>
+            <a:endParaRPr lang="de-DE"/>
+          </a:p>
+        </p:txBody>
+      </p:sp>
     </p:spTree>
     <p:extLst>
       <p:ext uri="{BB962C8B-B14F-4D97-AF65-F5344CB8AC3E}">
@@ -5860,80 +7009,8 @@
           </a:p>
         </p:txBody>
       </p:sp>
-      <p:sp>
-        <p:nvSpPr>
-          <p:cNvPr id="22" name="Textfeld 21">
-            <a:extLst>
-              <a:ext uri="{FF2B5EF4-FFF2-40B4-BE49-F238E27FC236}">
-                <a16:creationId xmlns:a16="http://schemas.microsoft.com/office/drawing/2014/main" id="{29A0CA41-FB35-8A4B-8849-B9356C6DEB21}"/>
-              </a:ext>
-            </a:extLst>
-          </p:cNvPr>
-          <p:cNvSpPr txBox="1"/>
-          <p:nvPr/>
-        </p:nvSpPr>
-        <p:spPr>
-          <a:xfrm>
-            <a:off x="6678000" y="5934323"/>
-            <a:ext cx="2650727" cy="338554"/>
-          </a:xfrm>
-          <a:prstGeom prst="rect">
-            <a:avLst/>
-          </a:prstGeom>
-          <a:noFill/>
-        </p:spPr>
-        <p:txBody>
-          <a:bodyPr wrap="square" rtlCol="0">
-            <a:spAutoFit/>
-          </a:bodyPr>
-          <a:lstStyle/>
-          <a:p>
-            <a:pPr algn="ctr"/>
-            <a:r>
-              <a:rPr lang="de-DE" sz="1600" dirty="0"/>
-              <a:t>c(S01) = 0.95</a:t>
-            </a:r>
-          </a:p>
-        </p:txBody>
-      </p:sp>
-      <p:sp>
-        <p:nvSpPr>
-          <p:cNvPr id="23" name="Textfeld 22">
-            <a:extLst>
-              <a:ext uri="{FF2B5EF4-FFF2-40B4-BE49-F238E27FC236}">
-                <a16:creationId xmlns:a16="http://schemas.microsoft.com/office/drawing/2014/main" id="{9FC8D6FE-166F-DA4F-8D24-6E549E20F022}"/>
-              </a:ext>
-            </a:extLst>
-          </p:cNvPr>
-          <p:cNvSpPr txBox="1"/>
-          <p:nvPr/>
-        </p:nvSpPr>
-        <p:spPr>
-          <a:xfrm>
-            <a:off x="9067273" y="5934323"/>
-            <a:ext cx="2650727" cy="338554"/>
-          </a:xfrm>
-          <a:prstGeom prst="rect">
-            <a:avLst/>
-          </a:prstGeom>
-          <a:noFill/>
-        </p:spPr>
-        <p:txBody>
-          <a:bodyPr wrap="square" rtlCol="0">
-            <a:spAutoFit/>
-          </a:bodyPr>
-          <a:lstStyle/>
-          <a:p>
-            <a:pPr algn="ctr"/>
-            <a:r>
-              <a:rPr lang="de-DE" sz="1600" dirty="0"/>
-              <a:t>c(S02) = 0.05 </a:t>
-            </a:r>
-          </a:p>
-        </p:txBody>
-      </p:sp>
-      <mc:AlternateContent xmlns:mc="http://schemas.openxmlformats.org/markup-compatibility/2006">
-        <mc:Choice xmlns:a14="http://schemas.microsoft.com/office/drawing/2010/main" Requires="a14">
+      <mc:AlternateContent xmlns:mc="http://schemas.openxmlformats.org/markup-compatibility/2006" xmlns:a14="http://schemas.microsoft.com/office/drawing/2010/main">
+        <mc:Choice Requires="a14">
           <p:sp>
             <p:nvSpPr>
               <p:cNvPr id="10" name="Textfeld 9">
@@ -6040,7 +7117,7 @@
             </p:txBody>
           </p:sp>
         </mc:Choice>
-        <mc:Fallback>
+        <mc:Fallback xmlns="">
           <p:sp>
             <p:nvSpPr>
               <p:cNvPr id="10" name="Textfeld 9">
@@ -6159,6 +7236,171 @@
           </a:fontRef>
         </p:style>
       </p:cxnSp>
+      <p:sp>
+        <p:nvSpPr>
+          <p:cNvPr id="11" name="Textfeld 10">
+            <a:extLst>
+              <a:ext uri="{FF2B5EF4-FFF2-40B4-BE49-F238E27FC236}">
+                <a16:creationId xmlns:a16="http://schemas.microsoft.com/office/drawing/2014/main" id="{78907319-B540-894D-BC40-60650BA9A5CA}"/>
+              </a:ext>
+            </a:extLst>
+          </p:cNvPr>
+          <p:cNvSpPr txBox="1"/>
+          <p:nvPr/>
+        </p:nvSpPr>
+        <p:spPr>
+          <a:xfrm>
+            <a:off x="7922398" y="4381215"/>
+            <a:ext cx="803389" cy="292388"/>
+          </a:xfrm>
+          <a:prstGeom prst="rect">
+            <a:avLst/>
+          </a:prstGeom>
+          <a:noFill/>
+        </p:spPr>
+        <p:txBody>
+          <a:bodyPr wrap="square">
+            <a:spAutoFit/>
+          </a:bodyPr>
+          <a:lstStyle/>
+          <a:p>
+            <a:r>
+              <a:rPr lang="de-DE" sz="1300" dirty="0">
+                <a:solidFill>
+                  <a:srgbClr val="FF0000"/>
+                </a:solidFill>
+              </a:rPr>
+              <a:t>, c = 0.95</a:t>
+            </a:r>
+          </a:p>
+        </p:txBody>
+      </p:sp>
+      <p:sp>
+        <p:nvSpPr>
+          <p:cNvPr id="17" name="Textfeld 16">
+            <a:extLst>
+              <a:ext uri="{FF2B5EF4-FFF2-40B4-BE49-F238E27FC236}">
+                <a16:creationId xmlns:a16="http://schemas.microsoft.com/office/drawing/2014/main" id="{F61B186D-FF75-7E48-96AB-D9B664DA40CA}"/>
+              </a:ext>
+            </a:extLst>
+          </p:cNvPr>
+          <p:cNvSpPr txBox="1"/>
+          <p:nvPr/>
+        </p:nvSpPr>
+        <p:spPr>
+          <a:xfrm>
+            <a:off x="10659027" y="4781708"/>
+            <a:ext cx="803389" cy="292388"/>
+          </a:xfrm>
+          <a:prstGeom prst="rect">
+            <a:avLst/>
+          </a:prstGeom>
+          <a:noFill/>
+        </p:spPr>
+        <p:txBody>
+          <a:bodyPr wrap="square">
+            <a:spAutoFit/>
+          </a:bodyPr>
+          <a:lstStyle/>
+          <a:p>
+            <a:r>
+              <a:rPr lang="de-DE" sz="1300" dirty="0">
+                <a:solidFill>
+                  <a:srgbClr val="FF0000"/>
+                </a:solidFill>
+              </a:rPr>
+              <a:t>, c = 0.05</a:t>
+            </a:r>
+          </a:p>
+        </p:txBody>
+      </p:sp>
+      <p:sp>
+        <p:nvSpPr>
+          <p:cNvPr id="2" name="Datumsplatzhalter 1">
+            <a:extLst>
+              <a:ext uri="{FF2B5EF4-FFF2-40B4-BE49-F238E27FC236}">
+                <a16:creationId xmlns:a16="http://schemas.microsoft.com/office/drawing/2014/main" id="{FD3B695D-9C9B-1240-AFDB-D1DE849C4EB2}"/>
+              </a:ext>
+            </a:extLst>
+          </p:cNvPr>
+          <p:cNvSpPr>
+            <a:spLocks noGrp="1"/>
+          </p:cNvSpPr>
+          <p:nvPr>
+            <p:ph type="dt" sz="half" idx="10"/>
+          </p:nvPr>
+        </p:nvSpPr>
+        <p:spPr/>
+        <p:txBody>
+          <a:bodyPr/>
+          <a:lstStyle/>
+          <a:p>
+            <a:r>
+              <a:rPr lang="de-DE"/>
+              <a:t>14.02.22</a:t>
+            </a:r>
+            <a:endParaRPr lang="de-DE" dirty="0"/>
+          </a:p>
+        </p:txBody>
+      </p:sp>
+      <p:sp>
+        <p:nvSpPr>
+          <p:cNvPr id="3" name="Fußzeilenplatzhalter 2">
+            <a:extLst>
+              <a:ext uri="{FF2B5EF4-FFF2-40B4-BE49-F238E27FC236}">
+                <a16:creationId xmlns:a16="http://schemas.microsoft.com/office/drawing/2014/main" id="{00CF5CA8-12EF-F241-87CF-D928FDD14FC7}"/>
+              </a:ext>
+            </a:extLst>
+          </p:cNvPr>
+          <p:cNvSpPr>
+            <a:spLocks noGrp="1"/>
+          </p:cNvSpPr>
+          <p:nvPr>
+            <p:ph type="ftr" sz="quarter" idx="11"/>
+          </p:nvPr>
+        </p:nvSpPr>
+        <p:spPr/>
+        <p:txBody>
+          <a:bodyPr/>
+          <a:lstStyle/>
+          <a:p>
+            <a:r>
+              <a:rPr lang="de-DE"/>
+              <a:t>Seminar Algorithmische Geometrie</a:t>
+            </a:r>
+            <a:endParaRPr lang="de-DE" dirty="0"/>
+          </a:p>
+        </p:txBody>
+      </p:sp>
+      <p:sp>
+        <p:nvSpPr>
+          <p:cNvPr id="4" name="Foliennummernplatzhalter 3">
+            <a:extLst>
+              <a:ext uri="{FF2B5EF4-FFF2-40B4-BE49-F238E27FC236}">
+                <a16:creationId xmlns:a16="http://schemas.microsoft.com/office/drawing/2014/main" id="{0D65FC13-83D8-4C4E-945C-19391E9F6EF7}"/>
+              </a:ext>
+            </a:extLst>
+          </p:cNvPr>
+          <p:cNvSpPr>
+            <a:spLocks noGrp="1"/>
+          </p:cNvSpPr>
+          <p:nvPr>
+            <p:ph type="sldNum" sz="quarter" idx="12"/>
+          </p:nvPr>
+        </p:nvSpPr>
+        <p:spPr/>
+        <p:txBody>
+          <a:bodyPr/>
+          <a:lstStyle/>
+          <a:p>
+            <a:fld id="{CD307F64-5B15-6D4F-AE85-70F08BDC121E}" type="slidenum">
+              <a:rPr lang="de-DE" smtClean="0"/>
+              <a:t>13</a:t>
+            </a:fld>
+            <a:endParaRPr lang="de-DE"/>
+          </a:p>
+        </p:txBody>
+      </p:sp>
     </p:spTree>
     <p:extLst>
       <p:ext uri="{BB962C8B-B14F-4D97-AF65-F5344CB8AC3E}">
@@ -6338,6 +7580,93 @@
               <a:rPr lang="de-DE" sz="2200" dirty="0"/>
               <a:t>ConvexDivide – Grundidee</a:t>
             </a:r>
+          </a:p>
+        </p:txBody>
+      </p:sp>
+      <p:sp>
+        <p:nvSpPr>
+          <p:cNvPr id="3" name="Datumsplatzhalter 2">
+            <a:extLst>
+              <a:ext uri="{FF2B5EF4-FFF2-40B4-BE49-F238E27FC236}">
+                <a16:creationId xmlns:a16="http://schemas.microsoft.com/office/drawing/2014/main" id="{70F6BAA1-5080-3C4D-ADB5-26B8CD5484C8}"/>
+              </a:ext>
+            </a:extLst>
+          </p:cNvPr>
+          <p:cNvSpPr>
+            <a:spLocks noGrp="1"/>
+          </p:cNvSpPr>
+          <p:nvPr>
+            <p:ph type="dt" sz="half" idx="10"/>
+          </p:nvPr>
+        </p:nvSpPr>
+        <p:spPr/>
+        <p:txBody>
+          <a:bodyPr/>
+          <a:lstStyle/>
+          <a:p>
+            <a:r>
+              <a:rPr lang="de-DE"/>
+              <a:t>14.02.22</a:t>
+            </a:r>
+            <a:endParaRPr lang="de-DE" dirty="0"/>
+          </a:p>
+        </p:txBody>
+      </p:sp>
+      <p:sp>
+        <p:nvSpPr>
+          <p:cNvPr id="7" name="Fußzeilenplatzhalter 6">
+            <a:extLst>
+              <a:ext uri="{FF2B5EF4-FFF2-40B4-BE49-F238E27FC236}">
+                <a16:creationId xmlns:a16="http://schemas.microsoft.com/office/drawing/2014/main" id="{156EA01C-4C5B-E04E-B2D4-AEF1E2C31A35}"/>
+              </a:ext>
+            </a:extLst>
+          </p:cNvPr>
+          <p:cNvSpPr>
+            <a:spLocks noGrp="1"/>
+          </p:cNvSpPr>
+          <p:nvPr>
+            <p:ph type="ftr" sz="quarter" idx="11"/>
+          </p:nvPr>
+        </p:nvSpPr>
+        <p:spPr/>
+        <p:txBody>
+          <a:bodyPr/>
+          <a:lstStyle/>
+          <a:p>
+            <a:r>
+              <a:rPr lang="de-DE"/>
+              <a:t>Seminar Algorithmische Geometrie</a:t>
+            </a:r>
+            <a:endParaRPr lang="de-DE" dirty="0"/>
+          </a:p>
+        </p:txBody>
+      </p:sp>
+      <p:sp>
+        <p:nvSpPr>
+          <p:cNvPr id="8" name="Foliennummernplatzhalter 7">
+            <a:extLst>
+              <a:ext uri="{FF2B5EF4-FFF2-40B4-BE49-F238E27FC236}">
+                <a16:creationId xmlns:a16="http://schemas.microsoft.com/office/drawing/2014/main" id="{DD2F6045-2DB0-3F4B-A595-76FC35F13A46}"/>
+              </a:ext>
+            </a:extLst>
+          </p:cNvPr>
+          <p:cNvSpPr>
+            <a:spLocks noGrp="1"/>
+          </p:cNvSpPr>
+          <p:nvPr>
+            <p:ph type="sldNum" sz="quarter" idx="12"/>
+          </p:nvPr>
+        </p:nvSpPr>
+        <p:spPr/>
+        <p:txBody>
+          <a:bodyPr/>
+          <a:lstStyle/>
+          <a:p>
+            <a:fld id="{CD307F64-5B15-6D4F-AE85-70F08BDC121E}" type="slidenum">
+              <a:rPr lang="de-DE" smtClean="0"/>
+              <a:t>14</a:t>
+            </a:fld>
+            <a:endParaRPr lang="de-DE"/>
           </a:p>
         </p:txBody>
       </p:sp>
@@ -6446,7 +7775,7 @@
           <a:p>
             <a:r>
               <a:rPr lang="de-DE" sz="2200" dirty="0"/>
-              <a:t>Komplexitätsanalyse und Schluss</a:t>
+              <a:t>Schluss</a:t>
             </a:r>
           </a:p>
         </p:txBody>
@@ -6466,7 +7795,7 @@
         <p:spPr>
           <a:xfrm>
             <a:off x="360000" y="788511"/>
-            <a:ext cx="10032508" cy="1107996"/>
+            <a:ext cx="11050122" cy="4154984"/>
           </a:xfrm>
           <a:prstGeom prst="rect">
             <a:avLst/>
@@ -6479,21 +7808,19 @@
           </a:bodyPr>
           <a:lstStyle/>
           <a:p>
+            <a:r>
+              <a:rPr lang="de-DE" sz="2200" dirty="0"/>
+              <a:t>Zusammenfassung</a:t>
+            </a:r>
+          </a:p>
+          <a:p>
             <a:pPr marL="342900" indent="-342900">
               <a:buFont typeface="Arial" panose="020B0604020202020204" pitchFamily="34" charset="0"/>
               <a:buChar char="•"/>
             </a:pPr>
             <a:r>
               <a:rPr lang="de-DE" sz="2200" dirty="0"/>
-              <a:t>Kurz auf die Komplexität für ConvexDivide und </a:t>
-            </a:r>
-            <a:r>
-              <a:rPr lang="de-DE" sz="2200" dirty="0" err="1"/>
-              <a:t>NonConvexDivide</a:t>
-            </a:r>
-            <a:r>
-              <a:rPr lang="de-DE" sz="2200" dirty="0"/>
-              <a:t> eingehen</a:t>
+              <a:t>Problem und Lösung der verankerten Flächenaufteilung wurde vorgestellt</a:t>
             </a:r>
           </a:p>
           <a:p>
@@ -6503,7 +7830,38 @@
             </a:pPr>
             <a:r>
               <a:rPr lang="de-DE" sz="2200" dirty="0"/>
-              <a:t>Schluss (ähnlich zur wissenschaftlichen Arbeit)</a:t>
+              <a:t>Komplexität zur Lösung des Problems ist O(pn</a:t>
+            </a:r>
+            <a:r>
+              <a:rPr lang="de-DE" sz="2200" baseline="30000" dirty="0"/>
+              <a:t>2</a:t>
+            </a:r>
+            <a:r>
+              <a:rPr lang="de-DE" sz="2200" dirty="0"/>
+              <a:t> +</a:t>
+            </a:r>
+            <a:r>
+              <a:rPr lang="de-DE" sz="2200" dirty="0" err="1"/>
+              <a:t>vn</a:t>
+            </a:r>
+            <a:r>
+              <a:rPr lang="de-DE" sz="2200" dirty="0"/>
+              <a:t>) mit p = 1 für den konvexen Fall</a:t>
+            </a:r>
+          </a:p>
+          <a:p>
+            <a:pPr lvl="1"/>
+            <a:r>
+              <a:rPr lang="de-DE" sz="2200" dirty="0"/>
+              <a:t>(</a:t>
+            </a:r>
+            <a:r>
+              <a:rPr lang="de-DE" sz="2200" dirty="0" err="1"/>
+              <a:t>n</a:t>
+            </a:r>
+            <a:r>
+              <a:rPr lang="de-DE" sz="2200" dirty="0"/>
+              <a:t> = Anzahl Standorte, v = Anzahl Polygonpunkte, p = Anzahl konvexe Teilpolygone)</a:t>
             </a:r>
           </a:p>
           <a:p>
@@ -6511,14 +7869,432 @@
               <a:buFont typeface="Arial" panose="020B0604020202020204" pitchFamily="34" charset="0"/>
               <a:buChar char="•"/>
             </a:pPr>
-            <a:r>
-              <a:rPr lang="de-DE" sz="2200" dirty="0">
-                <a:solidFill>
-                  <a:srgbClr val="FF0000"/>
-                </a:solidFill>
-              </a:rPr>
-              <a:t>TBD</a:t>
-            </a:r>
+            <a:endParaRPr lang="de-DE" sz="2200" dirty="0"/>
+          </a:p>
+          <a:p>
+            <a:r>
+              <a:rPr lang="de-DE" sz="2200" dirty="0"/>
+              <a:t>Ausblick</a:t>
+            </a:r>
+          </a:p>
+          <a:p>
+            <a:pPr marL="342900" indent="-342900">
+              <a:buFont typeface="Arial" panose="020B0604020202020204" pitchFamily="34" charset="0"/>
+              <a:buChar char="•"/>
+            </a:pPr>
+            <a:r>
+              <a:rPr lang="de-DE" sz="2200" dirty="0"/>
+              <a:t>Optimierung des Algorithmus</a:t>
+            </a:r>
+          </a:p>
+          <a:p>
+            <a:pPr marL="800100" lvl="1" indent="-342900">
+              <a:buFont typeface="Arial" panose="020B0604020202020204" pitchFamily="34" charset="0"/>
+              <a:buChar char="•"/>
+            </a:pPr>
+            <a:r>
+              <a:rPr lang="de-DE" sz="2200" dirty="0"/>
+              <a:t>konvexes Polygon: Reihenfolge der Punkte des Eingabepolygons bzw.</a:t>
+            </a:r>
+          </a:p>
+          <a:p>
+            <a:pPr marL="800100" lvl="1" indent="-342900">
+              <a:buFont typeface="Arial" panose="020B0604020202020204" pitchFamily="34" charset="0"/>
+              <a:buChar char="•"/>
+            </a:pPr>
+            <a:r>
+              <a:rPr lang="de-DE" sz="2200" dirty="0"/>
+              <a:t>Nicht konvexes, nicht einfaches Polygon: Art der Aufteilung des Polygons in konvexe Teilpolygone</a:t>
+            </a:r>
+          </a:p>
+          <a:p>
+            <a:pPr marL="342900" indent="-342900">
+              <a:buFont typeface="Arial" panose="020B0604020202020204" pitchFamily="34" charset="0"/>
+              <a:buChar char="•"/>
+            </a:pPr>
+            <a:r>
+              <a:rPr lang="de-DE" sz="2200" dirty="0"/>
+              <a:t>Für Roboterplanung können ggf. kompakte Flächen (im Sinne des kleinsten umschließenden Durchmessers) von Vorteil sein, da hier eine effizientere Bewegungsplanung möglich ist</a:t>
+            </a:r>
+            <a:endParaRPr lang="de-DE" sz="2200" dirty="0">
+              <a:solidFill>
+                <a:srgbClr val="FF0000"/>
+              </a:solidFill>
+            </a:endParaRPr>
+          </a:p>
+        </p:txBody>
+      </p:sp>
+      <p:cxnSp>
+        <p:nvCxnSpPr>
+          <p:cNvPr id="7" name="Gerade Verbindung 6">
+            <a:extLst>
+              <a:ext uri="{FF2B5EF4-FFF2-40B4-BE49-F238E27FC236}">
+                <a16:creationId xmlns:a16="http://schemas.microsoft.com/office/drawing/2014/main" id="{947EC584-E5E9-3A45-B300-CCFBD252D138}"/>
+              </a:ext>
+            </a:extLst>
+          </p:cNvPr>
+          <p:cNvCxnSpPr>
+            <a:cxnSpLocks/>
+          </p:cNvCxnSpPr>
+          <p:nvPr/>
+        </p:nvCxnSpPr>
+        <p:spPr>
+          <a:xfrm>
+            <a:off x="360000" y="6300000"/>
+            <a:ext cx="11484000" cy="0"/>
+          </a:xfrm>
+          <a:prstGeom prst="line">
+            <a:avLst/>
+          </a:prstGeom>
+          <a:ln>
+            <a:solidFill>
+              <a:schemeClr val="bg1">
+                <a:lumMod val="50000"/>
+              </a:schemeClr>
+            </a:solidFill>
+          </a:ln>
+        </p:spPr>
+        <p:style>
+          <a:lnRef idx="1">
+            <a:schemeClr val="accent1"/>
+          </a:lnRef>
+          <a:fillRef idx="0">
+            <a:schemeClr val="accent1"/>
+          </a:fillRef>
+          <a:effectRef idx="0">
+            <a:schemeClr val="accent1"/>
+          </a:effectRef>
+          <a:fontRef idx="minor">
+            <a:schemeClr val="tx1"/>
+          </a:fontRef>
+        </p:style>
+      </p:cxnSp>
+      <p:sp>
+        <p:nvSpPr>
+          <p:cNvPr id="2" name="Datumsplatzhalter 1">
+            <a:extLst>
+              <a:ext uri="{FF2B5EF4-FFF2-40B4-BE49-F238E27FC236}">
+                <a16:creationId xmlns:a16="http://schemas.microsoft.com/office/drawing/2014/main" id="{5B40C173-295C-FB47-8279-436AA50F3D63}"/>
+              </a:ext>
+            </a:extLst>
+          </p:cNvPr>
+          <p:cNvSpPr>
+            <a:spLocks noGrp="1"/>
+          </p:cNvSpPr>
+          <p:nvPr>
+            <p:ph type="dt" sz="half" idx="10"/>
+          </p:nvPr>
+        </p:nvSpPr>
+        <p:spPr/>
+        <p:txBody>
+          <a:bodyPr/>
+          <a:lstStyle/>
+          <a:p>
+            <a:r>
+              <a:rPr lang="de-DE"/>
+              <a:t>14.02.22</a:t>
+            </a:r>
+            <a:endParaRPr lang="de-DE" dirty="0"/>
+          </a:p>
+        </p:txBody>
+      </p:sp>
+      <p:sp>
+        <p:nvSpPr>
+          <p:cNvPr id="4" name="Fußzeilenplatzhalter 3">
+            <a:extLst>
+              <a:ext uri="{FF2B5EF4-FFF2-40B4-BE49-F238E27FC236}">
+                <a16:creationId xmlns:a16="http://schemas.microsoft.com/office/drawing/2014/main" id="{FB03E177-A9CC-1A41-8290-EEDD62EDCE52}"/>
+              </a:ext>
+            </a:extLst>
+          </p:cNvPr>
+          <p:cNvSpPr>
+            <a:spLocks noGrp="1"/>
+          </p:cNvSpPr>
+          <p:nvPr>
+            <p:ph type="ftr" sz="quarter" idx="11"/>
+          </p:nvPr>
+        </p:nvSpPr>
+        <p:spPr/>
+        <p:txBody>
+          <a:bodyPr/>
+          <a:lstStyle/>
+          <a:p>
+            <a:r>
+              <a:rPr lang="de-DE"/>
+              <a:t>Seminar Algorithmische Geometrie</a:t>
+            </a:r>
+            <a:endParaRPr lang="de-DE" dirty="0"/>
+          </a:p>
+        </p:txBody>
+      </p:sp>
+      <p:sp>
+        <p:nvSpPr>
+          <p:cNvPr id="8" name="Foliennummernplatzhalter 7">
+            <a:extLst>
+              <a:ext uri="{FF2B5EF4-FFF2-40B4-BE49-F238E27FC236}">
+                <a16:creationId xmlns:a16="http://schemas.microsoft.com/office/drawing/2014/main" id="{79A5F3B8-1E7C-5345-939B-D59D260BEF76}"/>
+              </a:ext>
+            </a:extLst>
+          </p:cNvPr>
+          <p:cNvSpPr>
+            <a:spLocks noGrp="1"/>
+          </p:cNvSpPr>
+          <p:nvPr>
+            <p:ph type="sldNum" sz="quarter" idx="12"/>
+          </p:nvPr>
+        </p:nvSpPr>
+        <p:spPr/>
+        <p:txBody>
+          <a:bodyPr/>
+          <a:lstStyle/>
+          <a:p>
+            <a:fld id="{CD307F64-5B15-6D4F-AE85-70F08BDC121E}" type="slidenum">
+              <a:rPr lang="de-DE" smtClean="0"/>
+              <a:t>15</a:t>
+            </a:fld>
+            <a:endParaRPr lang="de-DE"/>
+          </a:p>
+        </p:txBody>
+      </p:sp>
+    </p:spTree>
+    <p:extLst>
+      <p:ext uri="{BB962C8B-B14F-4D97-AF65-F5344CB8AC3E}">
+        <p14:creationId xmlns:p14="http://schemas.microsoft.com/office/powerpoint/2010/main" val="2905414504"/>
+      </p:ext>
+    </p:extLst>
+  </p:cSld>
+  <p:clrMapOvr>
+    <a:masterClrMapping/>
+  </p:clrMapOvr>
+</p:sld>
+</file>
+
+<file path=ppt/slides/slide16.xml><?xml version="1.0" encoding="utf-8"?>
+<p:sld xmlns:a="http://schemas.openxmlformats.org/drawingml/2006/main" xmlns:r="http://schemas.openxmlformats.org/officeDocument/2006/relationships" xmlns:p="http://schemas.openxmlformats.org/presentationml/2006/main">
+  <p:cSld>
+    <p:spTree>
+      <p:nvGrpSpPr>
+        <p:cNvPr id="1" name=""/>
+        <p:cNvGrpSpPr/>
+        <p:nvPr/>
+      </p:nvGrpSpPr>
+      <p:grpSpPr>
+        <a:xfrm>
+          <a:off x="0" y="0"/>
+          <a:ext cx="0" cy="0"/>
+          <a:chOff x="0" y="0"/>
+          <a:chExt cx="0" cy="0"/>
+        </a:xfrm>
+      </p:grpSpPr>
+      <p:cxnSp>
+        <p:nvCxnSpPr>
+          <p:cNvPr id="3" name="Gerade Verbindung 2">
+            <a:extLst>
+              <a:ext uri="{FF2B5EF4-FFF2-40B4-BE49-F238E27FC236}">
+                <a16:creationId xmlns:a16="http://schemas.microsoft.com/office/drawing/2014/main" id="{8421AFC9-93B7-174C-AC98-B470AEE31E8F}"/>
+              </a:ext>
+            </a:extLst>
+          </p:cNvPr>
+          <p:cNvCxnSpPr>
+            <a:cxnSpLocks/>
+          </p:cNvCxnSpPr>
+          <p:nvPr/>
+        </p:nvCxnSpPr>
+        <p:spPr>
+          <a:xfrm>
+            <a:off x="360000" y="720000"/>
+            <a:ext cx="11484000" cy="0"/>
+          </a:xfrm>
+          <a:prstGeom prst="line">
+            <a:avLst/>
+          </a:prstGeom>
+          <a:ln>
+            <a:solidFill>
+              <a:schemeClr val="bg1">
+                <a:lumMod val="50000"/>
+              </a:schemeClr>
+            </a:solidFill>
+          </a:ln>
+        </p:spPr>
+        <p:style>
+          <a:lnRef idx="1">
+            <a:schemeClr val="accent1"/>
+          </a:lnRef>
+          <a:fillRef idx="0">
+            <a:schemeClr val="accent1"/>
+          </a:fillRef>
+          <a:effectRef idx="0">
+            <a:schemeClr val="accent1"/>
+          </a:effectRef>
+          <a:fontRef idx="minor">
+            <a:schemeClr val="tx1"/>
+          </a:fontRef>
+        </p:style>
+      </p:cxnSp>
+      <p:sp>
+        <p:nvSpPr>
+          <p:cNvPr id="5" name="Textfeld 4">
+            <a:extLst>
+              <a:ext uri="{FF2B5EF4-FFF2-40B4-BE49-F238E27FC236}">
+                <a16:creationId xmlns:a16="http://schemas.microsoft.com/office/drawing/2014/main" id="{C9154523-AF7D-E44A-8128-3BB530E36F17}"/>
+              </a:ext>
+            </a:extLst>
+          </p:cNvPr>
+          <p:cNvSpPr txBox="1"/>
+          <p:nvPr/>
+        </p:nvSpPr>
+        <p:spPr>
+          <a:xfrm>
+            <a:off x="348000" y="285890"/>
+            <a:ext cx="11484000" cy="430887"/>
+          </a:xfrm>
+          <a:prstGeom prst="rect">
+            <a:avLst/>
+          </a:prstGeom>
+          <a:noFill/>
+        </p:spPr>
+        <p:txBody>
+          <a:bodyPr wrap="square">
+            <a:spAutoFit/>
+          </a:bodyPr>
+          <a:lstStyle/>
+          <a:p>
+            <a:r>
+              <a:rPr lang="de-DE" sz="2200" dirty="0"/>
+              <a:t>Schluss</a:t>
+            </a:r>
+          </a:p>
+        </p:txBody>
+      </p:sp>
+      <p:cxnSp>
+        <p:nvCxnSpPr>
+          <p:cNvPr id="7" name="Gerade Verbindung 6">
+            <a:extLst>
+              <a:ext uri="{FF2B5EF4-FFF2-40B4-BE49-F238E27FC236}">
+                <a16:creationId xmlns:a16="http://schemas.microsoft.com/office/drawing/2014/main" id="{7B993516-CCD8-124F-9937-97DEBB5B60D9}"/>
+              </a:ext>
+            </a:extLst>
+          </p:cNvPr>
+          <p:cNvCxnSpPr>
+            <a:cxnSpLocks/>
+          </p:cNvCxnSpPr>
+          <p:nvPr/>
+        </p:nvCxnSpPr>
+        <p:spPr>
+          <a:xfrm>
+            <a:off x="360000" y="6270183"/>
+            <a:ext cx="11484000" cy="0"/>
+          </a:xfrm>
+          <a:prstGeom prst="line">
+            <a:avLst/>
+          </a:prstGeom>
+          <a:ln>
+            <a:solidFill>
+              <a:schemeClr val="bg1">
+                <a:lumMod val="50000"/>
+              </a:schemeClr>
+            </a:solidFill>
+          </a:ln>
+        </p:spPr>
+        <p:style>
+          <a:lnRef idx="1">
+            <a:schemeClr val="accent1"/>
+          </a:lnRef>
+          <a:fillRef idx="0">
+            <a:schemeClr val="accent1"/>
+          </a:fillRef>
+          <a:effectRef idx="0">
+            <a:schemeClr val="accent1"/>
+          </a:effectRef>
+          <a:fontRef idx="minor">
+            <a:schemeClr val="tx1"/>
+          </a:fontRef>
+        </p:style>
+      </p:cxnSp>
+      <p:sp>
+        <p:nvSpPr>
+          <p:cNvPr id="2" name="Datumsplatzhalter 1">
+            <a:extLst>
+              <a:ext uri="{FF2B5EF4-FFF2-40B4-BE49-F238E27FC236}">
+                <a16:creationId xmlns:a16="http://schemas.microsoft.com/office/drawing/2014/main" id="{2C8D3DCC-6E50-734E-9586-A6025D01E9F1}"/>
+              </a:ext>
+            </a:extLst>
+          </p:cNvPr>
+          <p:cNvSpPr>
+            <a:spLocks noGrp="1"/>
+          </p:cNvSpPr>
+          <p:nvPr>
+            <p:ph type="dt" sz="half" idx="10"/>
+          </p:nvPr>
+        </p:nvSpPr>
+        <p:spPr/>
+        <p:txBody>
+          <a:bodyPr/>
+          <a:lstStyle/>
+          <a:p>
+            <a:r>
+              <a:rPr lang="de-DE"/>
+              <a:t>14.02.22</a:t>
+            </a:r>
+            <a:endParaRPr lang="de-DE" dirty="0"/>
+          </a:p>
+        </p:txBody>
+      </p:sp>
+      <p:sp>
+        <p:nvSpPr>
+          <p:cNvPr id="4" name="Fußzeilenplatzhalter 3">
+            <a:extLst>
+              <a:ext uri="{FF2B5EF4-FFF2-40B4-BE49-F238E27FC236}">
+                <a16:creationId xmlns:a16="http://schemas.microsoft.com/office/drawing/2014/main" id="{868E6C27-2C5D-6F48-B0AC-E3646B4F05A4}"/>
+              </a:ext>
+            </a:extLst>
+          </p:cNvPr>
+          <p:cNvSpPr>
+            <a:spLocks noGrp="1"/>
+          </p:cNvSpPr>
+          <p:nvPr>
+            <p:ph type="ftr" sz="quarter" idx="11"/>
+          </p:nvPr>
+        </p:nvSpPr>
+        <p:spPr/>
+        <p:txBody>
+          <a:bodyPr/>
+          <a:lstStyle/>
+          <a:p>
+            <a:r>
+              <a:rPr lang="de-DE"/>
+              <a:t>Seminar Algorithmische Geometrie</a:t>
+            </a:r>
+            <a:endParaRPr lang="de-DE" dirty="0"/>
+          </a:p>
+        </p:txBody>
+      </p:sp>
+      <p:sp>
+        <p:nvSpPr>
+          <p:cNvPr id="8" name="Foliennummernplatzhalter 7">
+            <a:extLst>
+              <a:ext uri="{FF2B5EF4-FFF2-40B4-BE49-F238E27FC236}">
+                <a16:creationId xmlns:a16="http://schemas.microsoft.com/office/drawing/2014/main" id="{188BFF59-C231-0F4B-929B-7271143A54D5}"/>
+              </a:ext>
+            </a:extLst>
+          </p:cNvPr>
+          <p:cNvSpPr>
+            <a:spLocks noGrp="1"/>
+          </p:cNvSpPr>
+          <p:nvPr>
+            <p:ph type="sldNum" sz="quarter" idx="12"/>
+          </p:nvPr>
+        </p:nvSpPr>
+        <p:spPr/>
+        <p:txBody>
+          <a:bodyPr/>
+          <a:lstStyle/>
+          <a:p>
+            <a:fld id="{CD307F64-5B15-6D4F-AE85-70F08BDC121E}" type="slidenum">
+              <a:rPr lang="de-DE" smtClean="0"/>
+              <a:t>16</a:t>
+            </a:fld>
+            <a:endParaRPr lang="de-DE"/>
           </a:p>
         </p:txBody>
       </p:sp>
@@ -6554,6 +8330,171 @@
       </p:grpSpPr>
       <p:sp>
         <p:nvSpPr>
+          <p:cNvPr id="35" name="Rechteck 34">
+            <a:extLst>
+              <a:ext uri="{FF2B5EF4-FFF2-40B4-BE49-F238E27FC236}">
+                <a16:creationId xmlns:a16="http://schemas.microsoft.com/office/drawing/2014/main" id="{85D72C2E-85FC-4A41-8453-713E78083CEE}"/>
+              </a:ext>
+            </a:extLst>
+          </p:cNvPr>
+          <p:cNvSpPr/>
+          <p:nvPr/>
+        </p:nvSpPr>
+        <p:spPr>
+          <a:xfrm>
+            <a:off x="2737176" y="1878410"/>
+            <a:ext cx="1523518" cy="322606"/>
+          </a:xfrm>
+          <a:prstGeom prst="rect">
+            <a:avLst/>
+          </a:prstGeom>
+          <a:solidFill>
+            <a:schemeClr val="accent6">
+              <a:lumMod val="40000"/>
+              <a:lumOff val="60000"/>
+            </a:schemeClr>
+          </a:solidFill>
+          <a:ln>
+            <a:noFill/>
+          </a:ln>
+        </p:spPr>
+        <p:style>
+          <a:lnRef idx="2">
+            <a:schemeClr val="accent1">
+              <a:shade val="50000"/>
+            </a:schemeClr>
+          </a:lnRef>
+          <a:fillRef idx="1">
+            <a:schemeClr val="accent1"/>
+          </a:fillRef>
+          <a:effectRef idx="0">
+            <a:schemeClr val="accent1"/>
+          </a:effectRef>
+          <a:fontRef idx="minor">
+            <a:schemeClr val="lt1"/>
+          </a:fontRef>
+        </p:style>
+        <p:txBody>
+          <a:bodyPr rtlCol="0" anchor="ctr"/>
+          <a:lstStyle/>
+          <a:p>
+            <a:pPr algn="ctr"/>
+            <a:endParaRPr lang="de-DE"/>
+          </a:p>
+        </p:txBody>
+      </p:sp>
+      <p:sp>
+        <p:nvSpPr>
+          <p:cNvPr id="36" name="Rechteck 35">
+            <a:extLst>
+              <a:ext uri="{FF2B5EF4-FFF2-40B4-BE49-F238E27FC236}">
+                <a16:creationId xmlns:a16="http://schemas.microsoft.com/office/drawing/2014/main" id="{945E939D-935E-E648-829B-82DD550247D6}"/>
+              </a:ext>
+            </a:extLst>
+          </p:cNvPr>
+          <p:cNvSpPr/>
+          <p:nvPr/>
+        </p:nvSpPr>
+        <p:spPr>
+          <a:xfrm>
+            <a:off x="4260693" y="1878410"/>
+            <a:ext cx="3524769" cy="322606"/>
+          </a:xfrm>
+          <a:prstGeom prst="rect">
+            <a:avLst/>
+          </a:prstGeom>
+          <a:solidFill>
+            <a:schemeClr val="accent6">
+              <a:lumMod val="60000"/>
+              <a:lumOff val="40000"/>
+            </a:schemeClr>
+          </a:solidFill>
+          <a:ln>
+            <a:noFill/>
+          </a:ln>
+        </p:spPr>
+        <p:style>
+          <a:lnRef idx="2">
+            <a:schemeClr val="accent1">
+              <a:shade val="50000"/>
+            </a:schemeClr>
+          </a:lnRef>
+          <a:fillRef idx="1">
+            <a:schemeClr val="accent1"/>
+          </a:fillRef>
+          <a:effectRef idx="0">
+            <a:schemeClr val="accent1"/>
+          </a:effectRef>
+          <a:fontRef idx="minor">
+            <a:schemeClr val="lt1"/>
+          </a:fontRef>
+        </p:style>
+        <p:txBody>
+          <a:bodyPr rtlCol="0" anchor="ctr"/>
+          <a:lstStyle/>
+          <a:p>
+            <a:pPr algn="ctr"/>
+            <a:endParaRPr lang="de-DE"/>
+          </a:p>
+        </p:txBody>
+      </p:sp>
+      <p:sp>
+        <p:nvSpPr>
+          <p:cNvPr id="34" name="Rechteck 33">
+            <a:extLst>
+              <a:ext uri="{FF2B5EF4-FFF2-40B4-BE49-F238E27FC236}">
+                <a16:creationId xmlns:a16="http://schemas.microsoft.com/office/drawing/2014/main" id="{2243D97C-D241-EA48-A510-1C494AF28654}"/>
+              </a:ext>
+            </a:extLst>
+          </p:cNvPr>
+          <p:cNvSpPr/>
+          <p:nvPr/>
+        </p:nvSpPr>
+        <p:spPr>
+          <a:xfrm>
+            <a:off x="1776549" y="1878410"/>
+            <a:ext cx="960627" cy="322606"/>
+          </a:xfrm>
+          <a:prstGeom prst="rect">
+            <a:avLst/>
+          </a:prstGeom>
+          <a:solidFill>
+            <a:schemeClr val="accent6">
+              <a:lumMod val="20000"/>
+              <a:lumOff val="80000"/>
+            </a:schemeClr>
+          </a:solidFill>
+          <a:ln>
+            <a:noFill/>
+          </a:ln>
+        </p:spPr>
+        <p:style>
+          <a:lnRef idx="2">
+            <a:schemeClr val="accent1">
+              <a:shade val="50000"/>
+            </a:schemeClr>
+          </a:lnRef>
+          <a:fillRef idx="1">
+            <a:schemeClr val="accent1"/>
+          </a:fillRef>
+          <a:effectRef idx="0">
+            <a:schemeClr val="accent1"/>
+          </a:effectRef>
+          <a:fontRef idx="minor">
+            <a:schemeClr val="lt1"/>
+          </a:fontRef>
+        </p:style>
+        <p:txBody>
+          <a:bodyPr rtlCol="0" anchor="ctr"/>
+          <a:lstStyle/>
+          <a:p>
+            <a:pPr algn="ctr"/>
+            <a:endParaRPr lang="de-DE"/>
+          </a:p>
+        </p:txBody>
+      </p:sp>
+      <p:sp>
+        <p:nvSpPr>
           <p:cNvPr id="4" name="Textfeld 3">
             <a:extLst>
               <a:ext uri="{FF2B5EF4-FFF2-40B4-BE49-F238E27FC236}">
@@ -6567,7 +8508,7 @@
         <p:spPr>
           <a:xfrm>
             <a:off x="360000" y="788511"/>
-            <a:ext cx="10032508" cy="1446550"/>
+            <a:ext cx="11138094" cy="430887"/>
           </a:xfrm>
           <a:prstGeom prst="rect">
             <a:avLst/>
@@ -6580,47 +8521,41 @@
           </a:bodyPr>
           <a:lstStyle/>
           <a:p>
-            <a:pPr marL="342900" indent="-342900">
-              <a:buFont typeface="Arial" panose="020B0604020202020204" pitchFamily="34" charset="0"/>
-              <a:buChar char="•"/>
-            </a:pPr>
             <a:r>
               <a:rPr lang="de-DE" sz="2200" dirty="0"/>
-              <a:t>Vorstellung SL / SJ</a:t>
-            </a:r>
-          </a:p>
-          <a:p>
-            <a:pPr marL="342900" indent="-342900">
-              <a:buFont typeface="Arial" panose="020B0604020202020204" pitchFamily="34" charset="0"/>
-              <a:buChar char="•"/>
-            </a:pPr>
+              <a:t>“Problem der verankerten Flächenaufteilung“ bzw. „</a:t>
+            </a:r>
+            <a:r>
+              <a:rPr lang="de-DE" sz="2200" dirty="0" err="1"/>
+              <a:t>anchored</a:t>
+            </a:r>
             <a:r>
               <a:rPr lang="de-DE" sz="2200" dirty="0"/>
-              <a:t>Einleitung</a:t>
-            </a:r>
-          </a:p>
-          <a:p>
-            <a:pPr marL="342900" indent="-342900">
-              <a:buFont typeface="Arial" panose="020B0604020202020204" pitchFamily="34" charset="0"/>
-              <a:buChar char="•"/>
-            </a:pPr>
+              <a:t> </a:t>
+            </a:r>
+            <a:r>
+              <a:rPr lang="de-DE" sz="2200" dirty="0" err="1"/>
+              <a:t>area</a:t>
+            </a:r>
             <a:r>
               <a:rPr lang="de-DE" sz="2200" dirty="0"/>
-              <a:t>Beschreibung des Problems</a:t>
-            </a:r>
-          </a:p>
-          <a:p>
-            <a:pPr marL="342900" indent="-342900">
-              <a:buFont typeface="Arial" panose="020B0604020202020204" pitchFamily="34" charset="0"/>
-              <a:buChar char="•"/>
-            </a:pPr>
-            <a:r>
-              <a:rPr lang="de-DE" sz="2200" dirty="0">
-                <a:solidFill>
-                  <a:srgbClr val="FF0000"/>
-                </a:solidFill>
-              </a:rPr>
-              <a:t>TBD</a:t>
+              <a:t> </a:t>
+            </a:r>
+            <a:r>
+              <a:rPr lang="de-DE" sz="2200" dirty="0" err="1"/>
+              <a:t>partition</a:t>
+            </a:r>
+            <a:r>
+              <a:rPr lang="de-DE" sz="2200" dirty="0"/>
+              <a:t> </a:t>
+            </a:r>
+            <a:r>
+              <a:rPr lang="de-DE" sz="2200" dirty="0" err="1"/>
+              <a:t>problem</a:t>
+            </a:r>
+            <a:r>
+              <a:rPr lang="de-DE" sz="2200" dirty="0"/>
+              <a:t>“ [1]</a:t>
             </a:r>
           </a:p>
         </p:txBody>
@@ -6750,6 +8685,2049 @@
           </a:p>
         </p:txBody>
       </p:sp>
+      <p:sp>
+        <p:nvSpPr>
+          <p:cNvPr id="6" name="Textfeld 5">
+            <a:extLst>
+              <a:ext uri="{FF2B5EF4-FFF2-40B4-BE49-F238E27FC236}">
+                <a16:creationId xmlns:a16="http://schemas.microsoft.com/office/drawing/2014/main" id="{E234F368-4775-A74A-B5AD-779D06E67496}"/>
+              </a:ext>
+            </a:extLst>
+          </p:cNvPr>
+          <p:cNvSpPr txBox="1"/>
+          <p:nvPr/>
+        </p:nvSpPr>
+        <p:spPr>
+          <a:xfrm>
+            <a:off x="360000" y="6013815"/>
+            <a:ext cx="11138094" cy="246221"/>
+          </a:xfrm>
+          <a:prstGeom prst="rect">
+            <a:avLst/>
+          </a:prstGeom>
+          <a:noFill/>
+        </p:spPr>
+        <p:txBody>
+          <a:bodyPr wrap="square" rtlCol="0">
+            <a:spAutoFit/>
+          </a:bodyPr>
+          <a:lstStyle/>
+          <a:p>
+            <a:r>
+              <a:rPr lang="de-DE" sz="1000" dirty="0"/>
+              <a:t>[1] Susan </a:t>
+            </a:r>
+            <a:r>
+              <a:rPr lang="de-DE" sz="1000" dirty="0" err="1"/>
+              <a:t>Hert</a:t>
+            </a:r>
+            <a:r>
+              <a:rPr lang="de-DE" sz="1000" dirty="0"/>
+              <a:t> </a:t>
+            </a:r>
+            <a:r>
+              <a:rPr lang="de-DE" sz="1000" dirty="0" err="1"/>
+              <a:t>and</a:t>
+            </a:r>
+            <a:r>
+              <a:rPr lang="de-DE" sz="1000" dirty="0"/>
+              <a:t> Vladimir </a:t>
+            </a:r>
+            <a:r>
+              <a:rPr lang="de-DE" sz="1000" dirty="0" err="1"/>
+              <a:t>Lumelsky</a:t>
+            </a:r>
+            <a:r>
+              <a:rPr lang="de-DE" sz="1000" dirty="0"/>
+              <a:t>. Polygon </a:t>
+            </a:r>
+            <a:r>
+              <a:rPr lang="de-DE" sz="1000" dirty="0" err="1"/>
+              <a:t>area</a:t>
+            </a:r>
+            <a:r>
+              <a:rPr lang="de-DE" sz="1000" dirty="0"/>
+              <a:t> </a:t>
+            </a:r>
+            <a:r>
+              <a:rPr lang="de-DE" sz="1000" dirty="0" err="1"/>
+              <a:t>decomposition</a:t>
+            </a:r>
+            <a:r>
+              <a:rPr lang="de-DE" sz="1000" dirty="0"/>
+              <a:t> </a:t>
+            </a:r>
+            <a:r>
+              <a:rPr lang="de-DE" sz="1000" dirty="0" err="1"/>
+              <a:t>for</a:t>
+            </a:r>
+            <a:r>
+              <a:rPr lang="de-DE" sz="1000" dirty="0"/>
+              <a:t> multiple-robot </a:t>
+            </a:r>
+            <a:r>
+              <a:rPr lang="de-DE" sz="1000" dirty="0" err="1"/>
+              <a:t>workspace</a:t>
+            </a:r>
+            <a:r>
+              <a:rPr lang="de-DE" sz="1000" dirty="0"/>
+              <a:t> </a:t>
+            </a:r>
+            <a:r>
+              <a:rPr lang="de-DE" sz="1000" dirty="0" err="1"/>
+              <a:t>division</a:t>
+            </a:r>
+            <a:r>
+              <a:rPr lang="de-DE" sz="1000" dirty="0"/>
+              <a:t>. International Journal </a:t>
+            </a:r>
+            <a:r>
+              <a:rPr lang="de-DE" sz="1000" dirty="0" err="1"/>
+              <a:t>of</a:t>
+            </a:r>
+            <a:r>
+              <a:rPr lang="de-DE" sz="1000" dirty="0"/>
+              <a:t> </a:t>
+            </a:r>
+            <a:r>
+              <a:rPr lang="de-DE" sz="1000" dirty="0" err="1"/>
+              <a:t>Computational</a:t>
+            </a:r>
+            <a:r>
+              <a:rPr lang="de-DE" sz="1000" dirty="0"/>
+              <a:t> </a:t>
+            </a:r>
+            <a:r>
+              <a:rPr lang="de-DE" sz="1000" dirty="0" err="1"/>
+              <a:t>Geometry</a:t>
+            </a:r>
+            <a:r>
+              <a:rPr lang="de-DE" sz="1000" dirty="0"/>
+              <a:t> &amp; </a:t>
+            </a:r>
+            <a:r>
+              <a:rPr lang="de-DE" sz="1000" dirty="0" err="1"/>
+              <a:t>Applications</a:t>
+            </a:r>
+            <a:r>
+              <a:rPr lang="de-DE" sz="1000" dirty="0"/>
+              <a:t>, 08(04):437–466, 1998.</a:t>
+            </a:r>
+          </a:p>
+        </p:txBody>
+      </p:sp>
+      <p:sp>
+        <p:nvSpPr>
+          <p:cNvPr id="2" name="Freihandform 1">
+            <a:extLst>
+              <a:ext uri="{FF2B5EF4-FFF2-40B4-BE49-F238E27FC236}">
+                <a16:creationId xmlns:a16="http://schemas.microsoft.com/office/drawing/2014/main" id="{5B451B62-5EC7-AF44-BCE5-20D134138028}"/>
+              </a:ext>
+            </a:extLst>
+          </p:cNvPr>
+          <p:cNvSpPr/>
+          <p:nvPr/>
+        </p:nvSpPr>
+        <p:spPr>
+          <a:xfrm>
+            <a:off x="9926129" y="1472544"/>
+            <a:ext cx="1605329" cy="1229650"/>
+          </a:xfrm>
+          <a:custGeom>
+            <a:avLst/>
+            <a:gdLst>
+              <a:gd name="connsiteX0" fmla="*/ 448574 w 1009291"/>
+              <a:gd name="connsiteY0" fmla="*/ 0 h 767751"/>
+              <a:gd name="connsiteX1" fmla="*/ 0 w 1009291"/>
+              <a:gd name="connsiteY1" fmla="*/ 319177 h 767751"/>
+              <a:gd name="connsiteX2" fmla="*/ 172529 w 1009291"/>
+              <a:gd name="connsiteY2" fmla="*/ 767751 h 767751"/>
+              <a:gd name="connsiteX3" fmla="*/ 698740 w 1009291"/>
+              <a:gd name="connsiteY3" fmla="*/ 767751 h 767751"/>
+              <a:gd name="connsiteX4" fmla="*/ 1009291 w 1009291"/>
+              <a:gd name="connsiteY4" fmla="*/ 189781 h 767751"/>
+              <a:gd name="connsiteX5" fmla="*/ 448574 w 1009291"/>
+              <a:gd name="connsiteY5" fmla="*/ 0 h 767751"/>
+            </a:gdLst>
+            <a:ahLst/>
+            <a:cxnLst>
+              <a:cxn ang="0">
+                <a:pos x="connsiteX0" y="connsiteY0"/>
+              </a:cxn>
+              <a:cxn ang="0">
+                <a:pos x="connsiteX1" y="connsiteY1"/>
+              </a:cxn>
+              <a:cxn ang="0">
+                <a:pos x="connsiteX2" y="connsiteY2"/>
+              </a:cxn>
+              <a:cxn ang="0">
+                <a:pos x="connsiteX3" y="connsiteY3"/>
+              </a:cxn>
+              <a:cxn ang="0">
+                <a:pos x="connsiteX4" y="connsiteY4"/>
+              </a:cxn>
+              <a:cxn ang="0">
+                <a:pos x="connsiteX5" y="connsiteY5"/>
+              </a:cxn>
+            </a:cxnLst>
+            <a:rect l="l" t="t" r="r" b="b"/>
+            <a:pathLst>
+              <a:path w="1009291" h="767751">
+                <a:moveTo>
+                  <a:pt x="448574" y="0"/>
+                </a:moveTo>
+                <a:lnTo>
+                  <a:pt x="0" y="319177"/>
+                </a:lnTo>
+                <a:lnTo>
+                  <a:pt x="172529" y="767751"/>
+                </a:lnTo>
+                <a:lnTo>
+                  <a:pt x="698740" y="767751"/>
+                </a:lnTo>
+                <a:lnTo>
+                  <a:pt x="1009291" y="189781"/>
+                </a:lnTo>
+                <a:lnTo>
+                  <a:pt x="448574" y="0"/>
+                </a:lnTo>
+                <a:close/>
+              </a:path>
+            </a:pathLst>
+          </a:custGeom>
+          <a:solidFill>
+            <a:schemeClr val="accent6">
+              <a:lumMod val="20000"/>
+              <a:lumOff val="80000"/>
+            </a:schemeClr>
+          </a:solidFill>
+          <a:ln>
+            <a:solidFill>
+              <a:schemeClr val="tx1"/>
+            </a:solidFill>
+          </a:ln>
+        </p:spPr>
+        <p:style>
+          <a:lnRef idx="2">
+            <a:schemeClr val="accent1">
+              <a:shade val="50000"/>
+            </a:schemeClr>
+          </a:lnRef>
+          <a:fillRef idx="1">
+            <a:schemeClr val="accent1"/>
+          </a:fillRef>
+          <a:effectRef idx="0">
+            <a:schemeClr val="accent1"/>
+          </a:effectRef>
+          <a:fontRef idx="minor">
+            <a:schemeClr val="lt1"/>
+          </a:fontRef>
+        </p:style>
+        <p:txBody>
+          <a:bodyPr rtlCol="0" anchor="ctr"/>
+          <a:lstStyle/>
+          <a:p>
+            <a:pPr algn="ctr"/>
+            <a:endParaRPr lang="de-DE"/>
+          </a:p>
+        </p:txBody>
+      </p:sp>
+      <p:sp>
+        <p:nvSpPr>
+          <p:cNvPr id="5" name="Freihandform 4">
+            <a:extLst>
+              <a:ext uri="{FF2B5EF4-FFF2-40B4-BE49-F238E27FC236}">
+                <a16:creationId xmlns:a16="http://schemas.microsoft.com/office/drawing/2014/main" id="{067CE023-FA6A-2348-AFA9-D49692584521}"/>
+              </a:ext>
+            </a:extLst>
+          </p:cNvPr>
+          <p:cNvSpPr/>
+          <p:nvPr/>
+        </p:nvSpPr>
+        <p:spPr>
+          <a:xfrm>
+            <a:off x="8210453" y="2213906"/>
+            <a:ext cx="1742535" cy="1699404"/>
+          </a:xfrm>
+          <a:custGeom>
+            <a:avLst/>
+            <a:gdLst>
+              <a:gd name="connsiteX0" fmla="*/ 353683 w 1095554"/>
+              <a:gd name="connsiteY0" fmla="*/ 0 h 1061049"/>
+              <a:gd name="connsiteX1" fmla="*/ 0 w 1095554"/>
+              <a:gd name="connsiteY1" fmla="*/ 526211 h 1061049"/>
+              <a:gd name="connsiteX2" fmla="*/ 690113 w 1095554"/>
+              <a:gd name="connsiteY2" fmla="*/ 1061049 h 1061049"/>
+              <a:gd name="connsiteX3" fmla="*/ 1095554 w 1095554"/>
+              <a:gd name="connsiteY3" fmla="*/ 621102 h 1061049"/>
+              <a:gd name="connsiteX4" fmla="*/ 629728 w 1095554"/>
+              <a:gd name="connsiteY4" fmla="*/ 569343 h 1061049"/>
+              <a:gd name="connsiteX5" fmla="*/ 646981 w 1095554"/>
+              <a:gd name="connsiteY5" fmla="*/ 146649 h 1061049"/>
+              <a:gd name="connsiteX6" fmla="*/ 353683 w 1095554"/>
+              <a:gd name="connsiteY6" fmla="*/ 0 h 1061049"/>
+            </a:gdLst>
+            <a:ahLst/>
+            <a:cxnLst>
+              <a:cxn ang="0">
+                <a:pos x="connsiteX0" y="connsiteY0"/>
+              </a:cxn>
+              <a:cxn ang="0">
+                <a:pos x="connsiteX1" y="connsiteY1"/>
+              </a:cxn>
+              <a:cxn ang="0">
+                <a:pos x="connsiteX2" y="connsiteY2"/>
+              </a:cxn>
+              <a:cxn ang="0">
+                <a:pos x="connsiteX3" y="connsiteY3"/>
+              </a:cxn>
+              <a:cxn ang="0">
+                <a:pos x="connsiteX4" y="connsiteY4"/>
+              </a:cxn>
+              <a:cxn ang="0">
+                <a:pos x="connsiteX5" y="connsiteY5"/>
+              </a:cxn>
+              <a:cxn ang="0">
+                <a:pos x="connsiteX6" y="connsiteY6"/>
+              </a:cxn>
+            </a:cxnLst>
+            <a:rect l="l" t="t" r="r" b="b"/>
+            <a:pathLst>
+              <a:path w="1095554" h="1061049">
+                <a:moveTo>
+                  <a:pt x="353683" y="0"/>
+                </a:moveTo>
+                <a:lnTo>
+                  <a:pt x="0" y="526211"/>
+                </a:lnTo>
+                <a:lnTo>
+                  <a:pt x="690113" y="1061049"/>
+                </a:lnTo>
+                <a:lnTo>
+                  <a:pt x="1095554" y="621102"/>
+                </a:lnTo>
+                <a:lnTo>
+                  <a:pt x="629728" y="569343"/>
+                </a:lnTo>
+                <a:lnTo>
+                  <a:pt x="646981" y="146649"/>
+                </a:lnTo>
+                <a:lnTo>
+                  <a:pt x="353683" y="0"/>
+                </a:lnTo>
+                <a:close/>
+              </a:path>
+            </a:pathLst>
+          </a:custGeom>
+          <a:solidFill>
+            <a:schemeClr val="accent6">
+              <a:lumMod val="40000"/>
+              <a:lumOff val="60000"/>
+            </a:schemeClr>
+          </a:solidFill>
+          <a:ln>
+            <a:solidFill>
+              <a:schemeClr val="tx1"/>
+            </a:solidFill>
+          </a:ln>
+        </p:spPr>
+        <p:style>
+          <a:lnRef idx="2">
+            <a:schemeClr val="accent1">
+              <a:shade val="50000"/>
+            </a:schemeClr>
+          </a:lnRef>
+          <a:fillRef idx="1">
+            <a:schemeClr val="accent1"/>
+          </a:fillRef>
+          <a:effectRef idx="0">
+            <a:schemeClr val="accent1"/>
+          </a:effectRef>
+          <a:fontRef idx="minor">
+            <a:schemeClr val="lt1"/>
+          </a:fontRef>
+        </p:style>
+        <p:txBody>
+          <a:bodyPr rtlCol="0" anchor="ctr"/>
+          <a:lstStyle/>
+          <a:p>
+            <a:pPr algn="ctr"/>
+            <a:endParaRPr lang="de-DE"/>
+          </a:p>
+        </p:txBody>
+      </p:sp>
+      <p:sp>
+        <p:nvSpPr>
+          <p:cNvPr id="10" name="Freihandform 9">
+            <a:extLst>
+              <a:ext uri="{FF2B5EF4-FFF2-40B4-BE49-F238E27FC236}">
+                <a16:creationId xmlns:a16="http://schemas.microsoft.com/office/drawing/2014/main" id="{E1317EF8-5B4A-0046-8C21-B8F3DA09A932}"/>
+              </a:ext>
+            </a:extLst>
+          </p:cNvPr>
+          <p:cNvSpPr/>
+          <p:nvPr/>
+        </p:nvSpPr>
+        <p:spPr>
+          <a:xfrm>
+            <a:off x="9843240" y="3794865"/>
+            <a:ext cx="1742535" cy="1699404"/>
+          </a:xfrm>
+          <a:custGeom>
+            <a:avLst/>
+            <a:gdLst>
+              <a:gd name="connsiteX0" fmla="*/ 353683 w 1095554"/>
+              <a:gd name="connsiteY0" fmla="*/ 0 h 1061049"/>
+              <a:gd name="connsiteX1" fmla="*/ 0 w 1095554"/>
+              <a:gd name="connsiteY1" fmla="*/ 526211 h 1061049"/>
+              <a:gd name="connsiteX2" fmla="*/ 690113 w 1095554"/>
+              <a:gd name="connsiteY2" fmla="*/ 1061049 h 1061049"/>
+              <a:gd name="connsiteX3" fmla="*/ 1095554 w 1095554"/>
+              <a:gd name="connsiteY3" fmla="*/ 621102 h 1061049"/>
+              <a:gd name="connsiteX4" fmla="*/ 629728 w 1095554"/>
+              <a:gd name="connsiteY4" fmla="*/ 569343 h 1061049"/>
+              <a:gd name="connsiteX5" fmla="*/ 646981 w 1095554"/>
+              <a:gd name="connsiteY5" fmla="*/ 146649 h 1061049"/>
+              <a:gd name="connsiteX6" fmla="*/ 353683 w 1095554"/>
+              <a:gd name="connsiteY6" fmla="*/ 0 h 1061049"/>
+            </a:gdLst>
+            <a:ahLst/>
+            <a:cxnLst>
+              <a:cxn ang="0">
+                <a:pos x="connsiteX0" y="connsiteY0"/>
+              </a:cxn>
+              <a:cxn ang="0">
+                <a:pos x="connsiteX1" y="connsiteY1"/>
+              </a:cxn>
+              <a:cxn ang="0">
+                <a:pos x="connsiteX2" y="connsiteY2"/>
+              </a:cxn>
+              <a:cxn ang="0">
+                <a:pos x="connsiteX3" y="connsiteY3"/>
+              </a:cxn>
+              <a:cxn ang="0">
+                <a:pos x="connsiteX4" y="connsiteY4"/>
+              </a:cxn>
+              <a:cxn ang="0">
+                <a:pos x="connsiteX5" y="connsiteY5"/>
+              </a:cxn>
+              <a:cxn ang="0">
+                <a:pos x="connsiteX6" y="connsiteY6"/>
+              </a:cxn>
+            </a:cxnLst>
+            <a:rect l="l" t="t" r="r" b="b"/>
+            <a:pathLst>
+              <a:path w="1095554" h="1061049">
+                <a:moveTo>
+                  <a:pt x="353683" y="0"/>
+                </a:moveTo>
+                <a:lnTo>
+                  <a:pt x="0" y="526211"/>
+                </a:lnTo>
+                <a:lnTo>
+                  <a:pt x="690113" y="1061049"/>
+                </a:lnTo>
+                <a:lnTo>
+                  <a:pt x="1095554" y="621102"/>
+                </a:lnTo>
+                <a:lnTo>
+                  <a:pt x="629728" y="569343"/>
+                </a:lnTo>
+                <a:lnTo>
+                  <a:pt x="646981" y="146649"/>
+                </a:lnTo>
+                <a:lnTo>
+                  <a:pt x="353683" y="0"/>
+                </a:lnTo>
+                <a:close/>
+              </a:path>
+            </a:pathLst>
+          </a:custGeom>
+          <a:solidFill>
+            <a:schemeClr val="accent6">
+              <a:lumMod val="60000"/>
+              <a:lumOff val="40000"/>
+            </a:schemeClr>
+          </a:solidFill>
+          <a:ln>
+            <a:solidFill>
+              <a:schemeClr val="tx1"/>
+            </a:solidFill>
+          </a:ln>
+        </p:spPr>
+        <p:style>
+          <a:lnRef idx="2">
+            <a:schemeClr val="accent1">
+              <a:shade val="50000"/>
+            </a:schemeClr>
+          </a:lnRef>
+          <a:fillRef idx="1">
+            <a:schemeClr val="accent1"/>
+          </a:fillRef>
+          <a:effectRef idx="0">
+            <a:schemeClr val="accent1"/>
+          </a:effectRef>
+          <a:fontRef idx="minor">
+            <a:schemeClr val="lt1"/>
+          </a:fontRef>
+        </p:style>
+        <p:txBody>
+          <a:bodyPr rtlCol="0" anchor="ctr"/>
+          <a:lstStyle/>
+          <a:p>
+            <a:pPr algn="ctr"/>
+            <a:endParaRPr lang="de-DE"/>
+          </a:p>
+        </p:txBody>
+      </p:sp>
+      <p:sp>
+        <p:nvSpPr>
+          <p:cNvPr id="8" name="Freihandform 7">
+            <a:extLst>
+              <a:ext uri="{FF2B5EF4-FFF2-40B4-BE49-F238E27FC236}">
+                <a16:creationId xmlns:a16="http://schemas.microsoft.com/office/drawing/2014/main" id="{4905ED4F-D6ED-9D4B-8E49-48F266E74603}"/>
+              </a:ext>
+            </a:extLst>
+          </p:cNvPr>
+          <p:cNvSpPr/>
+          <p:nvPr/>
+        </p:nvSpPr>
+        <p:spPr>
+          <a:xfrm>
+            <a:off x="10234303" y="4175058"/>
+            <a:ext cx="411624" cy="607918"/>
+          </a:xfrm>
+          <a:custGeom>
+            <a:avLst/>
+            <a:gdLst>
+              <a:gd name="connsiteX0" fmla="*/ 138023 w 258793"/>
+              <a:gd name="connsiteY0" fmla="*/ 0 h 379563"/>
+              <a:gd name="connsiteX1" fmla="*/ 0 w 258793"/>
+              <a:gd name="connsiteY1" fmla="*/ 172529 h 379563"/>
+              <a:gd name="connsiteX2" fmla="*/ 172529 w 258793"/>
+              <a:gd name="connsiteY2" fmla="*/ 379563 h 379563"/>
+              <a:gd name="connsiteX3" fmla="*/ 258793 w 258793"/>
+              <a:gd name="connsiteY3" fmla="*/ 138023 h 379563"/>
+              <a:gd name="connsiteX4" fmla="*/ 138023 w 258793"/>
+              <a:gd name="connsiteY4" fmla="*/ 0 h 379563"/>
+            </a:gdLst>
+            <a:ahLst/>
+            <a:cxnLst>
+              <a:cxn ang="0">
+                <a:pos x="connsiteX0" y="connsiteY0"/>
+              </a:cxn>
+              <a:cxn ang="0">
+                <a:pos x="connsiteX1" y="connsiteY1"/>
+              </a:cxn>
+              <a:cxn ang="0">
+                <a:pos x="connsiteX2" y="connsiteY2"/>
+              </a:cxn>
+              <a:cxn ang="0">
+                <a:pos x="connsiteX3" y="connsiteY3"/>
+              </a:cxn>
+              <a:cxn ang="0">
+                <a:pos x="connsiteX4" y="connsiteY4"/>
+              </a:cxn>
+            </a:cxnLst>
+            <a:rect l="l" t="t" r="r" b="b"/>
+            <a:pathLst>
+              <a:path w="258793" h="379563">
+                <a:moveTo>
+                  <a:pt x="138023" y="0"/>
+                </a:moveTo>
+                <a:lnTo>
+                  <a:pt x="0" y="172529"/>
+                </a:lnTo>
+                <a:lnTo>
+                  <a:pt x="172529" y="379563"/>
+                </a:lnTo>
+                <a:lnTo>
+                  <a:pt x="258793" y="138023"/>
+                </a:lnTo>
+                <a:lnTo>
+                  <a:pt x="138023" y="0"/>
+                </a:lnTo>
+                <a:close/>
+              </a:path>
+            </a:pathLst>
+          </a:custGeom>
+          <a:solidFill>
+            <a:schemeClr val="bg1"/>
+          </a:solidFill>
+          <a:ln>
+            <a:solidFill>
+              <a:schemeClr val="tx1"/>
+            </a:solidFill>
+          </a:ln>
+        </p:spPr>
+        <p:style>
+          <a:lnRef idx="2">
+            <a:schemeClr val="accent1">
+              <a:shade val="50000"/>
+            </a:schemeClr>
+          </a:lnRef>
+          <a:fillRef idx="1">
+            <a:schemeClr val="accent1"/>
+          </a:fillRef>
+          <a:effectRef idx="0">
+            <a:schemeClr val="accent1"/>
+          </a:effectRef>
+          <a:fontRef idx="minor">
+            <a:schemeClr val="lt1"/>
+          </a:fontRef>
+        </p:style>
+        <p:txBody>
+          <a:bodyPr rtlCol="0" anchor="ctr"/>
+          <a:lstStyle/>
+          <a:p>
+            <a:pPr algn="ctr"/>
+            <a:endParaRPr lang="de-DE"/>
+          </a:p>
+        </p:txBody>
+      </p:sp>
+      <p:sp>
+        <p:nvSpPr>
+          <p:cNvPr id="15" name="Kreuz 14">
+            <a:extLst>
+              <a:ext uri="{FF2B5EF4-FFF2-40B4-BE49-F238E27FC236}">
+                <a16:creationId xmlns:a16="http://schemas.microsoft.com/office/drawing/2014/main" id="{CCAA7B57-F930-1045-936C-C5A500CC62CE}"/>
+              </a:ext>
+            </a:extLst>
+          </p:cNvPr>
+          <p:cNvSpPr>
+            <a:spLocks noChangeAspect="1"/>
+          </p:cNvSpPr>
+          <p:nvPr/>
+        </p:nvSpPr>
+        <p:spPr>
+          <a:xfrm rot="2700000">
+            <a:off x="8418302" y="2536046"/>
+            <a:ext cx="180000" cy="180000"/>
+          </a:xfrm>
+          <a:prstGeom prst="plus">
+            <a:avLst>
+              <a:gd name="adj" fmla="val 43414"/>
+            </a:avLst>
+          </a:prstGeom>
+          <a:solidFill>
+            <a:srgbClr val="3C66DF"/>
+          </a:solidFill>
+          <a:ln>
+            <a:noFill/>
+          </a:ln>
+        </p:spPr>
+        <p:style>
+          <a:lnRef idx="2">
+            <a:schemeClr val="accent1">
+              <a:shade val="50000"/>
+            </a:schemeClr>
+          </a:lnRef>
+          <a:fillRef idx="1">
+            <a:schemeClr val="accent1"/>
+          </a:fillRef>
+          <a:effectRef idx="0">
+            <a:schemeClr val="accent1"/>
+          </a:effectRef>
+          <a:fontRef idx="minor">
+            <a:schemeClr val="lt1"/>
+          </a:fontRef>
+        </p:style>
+        <p:txBody>
+          <a:bodyPr rtlCol="0" anchor="ctr"/>
+          <a:lstStyle/>
+          <a:p>
+            <a:pPr algn="ctr"/>
+            <a:endParaRPr lang="de-DE">
+              <a:solidFill>
+                <a:srgbClr val="4472C4"/>
+              </a:solidFill>
+            </a:endParaRPr>
+          </a:p>
+        </p:txBody>
+      </p:sp>
+      <p:sp>
+        <p:nvSpPr>
+          <p:cNvPr id="16" name="Kreuz 15">
+            <a:extLst>
+              <a:ext uri="{FF2B5EF4-FFF2-40B4-BE49-F238E27FC236}">
+                <a16:creationId xmlns:a16="http://schemas.microsoft.com/office/drawing/2014/main" id="{1B65C130-330B-3C49-98A0-1F462C0271A3}"/>
+              </a:ext>
+            </a:extLst>
+          </p:cNvPr>
+          <p:cNvSpPr>
+            <a:spLocks noChangeAspect="1"/>
+          </p:cNvSpPr>
+          <p:nvPr/>
+        </p:nvSpPr>
+        <p:spPr>
+          <a:xfrm rot="2700000">
+            <a:off x="8795861" y="3486230"/>
+            <a:ext cx="180000" cy="180000"/>
+          </a:xfrm>
+          <a:prstGeom prst="plus">
+            <a:avLst>
+              <a:gd name="adj" fmla="val 43414"/>
+            </a:avLst>
+          </a:prstGeom>
+          <a:solidFill>
+            <a:srgbClr val="3C66DF"/>
+          </a:solidFill>
+          <a:ln>
+            <a:noFill/>
+          </a:ln>
+        </p:spPr>
+        <p:style>
+          <a:lnRef idx="2">
+            <a:schemeClr val="accent1">
+              <a:shade val="50000"/>
+            </a:schemeClr>
+          </a:lnRef>
+          <a:fillRef idx="1">
+            <a:schemeClr val="accent1"/>
+          </a:fillRef>
+          <a:effectRef idx="0">
+            <a:schemeClr val="accent1"/>
+          </a:effectRef>
+          <a:fontRef idx="minor">
+            <a:schemeClr val="lt1"/>
+          </a:fontRef>
+        </p:style>
+        <p:txBody>
+          <a:bodyPr rtlCol="0" anchor="ctr"/>
+          <a:lstStyle/>
+          <a:p>
+            <a:pPr algn="ctr"/>
+            <a:endParaRPr lang="de-DE">
+              <a:solidFill>
+                <a:srgbClr val="4472C4"/>
+              </a:solidFill>
+            </a:endParaRPr>
+          </a:p>
+        </p:txBody>
+      </p:sp>
+      <p:sp>
+        <p:nvSpPr>
+          <p:cNvPr id="17" name="Kreuz 16">
+            <a:extLst>
+              <a:ext uri="{FF2B5EF4-FFF2-40B4-BE49-F238E27FC236}">
+                <a16:creationId xmlns:a16="http://schemas.microsoft.com/office/drawing/2014/main" id="{CDE15397-2C8E-4A4C-B060-10842009BF97}"/>
+              </a:ext>
+            </a:extLst>
+          </p:cNvPr>
+          <p:cNvSpPr>
+            <a:spLocks noChangeAspect="1"/>
+          </p:cNvSpPr>
+          <p:nvPr/>
+        </p:nvSpPr>
+        <p:spPr>
+          <a:xfrm rot="2700000">
+            <a:off x="9990266" y="2265707"/>
+            <a:ext cx="180000" cy="180000"/>
+          </a:xfrm>
+          <a:prstGeom prst="plus">
+            <a:avLst>
+              <a:gd name="adj" fmla="val 43414"/>
+            </a:avLst>
+          </a:prstGeom>
+          <a:solidFill>
+            <a:srgbClr val="FF0000"/>
+          </a:solidFill>
+          <a:ln>
+            <a:noFill/>
+          </a:ln>
+        </p:spPr>
+        <p:style>
+          <a:lnRef idx="2">
+            <a:schemeClr val="accent1">
+              <a:shade val="50000"/>
+            </a:schemeClr>
+          </a:lnRef>
+          <a:fillRef idx="1">
+            <a:schemeClr val="accent1"/>
+          </a:fillRef>
+          <a:effectRef idx="0">
+            <a:schemeClr val="accent1"/>
+          </a:effectRef>
+          <a:fontRef idx="minor">
+            <a:schemeClr val="lt1"/>
+          </a:fontRef>
+        </p:style>
+        <p:txBody>
+          <a:bodyPr rtlCol="0" anchor="ctr"/>
+          <a:lstStyle/>
+          <a:p>
+            <a:pPr algn="ctr"/>
+            <a:endParaRPr lang="de-DE"/>
+          </a:p>
+        </p:txBody>
+      </p:sp>
+      <p:sp>
+        <p:nvSpPr>
+          <p:cNvPr id="20" name="Kreuz 19">
+            <a:extLst>
+              <a:ext uri="{FF2B5EF4-FFF2-40B4-BE49-F238E27FC236}">
+                <a16:creationId xmlns:a16="http://schemas.microsoft.com/office/drawing/2014/main" id="{641160C5-04FA-9E43-945E-CE5CB3A1D0BD}"/>
+              </a:ext>
+            </a:extLst>
+          </p:cNvPr>
+          <p:cNvSpPr>
+            <a:spLocks noChangeAspect="1"/>
+          </p:cNvSpPr>
+          <p:nvPr/>
+        </p:nvSpPr>
+        <p:spPr>
+          <a:xfrm rot="2700000">
+            <a:off x="9880519" y="4356469"/>
+            <a:ext cx="180000" cy="180000"/>
+          </a:xfrm>
+          <a:prstGeom prst="plus">
+            <a:avLst>
+              <a:gd name="adj" fmla="val 43414"/>
+            </a:avLst>
+          </a:prstGeom>
+          <a:solidFill>
+            <a:srgbClr val="FF0000"/>
+          </a:solidFill>
+          <a:ln>
+            <a:noFill/>
+          </a:ln>
+        </p:spPr>
+        <p:style>
+          <a:lnRef idx="2">
+            <a:schemeClr val="accent1">
+              <a:shade val="50000"/>
+            </a:schemeClr>
+          </a:lnRef>
+          <a:fillRef idx="1">
+            <a:schemeClr val="accent1"/>
+          </a:fillRef>
+          <a:effectRef idx="0">
+            <a:schemeClr val="accent1"/>
+          </a:effectRef>
+          <a:fontRef idx="minor">
+            <a:schemeClr val="lt1"/>
+          </a:fontRef>
+        </p:style>
+        <p:txBody>
+          <a:bodyPr rtlCol="0" anchor="ctr"/>
+          <a:lstStyle/>
+          <a:p>
+            <a:pPr algn="ctr"/>
+            <a:endParaRPr lang="de-DE"/>
+          </a:p>
+        </p:txBody>
+      </p:sp>
+      <p:sp>
+        <p:nvSpPr>
+          <p:cNvPr id="21" name="Kreuz 20">
+            <a:extLst>
+              <a:ext uri="{FF2B5EF4-FFF2-40B4-BE49-F238E27FC236}">
+                <a16:creationId xmlns:a16="http://schemas.microsoft.com/office/drawing/2014/main" id="{8147DCA2-874D-584E-9CDF-629D74E8BDD2}"/>
+              </a:ext>
+            </a:extLst>
+          </p:cNvPr>
+          <p:cNvSpPr>
+            <a:spLocks noChangeAspect="1"/>
+          </p:cNvSpPr>
+          <p:nvPr/>
+        </p:nvSpPr>
+        <p:spPr>
+          <a:xfrm rot="2700000">
+            <a:off x="10477384" y="4210472"/>
+            <a:ext cx="180000" cy="180000"/>
+          </a:xfrm>
+          <a:prstGeom prst="plus">
+            <a:avLst>
+              <a:gd name="adj" fmla="val 43414"/>
+            </a:avLst>
+          </a:prstGeom>
+          <a:solidFill>
+            <a:srgbClr val="FF0000"/>
+          </a:solidFill>
+          <a:ln>
+            <a:noFill/>
+          </a:ln>
+        </p:spPr>
+        <p:style>
+          <a:lnRef idx="2">
+            <a:schemeClr val="accent1">
+              <a:shade val="50000"/>
+            </a:schemeClr>
+          </a:lnRef>
+          <a:fillRef idx="1">
+            <a:schemeClr val="accent1"/>
+          </a:fillRef>
+          <a:effectRef idx="0">
+            <a:schemeClr val="accent1"/>
+          </a:effectRef>
+          <a:fontRef idx="minor">
+            <a:schemeClr val="lt1"/>
+          </a:fontRef>
+        </p:style>
+        <p:txBody>
+          <a:bodyPr rtlCol="0" anchor="ctr"/>
+          <a:lstStyle/>
+          <a:p>
+            <a:pPr algn="ctr"/>
+            <a:endParaRPr lang="de-DE"/>
+          </a:p>
+        </p:txBody>
+      </p:sp>
+      <p:sp>
+        <p:nvSpPr>
+          <p:cNvPr id="22" name="Kreuz 21">
+            <a:extLst>
+              <a:ext uri="{FF2B5EF4-FFF2-40B4-BE49-F238E27FC236}">
+                <a16:creationId xmlns:a16="http://schemas.microsoft.com/office/drawing/2014/main" id="{A08BC9D7-A04A-E84A-8C7D-D11448866658}"/>
+              </a:ext>
+            </a:extLst>
+          </p:cNvPr>
+          <p:cNvSpPr>
+            <a:spLocks noChangeAspect="1"/>
+          </p:cNvSpPr>
+          <p:nvPr/>
+        </p:nvSpPr>
+        <p:spPr>
+          <a:xfrm rot="2700000">
+            <a:off x="11298345" y="4913002"/>
+            <a:ext cx="180000" cy="180000"/>
+          </a:xfrm>
+          <a:prstGeom prst="plus">
+            <a:avLst>
+              <a:gd name="adj" fmla="val 43414"/>
+            </a:avLst>
+          </a:prstGeom>
+          <a:solidFill>
+            <a:srgbClr val="FF0000"/>
+          </a:solidFill>
+          <a:ln>
+            <a:noFill/>
+          </a:ln>
+        </p:spPr>
+        <p:style>
+          <a:lnRef idx="2">
+            <a:schemeClr val="accent1">
+              <a:shade val="50000"/>
+            </a:schemeClr>
+          </a:lnRef>
+          <a:fillRef idx="1">
+            <a:schemeClr val="accent1"/>
+          </a:fillRef>
+          <a:effectRef idx="0">
+            <a:schemeClr val="accent1"/>
+          </a:effectRef>
+          <a:fontRef idx="minor">
+            <a:schemeClr val="lt1"/>
+          </a:fontRef>
+        </p:style>
+        <p:txBody>
+          <a:bodyPr rtlCol="0" anchor="ctr"/>
+          <a:lstStyle/>
+          <a:p>
+            <a:pPr algn="ctr"/>
+            <a:endParaRPr lang="de-DE"/>
+          </a:p>
+        </p:txBody>
+      </p:sp>
+      <p:sp>
+        <p:nvSpPr>
+          <p:cNvPr id="23" name="Kreuz 22">
+            <a:extLst>
+              <a:ext uri="{FF2B5EF4-FFF2-40B4-BE49-F238E27FC236}">
+                <a16:creationId xmlns:a16="http://schemas.microsoft.com/office/drawing/2014/main" id="{01791E2D-F541-114D-9F4C-F3470D2A6DAB}"/>
+              </a:ext>
+            </a:extLst>
+          </p:cNvPr>
+          <p:cNvSpPr>
+            <a:spLocks noChangeAspect="1"/>
+          </p:cNvSpPr>
+          <p:nvPr/>
+        </p:nvSpPr>
+        <p:spPr>
+          <a:xfrm rot="2700000">
+            <a:off x="11252250" y="2048548"/>
+            <a:ext cx="180000" cy="180000"/>
+          </a:xfrm>
+          <a:prstGeom prst="plus">
+            <a:avLst>
+              <a:gd name="adj" fmla="val 43414"/>
+            </a:avLst>
+          </a:prstGeom>
+          <a:solidFill>
+            <a:srgbClr val="FF0000"/>
+          </a:solidFill>
+          <a:ln>
+            <a:noFill/>
+          </a:ln>
+        </p:spPr>
+        <p:style>
+          <a:lnRef idx="2">
+            <a:schemeClr val="accent1">
+              <a:shade val="50000"/>
+            </a:schemeClr>
+          </a:lnRef>
+          <a:fillRef idx="1">
+            <a:schemeClr val="accent1"/>
+          </a:fillRef>
+          <a:effectRef idx="0">
+            <a:schemeClr val="accent1"/>
+          </a:effectRef>
+          <a:fontRef idx="minor">
+            <a:schemeClr val="lt1"/>
+          </a:fontRef>
+        </p:style>
+        <p:txBody>
+          <a:bodyPr rtlCol="0" anchor="ctr"/>
+          <a:lstStyle/>
+          <a:p>
+            <a:pPr algn="ctr"/>
+            <a:endParaRPr lang="de-DE"/>
+          </a:p>
+        </p:txBody>
+      </p:sp>
+      <p:sp>
+        <p:nvSpPr>
+          <p:cNvPr id="25" name="Textfeld 24">
+            <a:extLst>
+              <a:ext uri="{FF2B5EF4-FFF2-40B4-BE49-F238E27FC236}">
+                <a16:creationId xmlns:a16="http://schemas.microsoft.com/office/drawing/2014/main" id="{218B9E65-25E6-FE44-8821-8878FBD8CEB8}"/>
+              </a:ext>
+            </a:extLst>
+          </p:cNvPr>
+          <p:cNvSpPr txBox="1"/>
+          <p:nvPr/>
+        </p:nvSpPr>
+        <p:spPr>
+          <a:xfrm>
+            <a:off x="8358113" y="2673560"/>
+            <a:ext cx="941862" cy="307777"/>
+          </a:xfrm>
+          <a:prstGeom prst="rect">
+            <a:avLst/>
+          </a:prstGeom>
+          <a:noFill/>
+        </p:spPr>
+        <p:txBody>
+          <a:bodyPr wrap="square">
+            <a:spAutoFit/>
+          </a:bodyPr>
+          <a:lstStyle/>
+          <a:p>
+            <a:r>
+              <a:rPr lang="de-DE" sz="1400" dirty="0">
+                <a:solidFill>
+                  <a:srgbClr val="3C66DF"/>
+                </a:solidFill>
+              </a:rPr>
+              <a:t>c</a:t>
+            </a:r>
+            <a:r>
+              <a:rPr lang="de-DE" sz="1400" baseline="-25000" dirty="0">
+                <a:solidFill>
+                  <a:srgbClr val="3C66DF"/>
+                </a:solidFill>
+              </a:rPr>
+              <a:t>1</a:t>
+            </a:r>
+            <a:r>
+              <a:rPr lang="de-DE" sz="1400" dirty="0">
+                <a:solidFill>
+                  <a:srgbClr val="3C66DF"/>
+                </a:solidFill>
+              </a:rPr>
+              <a:t> = 50%</a:t>
+            </a:r>
+          </a:p>
+        </p:txBody>
+      </p:sp>
+      <p:sp>
+        <p:nvSpPr>
+          <p:cNvPr id="26" name="Textfeld 25">
+            <a:extLst>
+              <a:ext uri="{FF2B5EF4-FFF2-40B4-BE49-F238E27FC236}">
+                <a16:creationId xmlns:a16="http://schemas.microsoft.com/office/drawing/2014/main" id="{183B81F4-4BB8-2240-8D3E-368C27C8806E}"/>
+              </a:ext>
+            </a:extLst>
+          </p:cNvPr>
+          <p:cNvSpPr txBox="1"/>
+          <p:nvPr/>
+        </p:nvSpPr>
+        <p:spPr>
+          <a:xfrm>
+            <a:off x="8255087" y="3625307"/>
+            <a:ext cx="826633" cy="307777"/>
+          </a:xfrm>
+          <a:prstGeom prst="rect">
+            <a:avLst/>
+          </a:prstGeom>
+          <a:noFill/>
+        </p:spPr>
+        <p:txBody>
+          <a:bodyPr wrap="square">
+            <a:spAutoFit/>
+          </a:bodyPr>
+          <a:lstStyle/>
+          <a:p>
+            <a:r>
+              <a:rPr lang="de-DE" sz="1400" dirty="0">
+                <a:solidFill>
+                  <a:srgbClr val="3C66DF"/>
+                </a:solidFill>
+              </a:rPr>
+              <a:t>c</a:t>
+            </a:r>
+            <a:r>
+              <a:rPr lang="de-DE" sz="1400" baseline="-25000" dirty="0">
+                <a:solidFill>
+                  <a:srgbClr val="3C66DF"/>
+                </a:solidFill>
+              </a:rPr>
+              <a:t>2</a:t>
+            </a:r>
+            <a:r>
+              <a:rPr lang="de-DE" sz="1400" dirty="0">
+                <a:solidFill>
+                  <a:srgbClr val="3C66DF"/>
+                </a:solidFill>
+              </a:rPr>
+              <a:t> = 50%</a:t>
+            </a:r>
+          </a:p>
+        </p:txBody>
+      </p:sp>
+      <p:sp>
+        <p:nvSpPr>
+          <p:cNvPr id="27" name="Textfeld 26">
+            <a:extLst>
+              <a:ext uri="{FF2B5EF4-FFF2-40B4-BE49-F238E27FC236}">
+                <a16:creationId xmlns:a16="http://schemas.microsoft.com/office/drawing/2014/main" id="{68D27A20-C23C-364B-957A-1F4A6DE7A450}"/>
+              </a:ext>
+            </a:extLst>
+          </p:cNvPr>
+          <p:cNvSpPr txBox="1"/>
+          <p:nvPr/>
+        </p:nvSpPr>
+        <p:spPr>
+          <a:xfrm>
+            <a:off x="10085425" y="2329098"/>
+            <a:ext cx="825038" cy="307777"/>
+          </a:xfrm>
+          <a:prstGeom prst="rect">
+            <a:avLst/>
+          </a:prstGeom>
+          <a:noFill/>
+        </p:spPr>
+        <p:txBody>
+          <a:bodyPr wrap="square">
+            <a:spAutoFit/>
+          </a:bodyPr>
+          <a:lstStyle/>
+          <a:p>
+            <a:r>
+              <a:rPr lang="de-DE" sz="1400" dirty="0">
+                <a:solidFill>
+                  <a:srgbClr val="FF0000"/>
+                </a:solidFill>
+              </a:rPr>
+              <a:t>c</a:t>
+            </a:r>
+            <a:r>
+              <a:rPr lang="de-DE" sz="1400" baseline="-25000" dirty="0">
+                <a:solidFill>
+                  <a:srgbClr val="FF0000"/>
+                </a:solidFill>
+              </a:rPr>
+              <a:t>1</a:t>
+            </a:r>
+            <a:r>
+              <a:rPr lang="de-DE" sz="1400" dirty="0">
+                <a:solidFill>
+                  <a:srgbClr val="FF0000"/>
+                </a:solidFill>
+              </a:rPr>
+              <a:t> = 80%</a:t>
+            </a:r>
+            <a:endParaRPr lang="de-DE" sz="1400" dirty="0"/>
+          </a:p>
+        </p:txBody>
+      </p:sp>
+      <p:sp>
+        <p:nvSpPr>
+          <p:cNvPr id="28" name="Textfeld 27">
+            <a:extLst>
+              <a:ext uri="{FF2B5EF4-FFF2-40B4-BE49-F238E27FC236}">
+                <a16:creationId xmlns:a16="http://schemas.microsoft.com/office/drawing/2014/main" id="{4600E745-C482-3B40-85B6-4F5D7C9EC386}"/>
+              </a:ext>
+            </a:extLst>
+          </p:cNvPr>
+          <p:cNvSpPr txBox="1"/>
+          <p:nvPr/>
+        </p:nvSpPr>
+        <p:spPr>
+          <a:xfrm>
+            <a:off x="11241829" y="2166148"/>
+            <a:ext cx="825038" cy="307777"/>
+          </a:xfrm>
+          <a:prstGeom prst="rect">
+            <a:avLst/>
+          </a:prstGeom>
+          <a:noFill/>
+        </p:spPr>
+        <p:txBody>
+          <a:bodyPr wrap="square">
+            <a:spAutoFit/>
+          </a:bodyPr>
+          <a:lstStyle/>
+          <a:p>
+            <a:r>
+              <a:rPr lang="de-DE" sz="1400" dirty="0">
+                <a:solidFill>
+                  <a:srgbClr val="FF0000"/>
+                </a:solidFill>
+              </a:rPr>
+              <a:t>c</a:t>
+            </a:r>
+            <a:r>
+              <a:rPr lang="de-DE" sz="1400" baseline="-25000" dirty="0">
+                <a:solidFill>
+                  <a:srgbClr val="FF0000"/>
+                </a:solidFill>
+              </a:rPr>
+              <a:t>2</a:t>
+            </a:r>
+            <a:r>
+              <a:rPr lang="de-DE" sz="1400" dirty="0">
+                <a:solidFill>
+                  <a:srgbClr val="FF0000"/>
+                </a:solidFill>
+              </a:rPr>
+              <a:t> = 20%</a:t>
+            </a:r>
+            <a:endParaRPr lang="de-DE" sz="1400" dirty="0"/>
+          </a:p>
+        </p:txBody>
+      </p:sp>
+      <p:sp>
+        <p:nvSpPr>
+          <p:cNvPr id="29" name="Textfeld 28">
+            <a:extLst>
+              <a:ext uri="{FF2B5EF4-FFF2-40B4-BE49-F238E27FC236}">
+                <a16:creationId xmlns:a16="http://schemas.microsoft.com/office/drawing/2014/main" id="{C1536572-AFAF-A74A-91C2-DCAEFD94E2A8}"/>
+              </a:ext>
+            </a:extLst>
+          </p:cNvPr>
+          <p:cNvSpPr txBox="1"/>
+          <p:nvPr/>
+        </p:nvSpPr>
+        <p:spPr>
+          <a:xfrm>
+            <a:off x="9376696" y="4068613"/>
+            <a:ext cx="825038" cy="307777"/>
+          </a:xfrm>
+          <a:prstGeom prst="rect">
+            <a:avLst/>
+          </a:prstGeom>
+          <a:noFill/>
+        </p:spPr>
+        <p:txBody>
+          <a:bodyPr wrap="square">
+            <a:spAutoFit/>
+          </a:bodyPr>
+          <a:lstStyle/>
+          <a:p>
+            <a:r>
+              <a:rPr lang="de-DE" sz="1400" dirty="0">
+                <a:solidFill>
+                  <a:srgbClr val="FF0000"/>
+                </a:solidFill>
+              </a:rPr>
+              <a:t>c</a:t>
+            </a:r>
+            <a:r>
+              <a:rPr lang="de-DE" sz="1400" baseline="-25000" dirty="0">
+                <a:solidFill>
+                  <a:srgbClr val="FF0000"/>
+                </a:solidFill>
+              </a:rPr>
+              <a:t>1</a:t>
+            </a:r>
+            <a:r>
+              <a:rPr lang="de-DE" sz="1400" dirty="0">
+                <a:solidFill>
+                  <a:srgbClr val="FF0000"/>
+                </a:solidFill>
+              </a:rPr>
+              <a:t> = 70%</a:t>
+            </a:r>
+            <a:endParaRPr lang="de-DE" sz="1400" dirty="0"/>
+          </a:p>
+        </p:txBody>
+      </p:sp>
+      <p:sp>
+        <p:nvSpPr>
+          <p:cNvPr id="30" name="Textfeld 29">
+            <a:extLst>
+              <a:ext uri="{FF2B5EF4-FFF2-40B4-BE49-F238E27FC236}">
+                <a16:creationId xmlns:a16="http://schemas.microsoft.com/office/drawing/2014/main" id="{F9CDD26D-2CF5-BC4D-A335-DE1134D954C6}"/>
+              </a:ext>
+            </a:extLst>
+          </p:cNvPr>
+          <p:cNvSpPr txBox="1"/>
+          <p:nvPr/>
+        </p:nvSpPr>
+        <p:spPr>
+          <a:xfrm>
+            <a:off x="10193025" y="3902549"/>
+            <a:ext cx="825038" cy="307777"/>
+          </a:xfrm>
+          <a:prstGeom prst="rect">
+            <a:avLst/>
+          </a:prstGeom>
+          <a:noFill/>
+        </p:spPr>
+        <p:txBody>
+          <a:bodyPr wrap="square">
+            <a:spAutoFit/>
+          </a:bodyPr>
+          <a:lstStyle/>
+          <a:p>
+            <a:r>
+              <a:rPr lang="de-DE" sz="1400" dirty="0">
+                <a:solidFill>
+                  <a:srgbClr val="FF0000"/>
+                </a:solidFill>
+              </a:rPr>
+              <a:t>c</a:t>
+            </a:r>
+            <a:r>
+              <a:rPr lang="de-DE" sz="1400" baseline="-25000" dirty="0">
+                <a:solidFill>
+                  <a:srgbClr val="FF0000"/>
+                </a:solidFill>
+              </a:rPr>
+              <a:t>2</a:t>
+            </a:r>
+            <a:r>
+              <a:rPr lang="de-DE" sz="1400" dirty="0">
+                <a:solidFill>
+                  <a:srgbClr val="FF0000"/>
+                </a:solidFill>
+              </a:rPr>
+              <a:t> = 5%</a:t>
+            </a:r>
+            <a:endParaRPr lang="de-DE" sz="1400" dirty="0"/>
+          </a:p>
+        </p:txBody>
+      </p:sp>
+      <p:sp>
+        <p:nvSpPr>
+          <p:cNvPr id="31" name="Textfeld 30">
+            <a:extLst>
+              <a:ext uri="{FF2B5EF4-FFF2-40B4-BE49-F238E27FC236}">
+                <a16:creationId xmlns:a16="http://schemas.microsoft.com/office/drawing/2014/main" id="{9A5F5903-3A3F-2C45-AE6B-E81E7CAE3B75}"/>
+              </a:ext>
+            </a:extLst>
+          </p:cNvPr>
+          <p:cNvSpPr txBox="1"/>
+          <p:nvPr/>
+        </p:nvSpPr>
+        <p:spPr>
+          <a:xfrm>
+            <a:off x="11256585" y="5016357"/>
+            <a:ext cx="825038" cy="307777"/>
+          </a:xfrm>
+          <a:prstGeom prst="rect">
+            <a:avLst/>
+          </a:prstGeom>
+          <a:noFill/>
+        </p:spPr>
+        <p:txBody>
+          <a:bodyPr wrap="square">
+            <a:spAutoFit/>
+          </a:bodyPr>
+          <a:lstStyle/>
+          <a:p>
+            <a:r>
+              <a:rPr lang="de-DE" sz="1400" dirty="0">
+                <a:solidFill>
+                  <a:srgbClr val="FF0000"/>
+                </a:solidFill>
+              </a:rPr>
+              <a:t>c</a:t>
+            </a:r>
+            <a:r>
+              <a:rPr lang="de-DE" sz="1400" baseline="-25000" dirty="0">
+                <a:solidFill>
+                  <a:srgbClr val="FF0000"/>
+                </a:solidFill>
+              </a:rPr>
+              <a:t>3</a:t>
+            </a:r>
+            <a:r>
+              <a:rPr lang="de-DE" sz="1400" dirty="0">
+                <a:solidFill>
+                  <a:srgbClr val="FF0000"/>
+                </a:solidFill>
+              </a:rPr>
+              <a:t> = 25%</a:t>
+            </a:r>
+            <a:endParaRPr lang="de-DE" sz="1400" dirty="0"/>
+          </a:p>
+        </p:txBody>
+      </p:sp>
+      <p:sp>
+        <p:nvSpPr>
+          <p:cNvPr id="38" name="Textfeld 37">
+            <a:extLst>
+              <a:ext uri="{FF2B5EF4-FFF2-40B4-BE49-F238E27FC236}">
+                <a16:creationId xmlns:a16="http://schemas.microsoft.com/office/drawing/2014/main" id="{2073235F-7D66-6642-9868-83592A1CFC0F}"/>
+              </a:ext>
+            </a:extLst>
+          </p:cNvPr>
+          <p:cNvSpPr txBox="1"/>
+          <p:nvPr/>
+        </p:nvSpPr>
+        <p:spPr>
+          <a:xfrm>
+            <a:off x="360000" y="3897935"/>
+            <a:ext cx="8021022" cy="1446550"/>
+          </a:xfrm>
+          <a:prstGeom prst="rect">
+            <a:avLst/>
+          </a:prstGeom>
+          <a:noFill/>
+        </p:spPr>
+        <p:txBody>
+          <a:bodyPr wrap="square" rtlCol="0">
+            <a:spAutoFit/>
+          </a:bodyPr>
+          <a:lstStyle/>
+          <a:p>
+            <a:r>
+              <a:rPr lang="de-DE" sz="2200" dirty="0"/>
+              <a:t>Aufgabenstellung: </a:t>
+            </a:r>
+          </a:p>
+          <a:p>
+            <a:endParaRPr lang="de-DE" sz="2200" dirty="0"/>
+          </a:p>
+          <a:p>
+            <a:r>
+              <a:rPr lang="de-DE" sz="2200" dirty="0"/>
+              <a:t>Das Polygon soll in </a:t>
+            </a:r>
+            <a:r>
+              <a:rPr lang="de-DE" sz="2200" dirty="0" err="1"/>
+              <a:t>n</a:t>
+            </a:r>
+            <a:r>
+              <a:rPr lang="de-DE" sz="2200" dirty="0"/>
+              <a:t>, nicht-überlappende Polygone zerlegt werden, sodass jeder Standort S</a:t>
+            </a:r>
+            <a:r>
+              <a:rPr lang="de-DE" sz="2200" baseline="-25000" dirty="0"/>
+              <a:t>i</a:t>
+            </a:r>
+            <a:r>
+              <a:rPr lang="de-DE" sz="2200" dirty="0"/>
+              <a:t> auf dem Polygon P</a:t>
+            </a:r>
+            <a:r>
+              <a:rPr lang="de-DE" sz="2200" baseline="-25000" dirty="0"/>
+              <a:t>i</a:t>
+            </a:r>
+            <a:r>
+              <a:rPr lang="de-DE" sz="2200" dirty="0"/>
+              <a:t> mit Flächenanteil ci liegt. </a:t>
+            </a:r>
+          </a:p>
+        </p:txBody>
+      </p:sp>
+      <p:sp>
+        <p:nvSpPr>
+          <p:cNvPr id="39" name="Rechteck 38">
+            <a:extLst>
+              <a:ext uri="{FF2B5EF4-FFF2-40B4-BE49-F238E27FC236}">
+                <a16:creationId xmlns:a16="http://schemas.microsoft.com/office/drawing/2014/main" id="{B56AF87C-14F2-0E4A-B6F5-77FB0DBE0228}"/>
+              </a:ext>
+            </a:extLst>
+          </p:cNvPr>
+          <p:cNvSpPr/>
+          <p:nvPr/>
+        </p:nvSpPr>
+        <p:spPr>
+          <a:xfrm>
+            <a:off x="4423954" y="2547740"/>
+            <a:ext cx="1428206" cy="322606"/>
+          </a:xfrm>
+          <a:prstGeom prst="rect">
+            <a:avLst/>
+          </a:prstGeom>
+          <a:solidFill>
+            <a:schemeClr val="accent1">
+              <a:lumMod val="60000"/>
+              <a:lumOff val="40000"/>
+            </a:schemeClr>
+          </a:solidFill>
+          <a:ln>
+            <a:noFill/>
+          </a:ln>
+        </p:spPr>
+        <p:style>
+          <a:lnRef idx="2">
+            <a:schemeClr val="accent1">
+              <a:shade val="50000"/>
+            </a:schemeClr>
+          </a:lnRef>
+          <a:fillRef idx="1">
+            <a:schemeClr val="accent1"/>
+          </a:fillRef>
+          <a:effectRef idx="0">
+            <a:schemeClr val="accent1"/>
+          </a:effectRef>
+          <a:fontRef idx="minor">
+            <a:schemeClr val="lt1"/>
+          </a:fontRef>
+        </p:style>
+        <p:txBody>
+          <a:bodyPr rtlCol="0" anchor="ctr"/>
+          <a:lstStyle/>
+          <a:p>
+            <a:pPr algn="ctr"/>
+            <a:endParaRPr lang="de-DE"/>
+          </a:p>
+        </p:txBody>
+      </p:sp>
+      <p:sp>
+        <p:nvSpPr>
+          <p:cNvPr id="40" name="Rechteck 39">
+            <a:extLst>
+              <a:ext uri="{FF2B5EF4-FFF2-40B4-BE49-F238E27FC236}">
+                <a16:creationId xmlns:a16="http://schemas.microsoft.com/office/drawing/2014/main" id="{8444E170-8EF9-ED42-A8EB-7C2600C0BDB7}"/>
+              </a:ext>
+            </a:extLst>
+          </p:cNvPr>
+          <p:cNvSpPr/>
+          <p:nvPr/>
+        </p:nvSpPr>
+        <p:spPr>
+          <a:xfrm>
+            <a:off x="793388" y="2928084"/>
+            <a:ext cx="1740806" cy="322606"/>
+          </a:xfrm>
+          <a:prstGeom prst="rect">
+            <a:avLst/>
+          </a:prstGeom>
+          <a:solidFill>
+            <a:srgbClr val="F79CA2"/>
+          </a:solidFill>
+          <a:ln>
+            <a:noFill/>
+          </a:ln>
+        </p:spPr>
+        <p:style>
+          <a:lnRef idx="2">
+            <a:schemeClr val="accent1">
+              <a:shade val="50000"/>
+            </a:schemeClr>
+          </a:lnRef>
+          <a:fillRef idx="1">
+            <a:schemeClr val="accent1"/>
+          </a:fillRef>
+          <a:effectRef idx="0">
+            <a:schemeClr val="accent1"/>
+          </a:effectRef>
+          <a:fontRef idx="minor">
+            <a:schemeClr val="lt1"/>
+          </a:fontRef>
+        </p:style>
+        <p:txBody>
+          <a:bodyPr rtlCol="0" anchor="ctr"/>
+          <a:lstStyle/>
+          <a:p>
+            <a:pPr algn="ctr"/>
+            <a:endParaRPr lang="de-DE"/>
+          </a:p>
+        </p:txBody>
+      </p:sp>
+      <mc:AlternateContent xmlns:mc="http://schemas.openxmlformats.org/markup-compatibility/2006">
+        <mc:Choice xmlns:a14="http://schemas.microsoft.com/office/drawing/2010/main" Requires="a14">
+          <p:sp>
+            <p:nvSpPr>
+              <p:cNvPr id="24" name="Textfeld 23">
+                <a:extLst>
+                  <a:ext uri="{FF2B5EF4-FFF2-40B4-BE49-F238E27FC236}">
+                    <a16:creationId xmlns:a16="http://schemas.microsoft.com/office/drawing/2014/main" id="{4663ABE6-2DF5-2B44-AB77-E50710ED65EF}"/>
+                  </a:ext>
+                </a:extLst>
+              </p:cNvPr>
+              <p:cNvSpPr txBox="1"/>
+              <p:nvPr/>
+            </p:nvSpPr>
+            <p:spPr>
+              <a:xfrm>
+                <a:off x="360000" y="1491027"/>
+                <a:ext cx="7798813" cy="1815882"/>
+              </a:xfrm>
+              <a:prstGeom prst="rect">
+                <a:avLst/>
+              </a:prstGeom>
+              <a:noFill/>
+            </p:spPr>
+            <p:txBody>
+              <a:bodyPr wrap="square" rtlCol="0">
+                <a:spAutoFit/>
+              </a:bodyPr>
+              <a:lstStyle/>
+              <a:p>
+                <a:r>
+                  <a:rPr lang="de-DE" sz="2200" dirty="0"/>
+                  <a:t>Eingangsdaten: </a:t>
+                </a:r>
+              </a:p>
+              <a:p>
+                <a:pPr marL="342900" indent="-342900">
+                  <a:buFont typeface="Arial" panose="020B0604020202020204" pitchFamily="34" charset="0"/>
+                  <a:buChar char="•"/>
+                </a:pPr>
+                <a:r>
+                  <a:rPr lang="de-DE" sz="2200" dirty="0"/>
+                  <a:t>Polygon: konvex, nicht konvex, nicht konvex und nicht einfach</a:t>
+                </a:r>
+              </a:p>
+              <a:p>
+                <a:pPr marL="342900" indent="-342900">
+                  <a:buFont typeface="Arial" panose="020B0604020202020204" pitchFamily="34" charset="0"/>
+                  <a:buChar char="•"/>
+                </a:pPr>
+                <a:r>
+                  <a:rPr lang="de-DE" sz="2200" dirty="0"/>
+                  <a:t>Standorte S, welche auf dem Polygon liegen</a:t>
+                </a:r>
+              </a:p>
+              <a:p>
+                <a:pPr marL="342900" indent="-342900">
+                  <a:buFont typeface="Arial" panose="020B0604020202020204" pitchFamily="34" charset="0"/>
+                  <a:buChar char="•"/>
+                </a:pPr>
+                <a:r>
+                  <a:rPr lang="de-DE" sz="2200" dirty="0"/>
+                  <a:t>Anforderungen c der Standorte: gleichmäßig oder ungleichmäßig. Es gilt aber immer </a:t>
+                </a:r>
+                <a14:m>
+                  <m:oMath xmlns:m="http://schemas.openxmlformats.org/officeDocument/2006/math">
+                    <m:nary>
+                      <m:naryPr>
+                        <m:chr m:val="∑"/>
+                        <m:limLoc m:val="undOvr"/>
+                        <m:ctrlPr>
+                          <a:rPr lang="de-DE" i="1"/>
+                        </m:ctrlPr>
+                      </m:naryPr>
+                      <m:sub>
+                        <m:r>
+                          <a:rPr lang="de-DE" i="1" smtClean="0"/>
+                          <m:t>𝑖</m:t>
+                        </m:r>
+                        <m:r>
+                          <a:rPr lang="de-DE" i="1" smtClean="0"/>
+                          <m:t>=1</m:t>
+                        </m:r>
+                      </m:sub>
+                      <m:sup>
+                        <m:r>
+                          <a:rPr lang="de-DE" i="1" smtClean="0"/>
+                          <m:t>𝑛</m:t>
+                        </m:r>
+                      </m:sup>
+                      <m:e>
+                        <m:sSub>
+                          <m:sSubPr>
+                            <m:ctrlPr>
+                              <a:rPr lang="de-DE" i="1"/>
+                            </m:ctrlPr>
+                          </m:sSubPr>
+                          <m:e>
+                            <m:r>
+                              <a:rPr lang="de-DE" i="1"/>
+                              <m:t>𝑐</m:t>
+                            </m:r>
+                          </m:e>
+                          <m:sub>
+                            <m:r>
+                              <a:rPr lang="de-DE" i="1"/>
+                              <m:t>𝑖</m:t>
+                            </m:r>
+                          </m:sub>
+                        </m:sSub>
+                        <m:r>
+                          <a:rPr lang="de-DE" i="1"/>
+                          <m:t>=1.0</m:t>
+                        </m:r>
+                      </m:e>
+                    </m:nary>
+                  </m:oMath>
+                </a14:m>
+                <a:r>
+                  <a:rPr lang="de-DE" sz="2400" dirty="0">
+                    <a:effectLst/>
+                  </a:rPr>
+                  <a:t> </a:t>
+                </a:r>
+                <a:endParaRPr lang="de-DE" sz="2200" dirty="0"/>
+              </a:p>
+            </p:txBody>
+          </p:sp>
+        </mc:Choice>
+        <mc:Fallback>
+          <p:sp>
+            <p:nvSpPr>
+              <p:cNvPr id="24" name="Textfeld 23">
+                <a:extLst>
+                  <a:ext uri="{FF2B5EF4-FFF2-40B4-BE49-F238E27FC236}">
+                    <a16:creationId xmlns:a16="http://schemas.microsoft.com/office/drawing/2014/main" id="{4663ABE6-2DF5-2B44-AB77-E50710ED65EF}"/>
+                  </a:ext>
+                </a:extLst>
+              </p:cNvPr>
+              <p:cNvSpPr txBox="1">
+                <a:spLocks noRot="1" noChangeAspect="1" noMove="1" noResize="1" noEditPoints="1" noAdjustHandles="1" noChangeArrowheads="1" noChangeShapeType="1" noTextEdit="1"/>
+              </p:cNvSpPr>
+              <p:nvPr/>
+            </p:nvSpPr>
+            <p:spPr>
+              <a:xfrm>
+                <a:off x="360000" y="1491027"/>
+                <a:ext cx="7798813" cy="1815882"/>
+              </a:xfrm>
+              <a:prstGeom prst="rect">
+                <a:avLst/>
+              </a:prstGeom>
+              <a:blipFill>
+                <a:blip r:embed="rId3"/>
+                <a:stretch>
+                  <a:fillRect l="-976" t="-2083" b="-32639"/>
+                </a:stretch>
+              </a:blipFill>
+            </p:spPr>
+            <p:txBody>
+              <a:bodyPr/>
+              <a:lstStyle/>
+              <a:p>
+                <a:r>
+                  <a:rPr lang="de-DE">
+                    <a:noFill/>
+                  </a:rPr>
+                  <a:t> </a:t>
+                </a:r>
+              </a:p>
+            </p:txBody>
+          </p:sp>
+        </mc:Fallback>
+      </mc:AlternateContent>
+      <p:cxnSp>
+        <p:nvCxnSpPr>
+          <p:cNvPr id="42" name="Gerade Verbindung 41">
+            <a:extLst>
+              <a:ext uri="{FF2B5EF4-FFF2-40B4-BE49-F238E27FC236}">
+                <a16:creationId xmlns:a16="http://schemas.microsoft.com/office/drawing/2014/main" id="{DF094E12-7011-EE42-95DA-37759785DFD7}"/>
+              </a:ext>
+            </a:extLst>
+          </p:cNvPr>
+          <p:cNvCxnSpPr>
+            <a:stCxn id="5" idx="4"/>
+          </p:cNvCxnSpPr>
+          <p:nvPr/>
+        </p:nvCxnSpPr>
+        <p:spPr>
+          <a:xfrm flipH="1">
+            <a:off x="8381022" y="3125781"/>
+            <a:ext cx="831046" cy="56281"/>
+          </a:xfrm>
+          <a:prstGeom prst="line">
+            <a:avLst/>
+          </a:prstGeom>
+          <a:ln w="12700">
+            <a:solidFill>
+              <a:schemeClr val="tx1"/>
+            </a:solidFill>
+          </a:ln>
+        </p:spPr>
+        <p:style>
+          <a:lnRef idx="1">
+            <a:schemeClr val="accent1"/>
+          </a:lnRef>
+          <a:fillRef idx="0">
+            <a:schemeClr val="accent1"/>
+          </a:fillRef>
+          <a:effectRef idx="0">
+            <a:schemeClr val="accent1"/>
+          </a:effectRef>
+          <a:fontRef idx="minor">
+            <a:schemeClr val="tx1"/>
+          </a:fontRef>
+        </p:style>
+      </p:cxnSp>
+      <p:cxnSp>
+        <p:nvCxnSpPr>
+          <p:cNvPr id="43" name="Gerade Verbindung 42">
+            <a:extLst>
+              <a:ext uri="{FF2B5EF4-FFF2-40B4-BE49-F238E27FC236}">
+                <a16:creationId xmlns:a16="http://schemas.microsoft.com/office/drawing/2014/main" id="{10C782B2-1D9A-894E-ACE1-0AD6C9FB4B14}"/>
+              </a:ext>
+            </a:extLst>
+          </p:cNvPr>
+          <p:cNvCxnSpPr>
+            <a:cxnSpLocks/>
+          </p:cNvCxnSpPr>
+          <p:nvPr/>
+        </p:nvCxnSpPr>
+        <p:spPr>
+          <a:xfrm>
+            <a:off x="11130030" y="1640488"/>
+            <a:ext cx="23012" cy="842498"/>
+          </a:xfrm>
+          <a:prstGeom prst="line">
+            <a:avLst/>
+          </a:prstGeom>
+          <a:ln w="12700">
+            <a:solidFill>
+              <a:schemeClr val="tx1"/>
+            </a:solidFill>
+          </a:ln>
+        </p:spPr>
+        <p:style>
+          <a:lnRef idx="1">
+            <a:schemeClr val="accent1"/>
+          </a:lnRef>
+          <a:fillRef idx="0">
+            <a:schemeClr val="accent1"/>
+          </a:fillRef>
+          <a:effectRef idx="0">
+            <a:schemeClr val="accent1"/>
+          </a:effectRef>
+          <a:fontRef idx="minor">
+            <a:schemeClr val="tx1"/>
+          </a:fontRef>
+        </p:style>
+      </p:cxnSp>
+      <p:cxnSp>
+        <p:nvCxnSpPr>
+          <p:cNvPr id="47" name="Gerade Verbindung 46">
+            <a:extLst>
+              <a:ext uri="{FF2B5EF4-FFF2-40B4-BE49-F238E27FC236}">
+                <a16:creationId xmlns:a16="http://schemas.microsoft.com/office/drawing/2014/main" id="{5FAB1533-7C19-9B47-A1C7-736121B55AF9}"/>
+              </a:ext>
+            </a:extLst>
+          </p:cNvPr>
+          <p:cNvCxnSpPr>
+            <a:cxnSpLocks/>
+          </p:cNvCxnSpPr>
+          <p:nvPr/>
+        </p:nvCxnSpPr>
+        <p:spPr>
+          <a:xfrm flipH="1" flipV="1">
+            <a:off x="10452068" y="4175367"/>
+            <a:ext cx="409607" cy="34959"/>
+          </a:xfrm>
+          <a:prstGeom prst="line">
+            <a:avLst/>
+          </a:prstGeom>
+          <a:ln w="12700">
+            <a:solidFill>
+              <a:schemeClr val="tx1"/>
+            </a:solidFill>
+          </a:ln>
+        </p:spPr>
+        <p:style>
+          <a:lnRef idx="1">
+            <a:schemeClr val="accent1"/>
+          </a:lnRef>
+          <a:fillRef idx="0">
+            <a:schemeClr val="accent1"/>
+          </a:fillRef>
+          <a:effectRef idx="0">
+            <a:schemeClr val="accent1"/>
+          </a:effectRef>
+          <a:fontRef idx="minor">
+            <a:schemeClr val="tx1"/>
+          </a:fontRef>
+        </p:style>
+      </p:cxnSp>
+      <p:cxnSp>
+        <p:nvCxnSpPr>
+          <p:cNvPr id="53" name="Gerade Verbindung 52">
+            <a:extLst>
+              <a:ext uri="{FF2B5EF4-FFF2-40B4-BE49-F238E27FC236}">
+                <a16:creationId xmlns:a16="http://schemas.microsoft.com/office/drawing/2014/main" id="{6FB6E375-8077-4F44-896B-D6E1B12E5AE4}"/>
+              </a:ext>
+            </a:extLst>
+          </p:cNvPr>
+          <p:cNvCxnSpPr>
+            <a:cxnSpLocks/>
+            <a:endCxn id="8" idx="3"/>
+          </p:cNvCxnSpPr>
+          <p:nvPr/>
+        </p:nvCxnSpPr>
+        <p:spPr>
+          <a:xfrm flipH="1" flipV="1">
+            <a:off x="10645927" y="4396119"/>
+            <a:ext cx="201580" cy="113182"/>
+          </a:xfrm>
+          <a:prstGeom prst="line">
+            <a:avLst/>
+          </a:prstGeom>
+          <a:ln w="12700">
+            <a:solidFill>
+              <a:schemeClr val="tx1"/>
+            </a:solidFill>
+          </a:ln>
+        </p:spPr>
+        <p:style>
+          <a:lnRef idx="1">
+            <a:schemeClr val="accent1"/>
+          </a:lnRef>
+          <a:fillRef idx="0">
+            <a:schemeClr val="accent1"/>
+          </a:fillRef>
+          <a:effectRef idx="0">
+            <a:schemeClr val="accent1"/>
+          </a:effectRef>
+          <a:fontRef idx="minor">
+            <a:schemeClr val="tx1"/>
+          </a:fontRef>
+        </p:style>
+      </p:cxnSp>
+      <p:cxnSp>
+        <p:nvCxnSpPr>
+          <p:cNvPr id="56" name="Gerade Verbindung 55">
+            <a:extLst>
+              <a:ext uri="{FF2B5EF4-FFF2-40B4-BE49-F238E27FC236}">
+                <a16:creationId xmlns:a16="http://schemas.microsoft.com/office/drawing/2014/main" id="{5D261BD5-B626-2A40-8E3D-83FDF869F543}"/>
+              </a:ext>
+            </a:extLst>
+          </p:cNvPr>
+          <p:cNvCxnSpPr>
+            <a:cxnSpLocks/>
+            <a:stCxn id="10" idx="4"/>
+            <a:endCxn id="10" idx="2"/>
+          </p:cNvCxnSpPr>
+          <p:nvPr/>
+        </p:nvCxnSpPr>
+        <p:spPr>
+          <a:xfrm>
+            <a:off x="10844855" y="4706740"/>
+            <a:ext cx="96045" cy="787529"/>
+          </a:xfrm>
+          <a:prstGeom prst="line">
+            <a:avLst/>
+          </a:prstGeom>
+          <a:ln w="12700">
+            <a:solidFill>
+              <a:schemeClr val="tx1"/>
+            </a:solidFill>
+          </a:ln>
+        </p:spPr>
+        <p:style>
+          <a:lnRef idx="1">
+            <a:schemeClr val="accent1"/>
+          </a:lnRef>
+          <a:fillRef idx="0">
+            <a:schemeClr val="accent1"/>
+          </a:fillRef>
+          <a:effectRef idx="0">
+            <a:schemeClr val="accent1"/>
+          </a:effectRef>
+          <a:fontRef idx="minor">
+            <a:schemeClr val="tx1"/>
+          </a:fontRef>
+        </p:style>
+      </p:cxnSp>
+      <p:sp>
+        <p:nvSpPr>
+          <p:cNvPr id="59" name="Datumsplatzhalter 58">
+            <a:extLst>
+              <a:ext uri="{FF2B5EF4-FFF2-40B4-BE49-F238E27FC236}">
+                <a16:creationId xmlns:a16="http://schemas.microsoft.com/office/drawing/2014/main" id="{966F510A-BDB2-5A4E-A992-E2C352C437CC}"/>
+              </a:ext>
+            </a:extLst>
+          </p:cNvPr>
+          <p:cNvSpPr>
+            <a:spLocks noGrp="1"/>
+          </p:cNvSpPr>
+          <p:nvPr>
+            <p:ph type="dt" sz="half" idx="10"/>
+          </p:nvPr>
+        </p:nvSpPr>
+        <p:spPr/>
+        <p:txBody>
+          <a:bodyPr/>
+          <a:lstStyle/>
+          <a:p>
+            <a:r>
+              <a:rPr lang="de-DE"/>
+              <a:t>14.02.22</a:t>
+            </a:r>
+            <a:endParaRPr lang="de-DE" dirty="0"/>
+          </a:p>
+        </p:txBody>
+      </p:sp>
+      <p:sp>
+        <p:nvSpPr>
+          <p:cNvPr id="60" name="Fußzeilenplatzhalter 59">
+            <a:extLst>
+              <a:ext uri="{FF2B5EF4-FFF2-40B4-BE49-F238E27FC236}">
+                <a16:creationId xmlns:a16="http://schemas.microsoft.com/office/drawing/2014/main" id="{99762DF7-98F3-EA4E-A7AD-AAC60AC8EAB6}"/>
+              </a:ext>
+            </a:extLst>
+          </p:cNvPr>
+          <p:cNvSpPr>
+            <a:spLocks noGrp="1"/>
+          </p:cNvSpPr>
+          <p:nvPr>
+            <p:ph type="ftr" sz="quarter" idx="11"/>
+          </p:nvPr>
+        </p:nvSpPr>
+        <p:spPr/>
+        <p:txBody>
+          <a:bodyPr/>
+          <a:lstStyle/>
+          <a:p>
+            <a:r>
+              <a:rPr lang="de-DE"/>
+              <a:t>Seminar Algorithmische Geometrie</a:t>
+            </a:r>
+          </a:p>
+        </p:txBody>
+      </p:sp>
+      <p:sp>
+        <p:nvSpPr>
+          <p:cNvPr id="61" name="Foliennummernplatzhalter 60">
+            <a:extLst>
+              <a:ext uri="{FF2B5EF4-FFF2-40B4-BE49-F238E27FC236}">
+                <a16:creationId xmlns:a16="http://schemas.microsoft.com/office/drawing/2014/main" id="{D492DEC3-572C-9344-AAD6-526849D636D9}"/>
+              </a:ext>
+            </a:extLst>
+          </p:cNvPr>
+          <p:cNvSpPr>
+            <a:spLocks noGrp="1"/>
+          </p:cNvSpPr>
+          <p:nvPr>
+            <p:ph type="sldNum" sz="quarter" idx="12"/>
+          </p:nvPr>
+        </p:nvSpPr>
+        <p:spPr/>
+        <p:txBody>
+          <a:bodyPr/>
+          <a:lstStyle/>
+          <a:p>
+            <a:fld id="{CD307F64-5B15-6D4F-AE85-70F08BDC121E}" type="slidenum">
+              <a:rPr lang="de-DE" smtClean="0"/>
+              <a:t>2</a:t>
+            </a:fld>
+            <a:endParaRPr lang="de-DE"/>
+          </a:p>
+        </p:txBody>
+      </p:sp>
     </p:spTree>
     <p:extLst>
       <p:ext uri="{BB962C8B-B14F-4D97-AF65-F5344CB8AC3E}">
@@ -6760,6 +10738,1167 @@
   <p:clrMapOvr>
     <a:masterClrMapping/>
   </p:clrMapOvr>
+  <p:timing>
+    <p:tnLst>
+      <p:par>
+        <p:cTn id="1" dur="indefinite" restart="never" nodeType="tmRoot">
+          <p:childTnLst>
+            <p:seq concurrent="1" nextAc="seek">
+              <p:cTn id="2" dur="indefinite" nodeType="mainSeq">
+                <p:childTnLst>
+                  <p:par>
+                    <p:cTn id="3" fill="hold">
+                      <p:stCondLst>
+                        <p:cond delay="indefinite"/>
+                      </p:stCondLst>
+                      <p:childTnLst>
+                        <p:par>
+                          <p:cTn id="4" fill="hold">
+                            <p:stCondLst>
+                              <p:cond delay="0"/>
+                            </p:stCondLst>
+                            <p:childTnLst>
+                              <p:par>
+                                <p:cTn id="5" presetID="10" presetClass="entr" presetSubtype="0" fill="hold" grpId="0" nodeType="clickEffect">
+                                  <p:stCondLst>
+                                    <p:cond delay="0"/>
+                                  </p:stCondLst>
+                                  <p:childTnLst>
+                                    <p:set>
+                                      <p:cBhvr>
+                                        <p:cTn id="6" dur="1" fill="hold">
+                                          <p:stCondLst>
+                                            <p:cond delay="0"/>
+                                          </p:stCondLst>
+                                        </p:cTn>
+                                        <p:tgtEl>
+                                          <p:spTgt spid="34"/>
+                                        </p:tgtEl>
+                                        <p:attrNameLst>
+                                          <p:attrName>style.visibility</p:attrName>
+                                        </p:attrNameLst>
+                                      </p:cBhvr>
+                                      <p:to>
+                                        <p:strVal val="visible"/>
+                                      </p:to>
+                                    </p:set>
+                                    <p:animEffect transition="in" filter="fade">
+                                      <p:cBhvr>
+                                        <p:cTn id="7" dur="500"/>
+                                        <p:tgtEl>
+                                          <p:spTgt spid="34"/>
+                                        </p:tgtEl>
+                                      </p:cBhvr>
+                                    </p:animEffect>
+                                  </p:childTnLst>
+                                </p:cTn>
+                              </p:par>
+                              <p:par>
+                                <p:cTn id="8" presetID="10" presetClass="entr" presetSubtype="0" fill="hold" grpId="0" nodeType="withEffect">
+                                  <p:stCondLst>
+                                    <p:cond delay="0"/>
+                                  </p:stCondLst>
+                                  <p:childTnLst>
+                                    <p:set>
+                                      <p:cBhvr>
+                                        <p:cTn id="9" dur="1" fill="hold">
+                                          <p:stCondLst>
+                                            <p:cond delay="0"/>
+                                          </p:stCondLst>
+                                        </p:cTn>
+                                        <p:tgtEl>
+                                          <p:spTgt spid="35"/>
+                                        </p:tgtEl>
+                                        <p:attrNameLst>
+                                          <p:attrName>style.visibility</p:attrName>
+                                        </p:attrNameLst>
+                                      </p:cBhvr>
+                                      <p:to>
+                                        <p:strVal val="visible"/>
+                                      </p:to>
+                                    </p:set>
+                                    <p:animEffect transition="in" filter="fade">
+                                      <p:cBhvr>
+                                        <p:cTn id="10" dur="500"/>
+                                        <p:tgtEl>
+                                          <p:spTgt spid="35"/>
+                                        </p:tgtEl>
+                                      </p:cBhvr>
+                                    </p:animEffect>
+                                  </p:childTnLst>
+                                </p:cTn>
+                              </p:par>
+                              <p:par>
+                                <p:cTn id="11" presetID="10" presetClass="entr" presetSubtype="0" fill="hold" grpId="0" nodeType="withEffect">
+                                  <p:stCondLst>
+                                    <p:cond delay="0"/>
+                                  </p:stCondLst>
+                                  <p:childTnLst>
+                                    <p:set>
+                                      <p:cBhvr>
+                                        <p:cTn id="12" dur="1" fill="hold">
+                                          <p:stCondLst>
+                                            <p:cond delay="0"/>
+                                          </p:stCondLst>
+                                        </p:cTn>
+                                        <p:tgtEl>
+                                          <p:spTgt spid="36"/>
+                                        </p:tgtEl>
+                                        <p:attrNameLst>
+                                          <p:attrName>style.visibility</p:attrName>
+                                        </p:attrNameLst>
+                                      </p:cBhvr>
+                                      <p:to>
+                                        <p:strVal val="visible"/>
+                                      </p:to>
+                                    </p:set>
+                                    <p:animEffect transition="in" filter="fade">
+                                      <p:cBhvr>
+                                        <p:cTn id="13" dur="500"/>
+                                        <p:tgtEl>
+                                          <p:spTgt spid="36"/>
+                                        </p:tgtEl>
+                                      </p:cBhvr>
+                                    </p:animEffect>
+                                  </p:childTnLst>
+                                </p:cTn>
+                              </p:par>
+                              <p:par>
+                                <p:cTn id="14" presetID="10" presetClass="entr" presetSubtype="0" fill="hold" grpId="0" nodeType="withEffect">
+                                  <p:stCondLst>
+                                    <p:cond delay="0"/>
+                                  </p:stCondLst>
+                                  <p:childTnLst>
+                                    <p:set>
+                                      <p:cBhvr>
+                                        <p:cTn id="15" dur="1" fill="hold">
+                                          <p:stCondLst>
+                                            <p:cond delay="0"/>
+                                          </p:stCondLst>
+                                        </p:cTn>
+                                        <p:tgtEl>
+                                          <p:spTgt spid="5"/>
+                                        </p:tgtEl>
+                                        <p:attrNameLst>
+                                          <p:attrName>style.visibility</p:attrName>
+                                        </p:attrNameLst>
+                                      </p:cBhvr>
+                                      <p:to>
+                                        <p:strVal val="visible"/>
+                                      </p:to>
+                                    </p:set>
+                                    <p:animEffect transition="in" filter="fade">
+                                      <p:cBhvr>
+                                        <p:cTn id="16" dur="500"/>
+                                        <p:tgtEl>
+                                          <p:spTgt spid="5"/>
+                                        </p:tgtEl>
+                                      </p:cBhvr>
+                                    </p:animEffect>
+                                  </p:childTnLst>
+                                </p:cTn>
+                              </p:par>
+                              <p:par>
+                                <p:cTn id="17" presetID="10" presetClass="entr" presetSubtype="0" fill="hold" grpId="0" nodeType="withEffect">
+                                  <p:stCondLst>
+                                    <p:cond delay="0"/>
+                                  </p:stCondLst>
+                                  <p:childTnLst>
+                                    <p:set>
+                                      <p:cBhvr>
+                                        <p:cTn id="18" dur="1" fill="hold">
+                                          <p:stCondLst>
+                                            <p:cond delay="0"/>
+                                          </p:stCondLst>
+                                        </p:cTn>
+                                        <p:tgtEl>
+                                          <p:spTgt spid="2"/>
+                                        </p:tgtEl>
+                                        <p:attrNameLst>
+                                          <p:attrName>style.visibility</p:attrName>
+                                        </p:attrNameLst>
+                                      </p:cBhvr>
+                                      <p:to>
+                                        <p:strVal val="visible"/>
+                                      </p:to>
+                                    </p:set>
+                                    <p:animEffect transition="in" filter="fade">
+                                      <p:cBhvr>
+                                        <p:cTn id="19" dur="500"/>
+                                        <p:tgtEl>
+                                          <p:spTgt spid="2"/>
+                                        </p:tgtEl>
+                                      </p:cBhvr>
+                                    </p:animEffect>
+                                  </p:childTnLst>
+                                </p:cTn>
+                              </p:par>
+                              <p:par>
+                                <p:cTn id="20" presetID="10" presetClass="entr" presetSubtype="0" fill="hold" grpId="0" nodeType="withEffect">
+                                  <p:stCondLst>
+                                    <p:cond delay="0"/>
+                                  </p:stCondLst>
+                                  <p:childTnLst>
+                                    <p:set>
+                                      <p:cBhvr>
+                                        <p:cTn id="21" dur="1" fill="hold">
+                                          <p:stCondLst>
+                                            <p:cond delay="0"/>
+                                          </p:stCondLst>
+                                        </p:cTn>
+                                        <p:tgtEl>
+                                          <p:spTgt spid="10"/>
+                                        </p:tgtEl>
+                                        <p:attrNameLst>
+                                          <p:attrName>style.visibility</p:attrName>
+                                        </p:attrNameLst>
+                                      </p:cBhvr>
+                                      <p:to>
+                                        <p:strVal val="visible"/>
+                                      </p:to>
+                                    </p:set>
+                                    <p:animEffect transition="in" filter="fade">
+                                      <p:cBhvr>
+                                        <p:cTn id="22" dur="500"/>
+                                        <p:tgtEl>
+                                          <p:spTgt spid="10"/>
+                                        </p:tgtEl>
+                                      </p:cBhvr>
+                                    </p:animEffect>
+                                  </p:childTnLst>
+                                </p:cTn>
+                              </p:par>
+                              <p:par>
+                                <p:cTn id="23" presetID="10" presetClass="entr" presetSubtype="0" fill="hold" grpId="0" nodeType="withEffect">
+                                  <p:stCondLst>
+                                    <p:cond delay="0"/>
+                                  </p:stCondLst>
+                                  <p:childTnLst>
+                                    <p:set>
+                                      <p:cBhvr>
+                                        <p:cTn id="24" dur="1" fill="hold">
+                                          <p:stCondLst>
+                                            <p:cond delay="0"/>
+                                          </p:stCondLst>
+                                        </p:cTn>
+                                        <p:tgtEl>
+                                          <p:spTgt spid="8"/>
+                                        </p:tgtEl>
+                                        <p:attrNameLst>
+                                          <p:attrName>style.visibility</p:attrName>
+                                        </p:attrNameLst>
+                                      </p:cBhvr>
+                                      <p:to>
+                                        <p:strVal val="visible"/>
+                                      </p:to>
+                                    </p:set>
+                                    <p:animEffect transition="in" filter="fade">
+                                      <p:cBhvr>
+                                        <p:cTn id="25" dur="500"/>
+                                        <p:tgtEl>
+                                          <p:spTgt spid="8"/>
+                                        </p:tgtEl>
+                                      </p:cBhvr>
+                                    </p:animEffect>
+                                  </p:childTnLst>
+                                </p:cTn>
+                              </p:par>
+                            </p:childTnLst>
+                          </p:cTn>
+                        </p:par>
+                      </p:childTnLst>
+                    </p:cTn>
+                  </p:par>
+                  <p:par>
+                    <p:cTn id="26" fill="hold">
+                      <p:stCondLst>
+                        <p:cond delay="indefinite"/>
+                      </p:stCondLst>
+                      <p:childTnLst>
+                        <p:par>
+                          <p:cTn id="27" fill="hold">
+                            <p:stCondLst>
+                              <p:cond delay="0"/>
+                            </p:stCondLst>
+                            <p:childTnLst>
+                              <p:par>
+                                <p:cTn id="28" presetID="10" presetClass="entr" presetSubtype="0" fill="hold" grpId="0" nodeType="clickEffect">
+                                  <p:stCondLst>
+                                    <p:cond delay="0"/>
+                                  </p:stCondLst>
+                                  <p:childTnLst>
+                                    <p:set>
+                                      <p:cBhvr>
+                                        <p:cTn id="29" dur="1" fill="hold">
+                                          <p:stCondLst>
+                                            <p:cond delay="0"/>
+                                          </p:stCondLst>
+                                        </p:cTn>
+                                        <p:tgtEl>
+                                          <p:spTgt spid="15"/>
+                                        </p:tgtEl>
+                                        <p:attrNameLst>
+                                          <p:attrName>style.visibility</p:attrName>
+                                        </p:attrNameLst>
+                                      </p:cBhvr>
+                                      <p:to>
+                                        <p:strVal val="visible"/>
+                                      </p:to>
+                                    </p:set>
+                                    <p:animEffect transition="in" filter="fade">
+                                      <p:cBhvr>
+                                        <p:cTn id="30" dur="500"/>
+                                        <p:tgtEl>
+                                          <p:spTgt spid="15"/>
+                                        </p:tgtEl>
+                                      </p:cBhvr>
+                                    </p:animEffect>
+                                  </p:childTnLst>
+                                </p:cTn>
+                              </p:par>
+                              <p:par>
+                                <p:cTn id="31" presetID="10" presetClass="entr" presetSubtype="0" fill="hold" grpId="0" nodeType="withEffect">
+                                  <p:stCondLst>
+                                    <p:cond delay="0"/>
+                                  </p:stCondLst>
+                                  <p:childTnLst>
+                                    <p:set>
+                                      <p:cBhvr>
+                                        <p:cTn id="32" dur="1" fill="hold">
+                                          <p:stCondLst>
+                                            <p:cond delay="0"/>
+                                          </p:stCondLst>
+                                        </p:cTn>
+                                        <p:tgtEl>
+                                          <p:spTgt spid="16"/>
+                                        </p:tgtEl>
+                                        <p:attrNameLst>
+                                          <p:attrName>style.visibility</p:attrName>
+                                        </p:attrNameLst>
+                                      </p:cBhvr>
+                                      <p:to>
+                                        <p:strVal val="visible"/>
+                                      </p:to>
+                                    </p:set>
+                                    <p:animEffect transition="in" filter="fade">
+                                      <p:cBhvr>
+                                        <p:cTn id="33" dur="500"/>
+                                        <p:tgtEl>
+                                          <p:spTgt spid="16"/>
+                                        </p:tgtEl>
+                                      </p:cBhvr>
+                                    </p:animEffect>
+                                  </p:childTnLst>
+                                </p:cTn>
+                              </p:par>
+                              <p:par>
+                                <p:cTn id="34" presetID="10" presetClass="entr" presetSubtype="0" fill="hold" grpId="0" nodeType="withEffect">
+                                  <p:stCondLst>
+                                    <p:cond delay="0"/>
+                                  </p:stCondLst>
+                                  <p:childTnLst>
+                                    <p:set>
+                                      <p:cBhvr>
+                                        <p:cTn id="35" dur="1" fill="hold">
+                                          <p:stCondLst>
+                                            <p:cond delay="0"/>
+                                          </p:stCondLst>
+                                        </p:cTn>
+                                        <p:tgtEl>
+                                          <p:spTgt spid="17"/>
+                                        </p:tgtEl>
+                                        <p:attrNameLst>
+                                          <p:attrName>style.visibility</p:attrName>
+                                        </p:attrNameLst>
+                                      </p:cBhvr>
+                                      <p:to>
+                                        <p:strVal val="visible"/>
+                                      </p:to>
+                                    </p:set>
+                                    <p:animEffect transition="in" filter="fade">
+                                      <p:cBhvr>
+                                        <p:cTn id="36" dur="500"/>
+                                        <p:tgtEl>
+                                          <p:spTgt spid="17"/>
+                                        </p:tgtEl>
+                                      </p:cBhvr>
+                                    </p:animEffect>
+                                  </p:childTnLst>
+                                </p:cTn>
+                              </p:par>
+                              <p:par>
+                                <p:cTn id="37" presetID="10" presetClass="entr" presetSubtype="0" fill="hold" grpId="0" nodeType="withEffect">
+                                  <p:stCondLst>
+                                    <p:cond delay="0"/>
+                                  </p:stCondLst>
+                                  <p:childTnLst>
+                                    <p:set>
+                                      <p:cBhvr>
+                                        <p:cTn id="38" dur="1" fill="hold">
+                                          <p:stCondLst>
+                                            <p:cond delay="0"/>
+                                          </p:stCondLst>
+                                        </p:cTn>
+                                        <p:tgtEl>
+                                          <p:spTgt spid="20"/>
+                                        </p:tgtEl>
+                                        <p:attrNameLst>
+                                          <p:attrName>style.visibility</p:attrName>
+                                        </p:attrNameLst>
+                                      </p:cBhvr>
+                                      <p:to>
+                                        <p:strVal val="visible"/>
+                                      </p:to>
+                                    </p:set>
+                                    <p:animEffect transition="in" filter="fade">
+                                      <p:cBhvr>
+                                        <p:cTn id="39" dur="500"/>
+                                        <p:tgtEl>
+                                          <p:spTgt spid="20"/>
+                                        </p:tgtEl>
+                                      </p:cBhvr>
+                                    </p:animEffect>
+                                  </p:childTnLst>
+                                </p:cTn>
+                              </p:par>
+                              <p:par>
+                                <p:cTn id="40" presetID="10" presetClass="entr" presetSubtype="0" fill="hold" grpId="0" nodeType="withEffect">
+                                  <p:stCondLst>
+                                    <p:cond delay="0"/>
+                                  </p:stCondLst>
+                                  <p:childTnLst>
+                                    <p:set>
+                                      <p:cBhvr>
+                                        <p:cTn id="41" dur="1" fill="hold">
+                                          <p:stCondLst>
+                                            <p:cond delay="0"/>
+                                          </p:stCondLst>
+                                        </p:cTn>
+                                        <p:tgtEl>
+                                          <p:spTgt spid="21"/>
+                                        </p:tgtEl>
+                                        <p:attrNameLst>
+                                          <p:attrName>style.visibility</p:attrName>
+                                        </p:attrNameLst>
+                                      </p:cBhvr>
+                                      <p:to>
+                                        <p:strVal val="visible"/>
+                                      </p:to>
+                                    </p:set>
+                                    <p:animEffect transition="in" filter="fade">
+                                      <p:cBhvr>
+                                        <p:cTn id="42" dur="500"/>
+                                        <p:tgtEl>
+                                          <p:spTgt spid="21"/>
+                                        </p:tgtEl>
+                                      </p:cBhvr>
+                                    </p:animEffect>
+                                  </p:childTnLst>
+                                </p:cTn>
+                              </p:par>
+                              <p:par>
+                                <p:cTn id="43" presetID="10" presetClass="entr" presetSubtype="0" fill="hold" grpId="0" nodeType="withEffect">
+                                  <p:stCondLst>
+                                    <p:cond delay="0"/>
+                                  </p:stCondLst>
+                                  <p:childTnLst>
+                                    <p:set>
+                                      <p:cBhvr>
+                                        <p:cTn id="44" dur="1" fill="hold">
+                                          <p:stCondLst>
+                                            <p:cond delay="0"/>
+                                          </p:stCondLst>
+                                        </p:cTn>
+                                        <p:tgtEl>
+                                          <p:spTgt spid="22"/>
+                                        </p:tgtEl>
+                                        <p:attrNameLst>
+                                          <p:attrName>style.visibility</p:attrName>
+                                        </p:attrNameLst>
+                                      </p:cBhvr>
+                                      <p:to>
+                                        <p:strVal val="visible"/>
+                                      </p:to>
+                                    </p:set>
+                                    <p:animEffect transition="in" filter="fade">
+                                      <p:cBhvr>
+                                        <p:cTn id="45" dur="500"/>
+                                        <p:tgtEl>
+                                          <p:spTgt spid="22"/>
+                                        </p:tgtEl>
+                                      </p:cBhvr>
+                                    </p:animEffect>
+                                  </p:childTnLst>
+                                </p:cTn>
+                              </p:par>
+                              <p:par>
+                                <p:cTn id="46" presetID="10" presetClass="entr" presetSubtype="0" fill="hold" grpId="0" nodeType="withEffect">
+                                  <p:stCondLst>
+                                    <p:cond delay="0"/>
+                                  </p:stCondLst>
+                                  <p:childTnLst>
+                                    <p:set>
+                                      <p:cBhvr>
+                                        <p:cTn id="47" dur="1" fill="hold">
+                                          <p:stCondLst>
+                                            <p:cond delay="0"/>
+                                          </p:stCondLst>
+                                        </p:cTn>
+                                        <p:tgtEl>
+                                          <p:spTgt spid="23"/>
+                                        </p:tgtEl>
+                                        <p:attrNameLst>
+                                          <p:attrName>style.visibility</p:attrName>
+                                        </p:attrNameLst>
+                                      </p:cBhvr>
+                                      <p:to>
+                                        <p:strVal val="visible"/>
+                                      </p:to>
+                                    </p:set>
+                                    <p:animEffect transition="in" filter="fade">
+                                      <p:cBhvr>
+                                        <p:cTn id="48" dur="500"/>
+                                        <p:tgtEl>
+                                          <p:spTgt spid="23"/>
+                                        </p:tgtEl>
+                                      </p:cBhvr>
+                                    </p:animEffect>
+                                  </p:childTnLst>
+                                </p:cTn>
+                              </p:par>
+                            </p:childTnLst>
+                          </p:cTn>
+                        </p:par>
+                      </p:childTnLst>
+                    </p:cTn>
+                  </p:par>
+                  <p:par>
+                    <p:cTn id="49" fill="hold">
+                      <p:stCondLst>
+                        <p:cond delay="indefinite"/>
+                      </p:stCondLst>
+                      <p:childTnLst>
+                        <p:par>
+                          <p:cTn id="50" fill="hold">
+                            <p:stCondLst>
+                              <p:cond delay="0"/>
+                            </p:stCondLst>
+                            <p:childTnLst>
+                              <p:par>
+                                <p:cTn id="51" presetID="10" presetClass="entr" presetSubtype="0" fill="hold" grpId="0" nodeType="clickEffect">
+                                  <p:stCondLst>
+                                    <p:cond delay="0"/>
+                                  </p:stCondLst>
+                                  <p:childTnLst>
+                                    <p:set>
+                                      <p:cBhvr>
+                                        <p:cTn id="52" dur="1" fill="hold">
+                                          <p:stCondLst>
+                                            <p:cond delay="0"/>
+                                          </p:stCondLst>
+                                        </p:cTn>
+                                        <p:tgtEl>
+                                          <p:spTgt spid="25"/>
+                                        </p:tgtEl>
+                                        <p:attrNameLst>
+                                          <p:attrName>style.visibility</p:attrName>
+                                        </p:attrNameLst>
+                                      </p:cBhvr>
+                                      <p:to>
+                                        <p:strVal val="visible"/>
+                                      </p:to>
+                                    </p:set>
+                                    <p:animEffect transition="in" filter="fade">
+                                      <p:cBhvr>
+                                        <p:cTn id="53" dur="500"/>
+                                        <p:tgtEl>
+                                          <p:spTgt spid="25"/>
+                                        </p:tgtEl>
+                                      </p:cBhvr>
+                                    </p:animEffect>
+                                  </p:childTnLst>
+                                </p:cTn>
+                              </p:par>
+                              <p:par>
+                                <p:cTn id="54" presetID="10" presetClass="entr" presetSubtype="0" fill="hold" grpId="0" nodeType="withEffect">
+                                  <p:stCondLst>
+                                    <p:cond delay="0"/>
+                                  </p:stCondLst>
+                                  <p:childTnLst>
+                                    <p:set>
+                                      <p:cBhvr>
+                                        <p:cTn id="55" dur="1" fill="hold">
+                                          <p:stCondLst>
+                                            <p:cond delay="0"/>
+                                          </p:stCondLst>
+                                        </p:cTn>
+                                        <p:tgtEl>
+                                          <p:spTgt spid="26"/>
+                                        </p:tgtEl>
+                                        <p:attrNameLst>
+                                          <p:attrName>style.visibility</p:attrName>
+                                        </p:attrNameLst>
+                                      </p:cBhvr>
+                                      <p:to>
+                                        <p:strVal val="visible"/>
+                                      </p:to>
+                                    </p:set>
+                                    <p:animEffect transition="in" filter="fade">
+                                      <p:cBhvr>
+                                        <p:cTn id="56" dur="500"/>
+                                        <p:tgtEl>
+                                          <p:spTgt spid="26"/>
+                                        </p:tgtEl>
+                                      </p:cBhvr>
+                                    </p:animEffect>
+                                  </p:childTnLst>
+                                </p:cTn>
+                              </p:par>
+                              <p:par>
+                                <p:cTn id="57" presetID="10" presetClass="entr" presetSubtype="0" fill="hold" grpId="0" nodeType="withEffect">
+                                  <p:stCondLst>
+                                    <p:cond delay="0"/>
+                                  </p:stCondLst>
+                                  <p:childTnLst>
+                                    <p:set>
+                                      <p:cBhvr>
+                                        <p:cTn id="58" dur="1" fill="hold">
+                                          <p:stCondLst>
+                                            <p:cond delay="0"/>
+                                          </p:stCondLst>
+                                        </p:cTn>
+                                        <p:tgtEl>
+                                          <p:spTgt spid="27"/>
+                                        </p:tgtEl>
+                                        <p:attrNameLst>
+                                          <p:attrName>style.visibility</p:attrName>
+                                        </p:attrNameLst>
+                                      </p:cBhvr>
+                                      <p:to>
+                                        <p:strVal val="visible"/>
+                                      </p:to>
+                                    </p:set>
+                                    <p:animEffect transition="in" filter="fade">
+                                      <p:cBhvr>
+                                        <p:cTn id="59" dur="500"/>
+                                        <p:tgtEl>
+                                          <p:spTgt spid="27"/>
+                                        </p:tgtEl>
+                                      </p:cBhvr>
+                                    </p:animEffect>
+                                  </p:childTnLst>
+                                </p:cTn>
+                              </p:par>
+                              <p:par>
+                                <p:cTn id="60" presetID="10" presetClass="entr" presetSubtype="0" fill="hold" grpId="0" nodeType="withEffect">
+                                  <p:stCondLst>
+                                    <p:cond delay="0"/>
+                                  </p:stCondLst>
+                                  <p:childTnLst>
+                                    <p:set>
+                                      <p:cBhvr>
+                                        <p:cTn id="61" dur="1" fill="hold">
+                                          <p:stCondLst>
+                                            <p:cond delay="0"/>
+                                          </p:stCondLst>
+                                        </p:cTn>
+                                        <p:tgtEl>
+                                          <p:spTgt spid="28"/>
+                                        </p:tgtEl>
+                                        <p:attrNameLst>
+                                          <p:attrName>style.visibility</p:attrName>
+                                        </p:attrNameLst>
+                                      </p:cBhvr>
+                                      <p:to>
+                                        <p:strVal val="visible"/>
+                                      </p:to>
+                                    </p:set>
+                                    <p:animEffect transition="in" filter="fade">
+                                      <p:cBhvr>
+                                        <p:cTn id="62" dur="500"/>
+                                        <p:tgtEl>
+                                          <p:spTgt spid="28"/>
+                                        </p:tgtEl>
+                                      </p:cBhvr>
+                                    </p:animEffect>
+                                  </p:childTnLst>
+                                </p:cTn>
+                              </p:par>
+                              <p:par>
+                                <p:cTn id="63" presetID="10" presetClass="entr" presetSubtype="0" fill="hold" grpId="0" nodeType="withEffect">
+                                  <p:stCondLst>
+                                    <p:cond delay="0"/>
+                                  </p:stCondLst>
+                                  <p:childTnLst>
+                                    <p:set>
+                                      <p:cBhvr>
+                                        <p:cTn id="64" dur="1" fill="hold">
+                                          <p:stCondLst>
+                                            <p:cond delay="0"/>
+                                          </p:stCondLst>
+                                        </p:cTn>
+                                        <p:tgtEl>
+                                          <p:spTgt spid="29"/>
+                                        </p:tgtEl>
+                                        <p:attrNameLst>
+                                          <p:attrName>style.visibility</p:attrName>
+                                        </p:attrNameLst>
+                                      </p:cBhvr>
+                                      <p:to>
+                                        <p:strVal val="visible"/>
+                                      </p:to>
+                                    </p:set>
+                                    <p:animEffect transition="in" filter="fade">
+                                      <p:cBhvr>
+                                        <p:cTn id="65" dur="500"/>
+                                        <p:tgtEl>
+                                          <p:spTgt spid="29"/>
+                                        </p:tgtEl>
+                                      </p:cBhvr>
+                                    </p:animEffect>
+                                  </p:childTnLst>
+                                </p:cTn>
+                              </p:par>
+                              <p:par>
+                                <p:cTn id="66" presetID="10" presetClass="entr" presetSubtype="0" fill="hold" grpId="0" nodeType="withEffect">
+                                  <p:stCondLst>
+                                    <p:cond delay="0"/>
+                                  </p:stCondLst>
+                                  <p:childTnLst>
+                                    <p:set>
+                                      <p:cBhvr>
+                                        <p:cTn id="67" dur="1" fill="hold">
+                                          <p:stCondLst>
+                                            <p:cond delay="0"/>
+                                          </p:stCondLst>
+                                        </p:cTn>
+                                        <p:tgtEl>
+                                          <p:spTgt spid="30"/>
+                                        </p:tgtEl>
+                                        <p:attrNameLst>
+                                          <p:attrName>style.visibility</p:attrName>
+                                        </p:attrNameLst>
+                                      </p:cBhvr>
+                                      <p:to>
+                                        <p:strVal val="visible"/>
+                                      </p:to>
+                                    </p:set>
+                                    <p:animEffect transition="in" filter="fade">
+                                      <p:cBhvr>
+                                        <p:cTn id="68" dur="500"/>
+                                        <p:tgtEl>
+                                          <p:spTgt spid="30"/>
+                                        </p:tgtEl>
+                                      </p:cBhvr>
+                                    </p:animEffect>
+                                  </p:childTnLst>
+                                </p:cTn>
+                              </p:par>
+                              <p:par>
+                                <p:cTn id="69" presetID="10" presetClass="entr" presetSubtype="0" fill="hold" grpId="0" nodeType="withEffect">
+                                  <p:stCondLst>
+                                    <p:cond delay="0"/>
+                                  </p:stCondLst>
+                                  <p:childTnLst>
+                                    <p:set>
+                                      <p:cBhvr>
+                                        <p:cTn id="70" dur="1" fill="hold">
+                                          <p:stCondLst>
+                                            <p:cond delay="0"/>
+                                          </p:stCondLst>
+                                        </p:cTn>
+                                        <p:tgtEl>
+                                          <p:spTgt spid="31"/>
+                                        </p:tgtEl>
+                                        <p:attrNameLst>
+                                          <p:attrName>style.visibility</p:attrName>
+                                        </p:attrNameLst>
+                                      </p:cBhvr>
+                                      <p:to>
+                                        <p:strVal val="visible"/>
+                                      </p:to>
+                                    </p:set>
+                                    <p:animEffect transition="in" filter="fade">
+                                      <p:cBhvr>
+                                        <p:cTn id="71" dur="500"/>
+                                        <p:tgtEl>
+                                          <p:spTgt spid="31"/>
+                                        </p:tgtEl>
+                                      </p:cBhvr>
+                                    </p:animEffect>
+                                  </p:childTnLst>
+                                </p:cTn>
+                              </p:par>
+                              <p:par>
+                                <p:cTn id="72" presetID="10" presetClass="entr" presetSubtype="0" fill="hold" grpId="0" nodeType="withEffect">
+                                  <p:stCondLst>
+                                    <p:cond delay="0"/>
+                                  </p:stCondLst>
+                                  <p:childTnLst>
+                                    <p:set>
+                                      <p:cBhvr>
+                                        <p:cTn id="73" dur="1" fill="hold">
+                                          <p:stCondLst>
+                                            <p:cond delay="0"/>
+                                          </p:stCondLst>
+                                        </p:cTn>
+                                        <p:tgtEl>
+                                          <p:spTgt spid="39"/>
+                                        </p:tgtEl>
+                                        <p:attrNameLst>
+                                          <p:attrName>style.visibility</p:attrName>
+                                        </p:attrNameLst>
+                                      </p:cBhvr>
+                                      <p:to>
+                                        <p:strVal val="visible"/>
+                                      </p:to>
+                                    </p:set>
+                                    <p:animEffect transition="in" filter="fade">
+                                      <p:cBhvr>
+                                        <p:cTn id="74" dur="500"/>
+                                        <p:tgtEl>
+                                          <p:spTgt spid="39"/>
+                                        </p:tgtEl>
+                                      </p:cBhvr>
+                                    </p:animEffect>
+                                  </p:childTnLst>
+                                </p:cTn>
+                              </p:par>
+                              <p:par>
+                                <p:cTn id="75" presetID="10" presetClass="entr" presetSubtype="0" fill="hold" grpId="0" nodeType="withEffect">
+                                  <p:stCondLst>
+                                    <p:cond delay="0"/>
+                                  </p:stCondLst>
+                                  <p:childTnLst>
+                                    <p:set>
+                                      <p:cBhvr>
+                                        <p:cTn id="76" dur="1" fill="hold">
+                                          <p:stCondLst>
+                                            <p:cond delay="0"/>
+                                          </p:stCondLst>
+                                        </p:cTn>
+                                        <p:tgtEl>
+                                          <p:spTgt spid="40"/>
+                                        </p:tgtEl>
+                                        <p:attrNameLst>
+                                          <p:attrName>style.visibility</p:attrName>
+                                        </p:attrNameLst>
+                                      </p:cBhvr>
+                                      <p:to>
+                                        <p:strVal val="visible"/>
+                                      </p:to>
+                                    </p:set>
+                                    <p:animEffect transition="in" filter="fade">
+                                      <p:cBhvr>
+                                        <p:cTn id="77" dur="500"/>
+                                        <p:tgtEl>
+                                          <p:spTgt spid="40"/>
+                                        </p:tgtEl>
+                                      </p:cBhvr>
+                                    </p:animEffect>
+                                  </p:childTnLst>
+                                </p:cTn>
+                              </p:par>
+                            </p:childTnLst>
+                          </p:cTn>
+                        </p:par>
+                      </p:childTnLst>
+                    </p:cTn>
+                  </p:par>
+                  <p:par>
+                    <p:cTn id="78" fill="hold">
+                      <p:stCondLst>
+                        <p:cond delay="indefinite"/>
+                      </p:stCondLst>
+                      <p:childTnLst>
+                        <p:par>
+                          <p:cTn id="79" fill="hold">
+                            <p:stCondLst>
+                              <p:cond delay="0"/>
+                            </p:stCondLst>
+                            <p:childTnLst>
+                              <p:par>
+                                <p:cTn id="80" presetID="10" presetClass="entr" presetSubtype="0" fill="hold" grpId="0" nodeType="clickEffect">
+                                  <p:stCondLst>
+                                    <p:cond delay="0"/>
+                                  </p:stCondLst>
+                                  <p:childTnLst>
+                                    <p:set>
+                                      <p:cBhvr>
+                                        <p:cTn id="81" dur="1" fill="hold">
+                                          <p:stCondLst>
+                                            <p:cond delay="0"/>
+                                          </p:stCondLst>
+                                        </p:cTn>
+                                        <p:tgtEl>
+                                          <p:spTgt spid="38"/>
+                                        </p:tgtEl>
+                                        <p:attrNameLst>
+                                          <p:attrName>style.visibility</p:attrName>
+                                        </p:attrNameLst>
+                                      </p:cBhvr>
+                                      <p:to>
+                                        <p:strVal val="visible"/>
+                                      </p:to>
+                                    </p:set>
+                                    <p:animEffect transition="in" filter="fade">
+                                      <p:cBhvr>
+                                        <p:cTn id="82" dur="500"/>
+                                        <p:tgtEl>
+                                          <p:spTgt spid="38"/>
+                                        </p:tgtEl>
+                                      </p:cBhvr>
+                                    </p:animEffect>
+                                  </p:childTnLst>
+                                </p:cTn>
+                              </p:par>
+                            </p:childTnLst>
+                          </p:cTn>
+                        </p:par>
+                      </p:childTnLst>
+                    </p:cTn>
+                  </p:par>
+                  <p:par>
+                    <p:cTn id="83" fill="hold">
+                      <p:stCondLst>
+                        <p:cond delay="indefinite"/>
+                      </p:stCondLst>
+                      <p:childTnLst>
+                        <p:par>
+                          <p:cTn id="84" fill="hold">
+                            <p:stCondLst>
+                              <p:cond delay="0"/>
+                            </p:stCondLst>
+                            <p:childTnLst>
+                              <p:par>
+                                <p:cTn id="85" presetID="10" presetClass="entr" presetSubtype="0" fill="hold" nodeType="clickEffect">
+                                  <p:stCondLst>
+                                    <p:cond delay="0"/>
+                                  </p:stCondLst>
+                                  <p:childTnLst>
+                                    <p:set>
+                                      <p:cBhvr>
+                                        <p:cTn id="86" dur="1" fill="hold">
+                                          <p:stCondLst>
+                                            <p:cond delay="0"/>
+                                          </p:stCondLst>
+                                        </p:cTn>
+                                        <p:tgtEl>
+                                          <p:spTgt spid="47"/>
+                                        </p:tgtEl>
+                                        <p:attrNameLst>
+                                          <p:attrName>style.visibility</p:attrName>
+                                        </p:attrNameLst>
+                                      </p:cBhvr>
+                                      <p:to>
+                                        <p:strVal val="visible"/>
+                                      </p:to>
+                                    </p:set>
+                                    <p:animEffect transition="in" filter="fade">
+                                      <p:cBhvr>
+                                        <p:cTn id="87" dur="500"/>
+                                        <p:tgtEl>
+                                          <p:spTgt spid="47"/>
+                                        </p:tgtEl>
+                                      </p:cBhvr>
+                                    </p:animEffect>
+                                  </p:childTnLst>
+                                </p:cTn>
+                              </p:par>
+                              <p:par>
+                                <p:cTn id="88" presetID="10" presetClass="entr" presetSubtype="0" fill="hold" nodeType="withEffect">
+                                  <p:stCondLst>
+                                    <p:cond delay="0"/>
+                                  </p:stCondLst>
+                                  <p:childTnLst>
+                                    <p:set>
+                                      <p:cBhvr>
+                                        <p:cTn id="89" dur="1" fill="hold">
+                                          <p:stCondLst>
+                                            <p:cond delay="0"/>
+                                          </p:stCondLst>
+                                        </p:cTn>
+                                        <p:tgtEl>
+                                          <p:spTgt spid="53"/>
+                                        </p:tgtEl>
+                                        <p:attrNameLst>
+                                          <p:attrName>style.visibility</p:attrName>
+                                        </p:attrNameLst>
+                                      </p:cBhvr>
+                                      <p:to>
+                                        <p:strVal val="visible"/>
+                                      </p:to>
+                                    </p:set>
+                                    <p:animEffect transition="in" filter="fade">
+                                      <p:cBhvr>
+                                        <p:cTn id="90" dur="500"/>
+                                        <p:tgtEl>
+                                          <p:spTgt spid="53"/>
+                                        </p:tgtEl>
+                                      </p:cBhvr>
+                                    </p:animEffect>
+                                  </p:childTnLst>
+                                </p:cTn>
+                              </p:par>
+                              <p:par>
+                                <p:cTn id="91" presetID="10" presetClass="entr" presetSubtype="0" fill="hold" nodeType="withEffect">
+                                  <p:stCondLst>
+                                    <p:cond delay="0"/>
+                                  </p:stCondLst>
+                                  <p:childTnLst>
+                                    <p:set>
+                                      <p:cBhvr>
+                                        <p:cTn id="92" dur="1" fill="hold">
+                                          <p:stCondLst>
+                                            <p:cond delay="0"/>
+                                          </p:stCondLst>
+                                        </p:cTn>
+                                        <p:tgtEl>
+                                          <p:spTgt spid="56"/>
+                                        </p:tgtEl>
+                                        <p:attrNameLst>
+                                          <p:attrName>style.visibility</p:attrName>
+                                        </p:attrNameLst>
+                                      </p:cBhvr>
+                                      <p:to>
+                                        <p:strVal val="visible"/>
+                                      </p:to>
+                                    </p:set>
+                                    <p:animEffect transition="in" filter="fade">
+                                      <p:cBhvr>
+                                        <p:cTn id="93" dur="500"/>
+                                        <p:tgtEl>
+                                          <p:spTgt spid="56"/>
+                                        </p:tgtEl>
+                                      </p:cBhvr>
+                                    </p:animEffect>
+                                  </p:childTnLst>
+                                </p:cTn>
+                              </p:par>
+                              <p:par>
+                                <p:cTn id="94" presetID="10" presetClass="entr" presetSubtype="0" fill="hold" nodeType="withEffect">
+                                  <p:stCondLst>
+                                    <p:cond delay="0"/>
+                                  </p:stCondLst>
+                                  <p:childTnLst>
+                                    <p:set>
+                                      <p:cBhvr>
+                                        <p:cTn id="95" dur="1" fill="hold">
+                                          <p:stCondLst>
+                                            <p:cond delay="0"/>
+                                          </p:stCondLst>
+                                        </p:cTn>
+                                        <p:tgtEl>
+                                          <p:spTgt spid="43"/>
+                                        </p:tgtEl>
+                                        <p:attrNameLst>
+                                          <p:attrName>style.visibility</p:attrName>
+                                        </p:attrNameLst>
+                                      </p:cBhvr>
+                                      <p:to>
+                                        <p:strVal val="visible"/>
+                                      </p:to>
+                                    </p:set>
+                                    <p:animEffect transition="in" filter="fade">
+                                      <p:cBhvr>
+                                        <p:cTn id="96" dur="500"/>
+                                        <p:tgtEl>
+                                          <p:spTgt spid="43"/>
+                                        </p:tgtEl>
+                                      </p:cBhvr>
+                                    </p:animEffect>
+                                  </p:childTnLst>
+                                </p:cTn>
+                              </p:par>
+                              <p:par>
+                                <p:cTn id="97" presetID="10" presetClass="entr" presetSubtype="0" fill="hold" nodeType="withEffect">
+                                  <p:stCondLst>
+                                    <p:cond delay="0"/>
+                                  </p:stCondLst>
+                                  <p:childTnLst>
+                                    <p:set>
+                                      <p:cBhvr>
+                                        <p:cTn id="98" dur="1" fill="hold">
+                                          <p:stCondLst>
+                                            <p:cond delay="0"/>
+                                          </p:stCondLst>
+                                        </p:cTn>
+                                        <p:tgtEl>
+                                          <p:spTgt spid="42"/>
+                                        </p:tgtEl>
+                                        <p:attrNameLst>
+                                          <p:attrName>style.visibility</p:attrName>
+                                        </p:attrNameLst>
+                                      </p:cBhvr>
+                                      <p:to>
+                                        <p:strVal val="visible"/>
+                                      </p:to>
+                                    </p:set>
+                                    <p:animEffect transition="in" filter="fade">
+                                      <p:cBhvr>
+                                        <p:cTn id="99" dur="500"/>
+                                        <p:tgtEl>
+                                          <p:spTgt spid="42"/>
+                                        </p:tgtEl>
+                                      </p:cBhvr>
+                                    </p:animEffect>
+                                  </p:childTnLst>
+                                </p:cTn>
+                              </p:par>
+                            </p:childTnLst>
+                          </p:cTn>
+                        </p:par>
+                      </p:childTnLst>
+                    </p:cTn>
+                  </p:par>
+                </p:childTnLst>
+              </p:cTn>
+              <p:prevCondLst>
+                <p:cond evt="onPrev" delay="0">
+                  <p:tgtEl>
+                    <p:sldTgt/>
+                  </p:tgtEl>
+                </p:cond>
+              </p:prevCondLst>
+              <p:nextCondLst>
+                <p:cond evt="onNext" delay="0">
+                  <p:tgtEl>
+                    <p:sldTgt/>
+                  </p:tgtEl>
+                </p:cond>
+              </p:nextCondLst>
+            </p:seq>
+          </p:childTnLst>
+        </p:cTn>
+      </p:par>
+    </p:tnLst>
+    <p:bldLst>
+      <p:bldP spid="35" grpId="0" animBg="1"/>
+      <p:bldP spid="36" grpId="0" animBg="1"/>
+      <p:bldP spid="34" grpId="0" animBg="1"/>
+      <p:bldP spid="2" grpId="0" animBg="1"/>
+      <p:bldP spid="5" grpId="0" animBg="1"/>
+      <p:bldP spid="10" grpId="0" animBg="1"/>
+      <p:bldP spid="8" grpId="0" animBg="1"/>
+      <p:bldP spid="15" grpId="0" animBg="1"/>
+      <p:bldP spid="16" grpId="0" animBg="1"/>
+      <p:bldP spid="17" grpId="0" animBg="1"/>
+      <p:bldP spid="20" grpId="0" animBg="1"/>
+      <p:bldP spid="21" grpId="0" animBg="1"/>
+      <p:bldP spid="22" grpId="0" animBg="1"/>
+      <p:bldP spid="23" grpId="0" animBg="1"/>
+      <p:bldP spid="25" grpId="0"/>
+      <p:bldP spid="26" grpId="0"/>
+      <p:bldP spid="27" grpId="0"/>
+      <p:bldP spid="28" grpId="0"/>
+      <p:bldP spid="29" grpId="0"/>
+      <p:bldP spid="30" grpId="0"/>
+      <p:bldP spid="31" grpId="0"/>
+      <p:bldP spid="38" grpId="0"/>
+      <p:bldP spid="39" grpId="0" animBg="1"/>
+      <p:bldP spid="40" grpId="0" animBg="1"/>
+    </p:bldLst>
+  </p:timing>
 </p:sld>
 </file>
 
@@ -6795,7 +11934,7 @@
           <p:nvPr/>
         </p:nvPicPr>
         <p:blipFill>
-          <a:blip r:embed="rId2"/>
+          <a:blip r:embed="rId3"/>
           <a:stretch>
             <a:fillRect/>
           </a:stretch>
@@ -7575,6 +12714,92 @@
           <a:lstStyle/>
           <a:p>
             <a:pPr algn="ctr"/>
+            <a:endParaRPr lang="de-DE"/>
+          </a:p>
+        </p:txBody>
+      </p:sp>
+      <p:sp>
+        <p:nvSpPr>
+          <p:cNvPr id="2" name="Datumsplatzhalter 1">
+            <a:extLst>
+              <a:ext uri="{FF2B5EF4-FFF2-40B4-BE49-F238E27FC236}">
+                <a16:creationId xmlns:a16="http://schemas.microsoft.com/office/drawing/2014/main" id="{144CA99A-6E99-6043-907E-E6B7E97FD843}"/>
+              </a:ext>
+            </a:extLst>
+          </p:cNvPr>
+          <p:cNvSpPr>
+            <a:spLocks noGrp="1"/>
+          </p:cNvSpPr>
+          <p:nvPr>
+            <p:ph type="dt" sz="half" idx="10"/>
+          </p:nvPr>
+        </p:nvSpPr>
+        <p:spPr/>
+        <p:txBody>
+          <a:bodyPr/>
+          <a:lstStyle/>
+          <a:p>
+            <a:r>
+              <a:rPr lang="de-DE"/>
+              <a:t>14.02.22</a:t>
+            </a:r>
+            <a:endParaRPr lang="de-DE" dirty="0"/>
+          </a:p>
+        </p:txBody>
+      </p:sp>
+      <p:sp>
+        <p:nvSpPr>
+          <p:cNvPr id="3" name="Fußzeilenplatzhalter 2">
+            <a:extLst>
+              <a:ext uri="{FF2B5EF4-FFF2-40B4-BE49-F238E27FC236}">
+                <a16:creationId xmlns:a16="http://schemas.microsoft.com/office/drawing/2014/main" id="{8DA7B5A5-FE20-1446-AEFB-57EBD225572C}"/>
+              </a:ext>
+            </a:extLst>
+          </p:cNvPr>
+          <p:cNvSpPr>
+            <a:spLocks noGrp="1"/>
+          </p:cNvSpPr>
+          <p:nvPr>
+            <p:ph type="ftr" sz="quarter" idx="11"/>
+          </p:nvPr>
+        </p:nvSpPr>
+        <p:spPr/>
+        <p:txBody>
+          <a:bodyPr/>
+          <a:lstStyle/>
+          <a:p>
+            <a:r>
+              <a:rPr lang="de-DE"/>
+              <a:t>Seminar Algorithmische Geometrie</a:t>
+            </a:r>
+          </a:p>
+        </p:txBody>
+      </p:sp>
+      <p:sp>
+        <p:nvSpPr>
+          <p:cNvPr id="6" name="Foliennummernplatzhalter 5">
+            <a:extLst>
+              <a:ext uri="{FF2B5EF4-FFF2-40B4-BE49-F238E27FC236}">
+                <a16:creationId xmlns:a16="http://schemas.microsoft.com/office/drawing/2014/main" id="{085A5936-53E4-E04D-96DC-99386758A556}"/>
+              </a:ext>
+            </a:extLst>
+          </p:cNvPr>
+          <p:cNvSpPr>
+            <a:spLocks noGrp="1"/>
+          </p:cNvSpPr>
+          <p:nvPr>
+            <p:ph type="sldNum" sz="quarter" idx="12"/>
+          </p:nvPr>
+        </p:nvSpPr>
+        <p:spPr/>
+        <p:txBody>
+          <a:bodyPr/>
+          <a:lstStyle/>
+          <a:p>
+            <a:fld id="{CD307F64-5B15-6D4F-AE85-70F08BDC121E}" type="slidenum">
+              <a:rPr lang="de-DE" smtClean="0"/>
+              <a:t>3</a:t>
+            </a:fld>
             <a:endParaRPr lang="de-DE"/>
           </a:p>
         </p:txBody>
@@ -7935,22 +13160,6 @@
                                       </p:cBhvr>
                                     </p:animEffect>
                                   </p:childTnLst>
-                                  <p:subTnLst>
-                                    <p:set>
-                                      <p:cBhvr override="childStyle">
-                                        <p:cTn dur="1" fill="hold" display="0" masterRel="nextClick" afterEffect="1"/>
-                                        <p:tgtEl>
-                                          <p:spTgt spid="16"/>
-                                        </p:tgtEl>
-                                        <p:attrNameLst>
-                                          <p:attrName>style.visibility</p:attrName>
-                                        </p:attrNameLst>
-                                      </p:cBhvr>
-                                      <p:to>
-                                        <p:strVal val="hidden"/>
-                                      </p:to>
-                                    </p:set>
-                                  </p:subTnLst>
                                 </p:cTn>
                               </p:par>
                               <p:par>
@@ -7986,22 +13195,6 @@
                                       </p:cBhvr>
                                     </p:animEffect>
                                   </p:childTnLst>
-                                  <p:subTnLst>
-                                    <p:set>
-                                      <p:cBhvr override="childStyle">
-                                        <p:cTn dur="1" fill="hold" display="0" masterRel="nextClick" afterEffect="1"/>
-                                        <p:tgtEl>
-                                          <p:spTgt spid="15"/>
-                                        </p:tgtEl>
-                                        <p:attrNameLst>
-                                          <p:attrName>style.visibility</p:attrName>
-                                        </p:attrNameLst>
-                                      </p:cBhvr>
-                                      <p:to>
-                                        <p:strVal val="hidden"/>
-                                      </p:to>
-                                    </p:set>
-                                  </p:subTnLst>
                                 </p:cTn>
                               </p:par>
                             </p:childTnLst>
@@ -8195,7 +13388,7 @@
           <p:nvPr/>
         </p:nvPicPr>
         <p:blipFill>
-          <a:blip r:embed="rId2"/>
+          <a:blip r:embed="rId3"/>
           <a:stretch>
             <a:fillRect/>
           </a:stretch>
@@ -8304,6 +13497,476 @@
               <a:rPr lang="de-DE" sz="2200" dirty="0"/>
               <a:t> orientiert</a:t>
             </a:r>
+          </a:p>
+        </p:txBody>
+      </p:sp>
+      <mc:AlternateContent xmlns:mc="http://schemas.openxmlformats.org/markup-compatibility/2006" xmlns:a14="http://schemas.microsoft.com/office/drawing/2010/main">
+        <mc:Choice Requires="a14">
+          <p:sp>
+            <p:nvSpPr>
+              <p:cNvPr id="17" name="Textfeld 16">
+                <a:extLst>
+                  <a:ext uri="{FF2B5EF4-FFF2-40B4-BE49-F238E27FC236}">
+                    <a16:creationId xmlns:a16="http://schemas.microsoft.com/office/drawing/2014/main" id="{9DB22FD8-EB1B-8E49-B661-2A34696C3F2A}"/>
+                  </a:ext>
+                </a:extLst>
+              </p:cNvPr>
+              <p:cNvSpPr txBox="1"/>
+              <p:nvPr/>
+            </p:nvSpPr>
+            <p:spPr>
+              <a:xfrm>
+                <a:off x="360000" y="3876603"/>
+                <a:ext cx="6105832" cy="1469185"/>
+              </a:xfrm>
+              <a:prstGeom prst="rect">
+                <a:avLst/>
+              </a:prstGeom>
+              <a:noFill/>
+            </p:spPr>
+            <p:txBody>
+              <a:bodyPr wrap="square" rtlCol="0">
+                <a:spAutoFit/>
+              </a:bodyPr>
+              <a:lstStyle/>
+              <a:p>
+                <a:r>
+                  <a:rPr lang="de-DE" sz="2200" dirty="0"/>
+                  <a:t>Ist Area(</a:t>
+                </a:r>
+                <a14:m>
+                  <m:oMath xmlns:m="http://schemas.openxmlformats.org/officeDocument/2006/math">
+                    <m:sSubSup>
+                      <m:sSubSupPr>
+                        <m:ctrlPr>
+                          <a:rPr lang="de-DE" sz="2200" i="1" smtClean="0">
+                            <a:latin typeface="Cambria Math" panose="02040503050406030204" pitchFamily="18" charset="0"/>
+                          </a:rPr>
+                        </m:ctrlPr>
+                      </m:sSubSupPr>
+                      <m:e>
+                        <m:r>
+                          <a:rPr lang="de-DE" sz="2200" i="1">
+                            <a:latin typeface="Cambria Math" panose="02040503050406030204" pitchFamily="18" charset="0"/>
+                          </a:rPr>
+                          <m:t>𝑃</m:t>
+                        </m:r>
+                      </m:e>
+                      <m:sub>
+                        <m:r>
+                          <a:rPr lang="de-DE" sz="2200" i="1">
+                            <a:latin typeface="Cambria Math" panose="02040503050406030204" pitchFamily="18" charset="0"/>
+                          </a:rPr>
+                          <m:t>𝐿</m:t>
+                        </m:r>
+                      </m:sub>
+                      <m:sup>
+                        <m:r>
+                          <a:rPr lang="de-DE" sz="2200" i="1">
+                            <a:latin typeface="Cambria Math" panose="02040503050406030204" pitchFamily="18" charset="0"/>
+                          </a:rPr>
+                          <m:t>𝑟</m:t>
+                        </m:r>
+                      </m:sup>
+                    </m:sSubSup>
+                  </m:oMath>
+                </a14:m>
+                <a:r>
+                  <a:rPr lang="de-DE" sz="2200" dirty="0"/>
+                  <a:t>) größer/gleich als AreaRequired(S01)?</a:t>
+                </a:r>
+              </a:p>
+              <a:p>
+                <a:endParaRPr lang="de-DE" sz="2200" dirty="0">
+                  <a:sym typeface="Wingdings" pitchFamily="2" charset="2"/>
+                </a:endParaRPr>
+              </a:p>
+              <a:p>
+                <a:r>
+                  <a:rPr lang="de-DE" sz="2200" dirty="0">
+                    <a:sym typeface="Wingdings" pitchFamily="2" charset="2"/>
+                  </a:rPr>
+                  <a:t>ja		Fall 1</a:t>
+                </a:r>
+              </a:p>
+              <a:p>
+                <a:r>
+                  <a:rPr lang="de-DE" sz="2200" dirty="0">
+                    <a:sym typeface="Wingdings" pitchFamily="2" charset="2"/>
+                  </a:rPr>
+                  <a:t>nein	 	Fall 2</a:t>
+                </a:r>
+                <a:endParaRPr lang="de-DE" sz="2200" dirty="0"/>
+              </a:p>
+            </p:txBody>
+          </p:sp>
+        </mc:Choice>
+        <mc:Fallback xmlns="">
+          <p:sp>
+            <p:nvSpPr>
+              <p:cNvPr id="17" name="Textfeld 16">
+                <a:extLst>
+                  <a:ext uri="{FF2B5EF4-FFF2-40B4-BE49-F238E27FC236}">
+                    <a16:creationId xmlns:a16="http://schemas.microsoft.com/office/drawing/2014/main" id="{9DB22FD8-EB1B-8E49-B661-2A34696C3F2A}"/>
+                  </a:ext>
+                </a:extLst>
+              </p:cNvPr>
+              <p:cNvSpPr txBox="1">
+                <a:spLocks noRot="1" noChangeAspect="1" noMove="1" noResize="1" noEditPoints="1" noAdjustHandles="1" noChangeArrowheads="1" noChangeShapeType="1" noTextEdit="1"/>
+              </p:cNvSpPr>
+              <p:nvPr/>
+            </p:nvSpPr>
+            <p:spPr>
+              <a:xfrm>
+                <a:off x="360000" y="3876603"/>
+                <a:ext cx="6105832" cy="1469185"/>
+              </a:xfrm>
+              <a:prstGeom prst="rect">
+                <a:avLst/>
+              </a:prstGeom>
+              <a:blipFill>
+                <a:blip r:embed="rId4"/>
+                <a:stretch>
+                  <a:fillRect l="-1245" t="-3448" b="-6897"/>
+                </a:stretch>
+              </a:blipFill>
+            </p:spPr>
+            <p:txBody>
+              <a:bodyPr/>
+              <a:lstStyle/>
+              <a:p>
+                <a:r>
+                  <a:rPr lang="de-DE">
+                    <a:noFill/>
+                  </a:rPr>
+                  <a:t> </a:t>
+                </a:r>
+              </a:p>
+            </p:txBody>
+          </p:sp>
+        </mc:Fallback>
+      </mc:AlternateContent>
+      <p:sp>
+        <p:nvSpPr>
+          <p:cNvPr id="2" name="Freihandform 1">
+            <a:extLst>
+              <a:ext uri="{FF2B5EF4-FFF2-40B4-BE49-F238E27FC236}">
+                <a16:creationId xmlns:a16="http://schemas.microsoft.com/office/drawing/2014/main" id="{498FFBE5-E8AD-5249-A7BF-976B10F8FD5B}"/>
+              </a:ext>
+            </a:extLst>
+          </p:cNvPr>
+          <p:cNvSpPr/>
+          <p:nvPr/>
+        </p:nvSpPr>
+        <p:spPr>
+          <a:xfrm>
+            <a:off x="7296150" y="1873250"/>
+            <a:ext cx="3136900" cy="2774950"/>
+          </a:xfrm>
+          <a:custGeom>
+            <a:avLst/>
+            <a:gdLst>
+              <a:gd name="connsiteX0" fmla="*/ 3136900 w 3136900"/>
+              <a:gd name="connsiteY0" fmla="*/ 0 h 2774950"/>
+              <a:gd name="connsiteX1" fmla="*/ 393700 w 3136900"/>
+              <a:gd name="connsiteY1" fmla="*/ 2774950 h 2774950"/>
+              <a:gd name="connsiteX2" fmla="*/ 0 w 3136900"/>
+              <a:gd name="connsiteY2" fmla="*/ 1993900 h 2774950"/>
+              <a:gd name="connsiteX3" fmla="*/ 0 w 3136900"/>
+              <a:gd name="connsiteY3" fmla="*/ 800100 h 2774950"/>
+              <a:gd name="connsiteX4" fmla="*/ 3136900 w 3136900"/>
+              <a:gd name="connsiteY4" fmla="*/ 0 h 2774950"/>
+            </a:gdLst>
+            <a:ahLst/>
+            <a:cxnLst>
+              <a:cxn ang="0">
+                <a:pos x="connsiteX0" y="connsiteY0"/>
+              </a:cxn>
+              <a:cxn ang="0">
+                <a:pos x="connsiteX1" y="connsiteY1"/>
+              </a:cxn>
+              <a:cxn ang="0">
+                <a:pos x="connsiteX2" y="connsiteY2"/>
+              </a:cxn>
+              <a:cxn ang="0">
+                <a:pos x="connsiteX3" y="connsiteY3"/>
+              </a:cxn>
+              <a:cxn ang="0">
+                <a:pos x="connsiteX4" y="connsiteY4"/>
+              </a:cxn>
+            </a:cxnLst>
+            <a:rect l="l" t="t" r="r" b="b"/>
+            <a:pathLst>
+              <a:path w="3136900" h="2774950">
+                <a:moveTo>
+                  <a:pt x="3136900" y="0"/>
+                </a:moveTo>
+                <a:lnTo>
+                  <a:pt x="393700" y="2774950"/>
+                </a:lnTo>
+                <a:lnTo>
+                  <a:pt x="0" y="1993900"/>
+                </a:lnTo>
+                <a:lnTo>
+                  <a:pt x="0" y="800100"/>
+                </a:lnTo>
+                <a:lnTo>
+                  <a:pt x="3136900" y="0"/>
+                </a:lnTo>
+                <a:close/>
+              </a:path>
+            </a:pathLst>
+          </a:custGeom>
+          <a:solidFill>
+            <a:srgbClr val="4472C4">
+              <a:alpha val="40000"/>
+            </a:srgbClr>
+          </a:solidFill>
+          <a:ln>
+            <a:noFill/>
+          </a:ln>
+        </p:spPr>
+        <p:style>
+          <a:lnRef idx="2">
+            <a:schemeClr val="accent1">
+              <a:shade val="50000"/>
+            </a:schemeClr>
+          </a:lnRef>
+          <a:fillRef idx="1">
+            <a:schemeClr val="accent1"/>
+          </a:fillRef>
+          <a:effectRef idx="0">
+            <a:schemeClr val="accent1"/>
+          </a:effectRef>
+          <a:fontRef idx="minor">
+            <a:schemeClr val="lt1"/>
+          </a:fontRef>
+        </p:style>
+        <p:txBody>
+          <a:bodyPr rtlCol="0" anchor="ctr"/>
+          <a:lstStyle/>
+          <a:p>
+            <a:pPr algn="ctr"/>
+            <a:endParaRPr lang="de-DE"/>
+          </a:p>
+        </p:txBody>
+      </p:sp>
+      <p:sp>
+        <p:nvSpPr>
+          <p:cNvPr id="3" name="Freihandform 2">
+            <a:extLst>
+              <a:ext uri="{FF2B5EF4-FFF2-40B4-BE49-F238E27FC236}">
+                <a16:creationId xmlns:a16="http://schemas.microsoft.com/office/drawing/2014/main" id="{2708A4F8-F05B-654D-BD09-269D11B5BD1B}"/>
+              </a:ext>
+            </a:extLst>
+          </p:cNvPr>
+          <p:cNvSpPr/>
+          <p:nvPr/>
+        </p:nvSpPr>
+        <p:spPr>
+          <a:xfrm>
+            <a:off x="7677150" y="1866900"/>
+            <a:ext cx="3524250" cy="3575050"/>
+          </a:xfrm>
+          <a:custGeom>
+            <a:avLst/>
+            <a:gdLst>
+              <a:gd name="connsiteX0" fmla="*/ 2755900 w 3524250"/>
+              <a:gd name="connsiteY0" fmla="*/ 0 h 3575050"/>
+              <a:gd name="connsiteX1" fmla="*/ 0 w 3524250"/>
+              <a:gd name="connsiteY1" fmla="*/ 2787650 h 3575050"/>
+              <a:gd name="connsiteX2" fmla="*/ 393700 w 3524250"/>
+              <a:gd name="connsiteY2" fmla="*/ 3575050 h 3575050"/>
+              <a:gd name="connsiteX3" fmla="*/ 2349500 w 3524250"/>
+              <a:gd name="connsiteY3" fmla="*/ 3575050 h 3575050"/>
+              <a:gd name="connsiteX4" fmla="*/ 3524250 w 3524250"/>
+              <a:gd name="connsiteY4" fmla="*/ 2387600 h 3575050"/>
+              <a:gd name="connsiteX5" fmla="*/ 2755900 w 3524250"/>
+              <a:gd name="connsiteY5" fmla="*/ 0 h 3575050"/>
+            </a:gdLst>
+            <a:ahLst/>
+            <a:cxnLst>
+              <a:cxn ang="0">
+                <a:pos x="connsiteX0" y="connsiteY0"/>
+              </a:cxn>
+              <a:cxn ang="0">
+                <a:pos x="connsiteX1" y="connsiteY1"/>
+              </a:cxn>
+              <a:cxn ang="0">
+                <a:pos x="connsiteX2" y="connsiteY2"/>
+              </a:cxn>
+              <a:cxn ang="0">
+                <a:pos x="connsiteX3" y="connsiteY3"/>
+              </a:cxn>
+              <a:cxn ang="0">
+                <a:pos x="connsiteX4" y="connsiteY4"/>
+              </a:cxn>
+              <a:cxn ang="0">
+                <a:pos x="connsiteX5" y="connsiteY5"/>
+              </a:cxn>
+            </a:cxnLst>
+            <a:rect l="l" t="t" r="r" b="b"/>
+            <a:pathLst>
+              <a:path w="3524250" h="3575050">
+                <a:moveTo>
+                  <a:pt x="2755900" y="0"/>
+                </a:moveTo>
+                <a:lnTo>
+                  <a:pt x="0" y="2787650"/>
+                </a:lnTo>
+                <a:lnTo>
+                  <a:pt x="393700" y="3575050"/>
+                </a:lnTo>
+                <a:lnTo>
+                  <a:pt x="2349500" y="3575050"/>
+                </a:lnTo>
+                <a:lnTo>
+                  <a:pt x="3524250" y="2387600"/>
+                </a:lnTo>
+                <a:lnTo>
+                  <a:pt x="2755900" y="0"/>
+                </a:lnTo>
+                <a:close/>
+              </a:path>
+            </a:pathLst>
+          </a:custGeom>
+          <a:solidFill>
+            <a:srgbClr val="FF0000">
+              <a:alpha val="29804"/>
+            </a:srgbClr>
+          </a:solidFill>
+          <a:ln>
+            <a:noFill/>
+          </a:ln>
+        </p:spPr>
+        <p:style>
+          <a:lnRef idx="2">
+            <a:schemeClr val="accent1">
+              <a:shade val="50000"/>
+            </a:schemeClr>
+          </a:lnRef>
+          <a:fillRef idx="1">
+            <a:schemeClr val="accent1"/>
+          </a:fillRef>
+          <a:effectRef idx="0">
+            <a:schemeClr val="accent1"/>
+          </a:effectRef>
+          <a:fontRef idx="minor">
+            <a:schemeClr val="lt1"/>
+          </a:fontRef>
+        </p:style>
+        <p:txBody>
+          <a:bodyPr rtlCol="0" anchor="ctr"/>
+          <a:lstStyle/>
+          <a:p>
+            <a:pPr algn="ctr"/>
+            <a:endParaRPr lang="de-DE"/>
+          </a:p>
+        </p:txBody>
+      </p:sp>
+      <p:sp>
+        <p:nvSpPr>
+          <p:cNvPr id="12" name="Rechteck 11">
+            <a:extLst>
+              <a:ext uri="{FF2B5EF4-FFF2-40B4-BE49-F238E27FC236}">
+                <a16:creationId xmlns:a16="http://schemas.microsoft.com/office/drawing/2014/main" id="{AFCFD044-40ED-2448-B7E0-05F502468283}"/>
+              </a:ext>
+            </a:extLst>
+          </p:cNvPr>
+          <p:cNvSpPr/>
+          <p:nvPr/>
+        </p:nvSpPr>
+        <p:spPr>
+          <a:xfrm>
+            <a:off x="4226616" y="2764239"/>
+            <a:ext cx="339034" cy="322606"/>
+          </a:xfrm>
+          <a:prstGeom prst="rect">
+            <a:avLst/>
+          </a:prstGeom>
+          <a:solidFill>
+            <a:srgbClr val="8FAADC"/>
+          </a:solidFill>
+          <a:ln>
+            <a:noFill/>
+          </a:ln>
+        </p:spPr>
+        <p:style>
+          <a:lnRef idx="2">
+            <a:schemeClr val="accent1">
+              <a:shade val="50000"/>
+            </a:schemeClr>
+          </a:lnRef>
+          <a:fillRef idx="1">
+            <a:schemeClr val="accent1"/>
+          </a:fillRef>
+          <a:effectRef idx="0">
+            <a:schemeClr val="accent1"/>
+          </a:effectRef>
+          <a:fontRef idx="minor">
+            <a:schemeClr val="lt1"/>
+          </a:fontRef>
+        </p:style>
+        <p:txBody>
+          <a:bodyPr rtlCol="0" anchor="ctr"/>
+          <a:lstStyle/>
+          <a:p>
+            <a:pPr algn="ctr"/>
+            <a:endParaRPr lang="de-DE"/>
+          </a:p>
+        </p:txBody>
+      </p:sp>
+      <p:sp>
+        <p:nvSpPr>
+          <p:cNvPr id="13" name="Rechteck 12">
+            <a:extLst>
+              <a:ext uri="{FF2B5EF4-FFF2-40B4-BE49-F238E27FC236}">
+                <a16:creationId xmlns:a16="http://schemas.microsoft.com/office/drawing/2014/main" id="{C085003A-747A-E940-BA28-D6BD925A5806}"/>
+              </a:ext>
+            </a:extLst>
+          </p:cNvPr>
+          <p:cNvSpPr/>
+          <p:nvPr/>
+        </p:nvSpPr>
+        <p:spPr>
+          <a:xfrm>
+            <a:off x="4010716" y="3106394"/>
+            <a:ext cx="339034" cy="322606"/>
+          </a:xfrm>
+          <a:prstGeom prst="rect">
+            <a:avLst/>
+          </a:prstGeom>
+          <a:solidFill>
+            <a:srgbClr val="FF0000">
+              <a:alpha val="29804"/>
+            </a:srgbClr>
+          </a:solidFill>
+          <a:ln>
+            <a:noFill/>
+          </a:ln>
+        </p:spPr>
+        <p:style>
+          <a:lnRef idx="2">
+            <a:schemeClr val="accent1">
+              <a:shade val="50000"/>
+            </a:schemeClr>
+          </a:lnRef>
+          <a:fillRef idx="1">
+            <a:schemeClr val="accent1"/>
+          </a:fillRef>
+          <a:effectRef idx="0">
+            <a:schemeClr val="accent1"/>
+          </a:effectRef>
+          <a:fontRef idx="minor">
+            <a:schemeClr val="lt1"/>
+          </a:fontRef>
+        </p:style>
+        <p:txBody>
+          <a:bodyPr rtlCol="0" anchor="ctr"/>
+          <a:lstStyle/>
+          <a:p>
+            <a:pPr algn="ctr"/>
+            <a:endParaRPr lang="de-DE"/>
           </a:p>
         </p:txBody>
       </p:sp>
@@ -8473,7 +14136,7 @@
                 <a:avLst/>
               </a:prstGeom>
               <a:blipFill>
-                <a:blip r:embed="rId3"/>
+                <a:blip r:embed="rId5"/>
                 <a:stretch>
                   <a:fillRect l="-1245" t="-6452" b="-14516"/>
                 </a:stretch>
@@ -8494,152 +14157,93 @@
           </p:sp>
         </mc:Fallback>
       </mc:AlternateContent>
-      <mc:AlternateContent xmlns:mc="http://schemas.openxmlformats.org/markup-compatibility/2006">
-        <mc:Choice xmlns:a14="http://schemas.microsoft.com/office/drawing/2010/main" Requires="a14">
-          <p:sp>
-            <p:nvSpPr>
-              <p:cNvPr id="17" name="Textfeld 16">
-                <a:extLst>
-                  <a:ext uri="{FF2B5EF4-FFF2-40B4-BE49-F238E27FC236}">
-                    <a16:creationId xmlns:a16="http://schemas.microsoft.com/office/drawing/2014/main" id="{9DB22FD8-EB1B-8E49-B661-2A34696C3F2A}"/>
-                  </a:ext>
-                </a:extLst>
-              </p:cNvPr>
-              <p:cNvSpPr txBox="1"/>
-              <p:nvPr/>
-            </p:nvSpPr>
-            <p:spPr>
-              <a:xfrm>
-                <a:off x="360000" y="3876603"/>
-                <a:ext cx="6105832" cy="1469185"/>
-              </a:xfrm>
-              <a:prstGeom prst="rect">
-                <a:avLst/>
-              </a:prstGeom>
-              <a:noFill/>
-            </p:spPr>
-            <p:txBody>
-              <a:bodyPr wrap="square" rtlCol="0">
-                <a:spAutoFit/>
-              </a:bodyPr>
-              <a:lstStyle/>
-              <a:p>
-                <a:r>
-                  <a:rPr lang="de-DE" sz="2200" dirty="0"/>
-                  <a:t>Ist Area(</a:t>
-                </a:r>
-                <a14:m>
-                  <m:oMath xmlns:m="http://schemas.openxmlformats.org/officeDocument/2006/math">
-                    <m:sSubSup>
-                      <m:sSubSupPr>
-                        <m:ctrlPr>
-                          <a:rPr lang="de-DE" sz="2200" i="1" smtClean="0">
-                            <a:latin typeface="Cambria Math" panose="02040503050406030204" pitchFamily="18" charset="0"/>
-                          </a:rPr>
-                        </m:ctrlPr>
-                      </m:sSubSupPr>
-                      <m:e>
-                        <m:r>
-                          <a:rPr lang="de-DE" sz="2200" i="1">
-                            <a:latin typeface="Cambria Math" panose="02040503050406030204" pitchFamily="18" charset="0"/>
-                          </a:rPr>
-                          <m:t>𝑃</m:t>
-                        </m:r>
-                      </m:e>
-                      <m:sub>
-                        <m:r>
-                          <a:rPr lang="de-DE" sz="2200" i="1">
-                            <a:latin typeface="Cambria Math" panose="02040503050406030204" pitchFamily="18" charset="0"/>
-                          </a:rPr>
-                          <m:t>𝐿</m:t>
-                        </m:r>
-                      </m:sub>
-                      <m:sup>
-                        <m:r>
-                          <a:rPr lang="de-DE" sz="2200" i="1">
-                            <a:latin typeface="Cambria Math" panose="02040503050406030204" pitchFamily="18" charset="0"/>
-                          </a:rPr>
-                          <m:t>𝑟</m:t>
-                        </m:r>
-                      </m:sup>
-                    </m:sSubSup>
-                  </m:oMath>
-                </a14:m>
-                <a:r>
-                  <a:rPr lang="de-DE" sz="2200" dirty="0"/>
-                  <a:t>) größer/gleich als AreaRequired(S01)?</a:t>
-                </a:r>
-              </a:p>
-              <a:p>
-                <a:endParaRPr lang="de-DE" sz="2200" dirty="0">
-                  <a:sym typeface="Wingdings" pitchFamily="2" charset="2"/>
-                </a:endParaRPr>
-              </a:p>
-              <a:p>
-                <a:r>
-                  <a:rPr lang="de-DE" sz="2200" dirty="0">
-                    <a:sym typeface="Wingdings" pitchFamily="2" charset="2"/>
-                  </a:rPr>
-                  <a:t>ja		Fall 1</a:t>
-                </a:r>
-              </a:p>
-              <a:p>
-                <a:r>
-                  <a:rPr lang="de-DE" sz="2200" dirty="0">
-                    <a:sym typeface="Wingdings" pitchFamily="2" charset="2"/>
-                  </a:rPr>
-                  <a:t>nein	 	Fall 2</a:t>
-                </a:r>
-                <a:endParaRPr lang="de-DE" sz="2200" dirty="0"/>
-              </a:p>
-            </p:txBody>
-          </p:sp>
-        </mc:Choice>
-        <mc:Fallback>
-          <p:sp>
-            <p:nvSpPr>
-              <p:cNvPr id="17" name="Textfeld 16">
-                <a:extLst>
-                  <a:ext uri="{FF2B5EF4-FFF2-40B4-BE49-F238E27FC236}">
-                    <a16:creationId xmlns:a16="http://schemas.microsoft.com/office/drawing/2014/main" id="{9DB22FD8-EB1B-8E49-B661-2A34696C3F2A}"/>
-                  </a:ext>
-                </a:extLst>
-              </p:cNvPr>
-              <p:cNvSpPr txBox="1">
-                <a:spLocks noRot="1" noChangeAspect="1" noMove="1" noResize="1" noEditPoints="1" noAdjustHandles="1" noChangeArrowheads="1" noChangeShapeType="1" noTextEdit="1"/>
-              </p:cNvSpPr>
-              <p:nvPr/>
-            </p:nvSpPr>
-            <p:spPr>
-              <a:xfrm>
-                <a:off x="360000" y="3876603"/>
-                <a:ext cx="6105832" cy="1469185"/>
-              </a:xfrm>
-              <a:prstGeom prst="rect">
-                <a:avLst/>
-              </a:prstGeom>
-              <a:blipFill>
-                <a:blip r:embed="rId4"/>
-                <a:stretch>
-                  <a:fillRect l="-1245" t="-3448" b="-6897"/>
-                </a:stretch>
-              </a:blipFill>
-            </p:spPr>
-            <p:txBody>
-              <a:bodyPr/>
-              <a:lstStyle/>
-              <a:p>
-                <a:r>
-                  <a:rPr lang="de-DE">
-                    <a:noFill/>
-                  </a:rPr>
-                  <a:t> </a:t>
-                </a:r>
-              </a:p>
-            </p:txBody>
-          </p:sp>
-        </mc:Fallback>
-      </mc:AlternateContent>
+      <p:sp>
+        <p:nvSpPr>
+          <p:cNvPr id="4" name="Datumsplatzhalter 3">
+            <a:extLst>
+              <a:ext uri="{FF2B5EF4-FFF2-40B4-BE49-F238E27FC236}">
+                <a16:creationId xmlns:a16="http://schemas.microsoft.com/office/drawing/2014/main" id="{52F5C4A5-C502-6A44-B317-7431EC01860F}"/>
+              </a:ext>
+            </a:extLst>
+          </p:cNvPr>
+          <p:cNvSpPr>
+            <a:spLocks noGrp="1"/>
+          </p:cNvSpPr>
+          <p:nvPr>
+            <p:ph type="dt" sz="half" idx="10"/>
+          </p:nvPr>
+        </p:nvSpPr>
+        <p:spPr/>
+        <p:txBody>
+          <a:bodyPr/>
+          <a:lstStyle/>
+          <a:p>
+            <a:r>
+              <a:rPr lang="de-DE"/>
+              <a:t>14.02.22</a:t>
+            </a:r>
+            <a:endParaRPr lang="de-DE" dirty="0"/>
+          </a:p>
+        </p:txBody>
+      </p:sp>
+      <p:sp>
+        <p:nvSpPr>
+          <p:cNvPr id="6" name="Fußzeilenplatzhalter 5">
+            <a:extLst>
+              <a:ext uri="{FF2B5EF4-FFF2-40B4-BE49-F238E27FC236}">
+                <a16:creationId xmlns:a16="http://schemas.microsoft.com/office/drawing/2014/main" id="{BE44D188-73FC-1449-BD6A-511094DCDDCC}"/>
+              </a:ext>
+            </a:extLst>
+          </p:cNvPr>
+          <p:cNvSpPr>
+            <a:spLocks noGrp="1"/>
+          </p:cNvSpPr>
+          <p:nvPr>
+            <p:ph type="ftr" sz="quarter" idx="11"/>
+          </p:nvPr>
+        </p:nvSpPr>
+        <p:spPr/>
+        <p:txBody>
+          <a:bodyPr/>
+          <a:lstStyle/>
+          <a:p>
+            <a:r>
+              <a:rPr lang="de-DE"/>
+              <a:t>Seminar Algorithmische Geometrie</a:t>
+            </a:r>
+            <a:endParaRPr lang="de-DE" dirty="0"/>
+          </a:p>
+        </p:txBody>
+      </p:sp>
+      <p:sp>
+        <p:nvSpPr>
+          <p:cNvPr id="9" name="Foliennummernplatzhalter 8">
+            <a:extLst>
+              <a:ext uri="{FF2B5EF4-FFF2-40B4-BE49-F238E27FC236}">
+                <a16:creationId xmlns:a16="http://schemas.microsoft.com/office/drawing/2014/main" id="{BCDA9C0A-F7CA-BA4C-8D30-809017E2CAE5}"/>
+              </a:ext>
+            </a:extLst>
+          </p:cNvPr>
+          <p:cNvSpPr>
+            <a:spLocks noGrp="1"/>
+          </p:cNvSpPr>
+          <p:nvPr>
+            <p:ph type="sldNum" sz="quarter" idx="12"/>
+          </p:nvPr>
+        </p:nvSpPr>
+        <p:spPr/>
+        <p:txBody>
+          <a:bodyPr/>
+          <a:lstStyle/>
+          <a:p>
+            <a:fld id="{CD307F64-5B15-6D4F-AE85-70F08BDC121E}" type="slidenum">
+              <a:rPr lang="de-DE" smtClean="0"/>
+              <a:t>4</a:t>
+            </a:fld>
+            <a:endParaRPr lang="de-DE"/>
+          </a:p>
+        </p:txBody>
+      </p:sp>
     </p:spTree>
     <p:extLst>
       <p:ext uri="{BB962C8B-B14F-4D97-AF65-F5344CB8AC3E}">
@@ -8650,6 +14254,218 @@
   <p:clrMapOvr>
     <a:masterClrMapping/>
   </p:clrMapOvr>
+  <p:timing>
+    <p:tnLst>
+      <p:par>
+        <p:cTn id="1" dur="indefinite" restart="never" nodeType="tmRoot">
+          <p:childTnLst>
+            <p:seq concurrent="1" nextAc="seek">
+              <p:cTn id="2" dur="indefinite" nodeType="mainSeq">
+                <p:childTnLst>
+                  <p:par>
+                    <p:cTn id="3" fill="hold">
+                      <p:stCondLst>
+                        <p:cond delay="indefinite"/>
+                      </p:stCondLst>
+                      <p:childTnLst>
+                        <p:par>
+                          <p:cTn id="4" fill="hold">
+                            <p:stCondLst>
+                              <p:cond delay="0"/>
+                            </p:stCondLst>
+                            <p:childTnLst>
+                              <p:par>
+                                <p:cTn id="5" presetID="10" presetClass="entr" presetSubtype="0" fill="hold" grpId="1" nodeType="clickEffect">
+                                  <p:stCondLst>
+                                    <p:cond delay="0"/>
+                                  </p:stCondLst>
+                                  <p:childTnLst>
+                                    <p:set>
+                                      <p:cBhvr>
+                                        <p:cTn id="6" dur="1" fill="hold">
+                                          <p:stCondLst>
+                                            <p:cond delay="0"/>
+                                          </p:stCondLst>
+                                        </p:cTn>
+                                        <p:tgtEl>
+                                          <p:spTgt spid="12"/>
+                                        </p:tgtEl>
+                                        <p:attrNameLst>
+                                          <p:attrName>style.visibility</p:attrName>
+                                        </p:attrNameLst>
+                                      </p:cBhvr>
+                                      <p:to>
+                                        <p:strVal val="visible"/>
+                                      </p:to>
+                                    </p:set>
+                                    <p:animEffect transition="in" filter="fade">
+                                      <p:cBhvr>
+                                        <p:cTn id="7" dur="500"/>
+                                        <p:tgtEl>
+                                          <p:spTgt spid="12"/>
+                                        </p:tgtEl>
+                                      </p:cBhvr>
+                                    </p:animEffect>
+                                  </p:childTnLst>
+                                </p:cTn>
+                              </p:par>
+                              <p:par>
+                                <p:cTn id="8" presetID="10" presetClass="entr" presetSubtype="0" fill="hold" grpId="0" nodeType="withEffect">
+                                  <p:stCondLst>
+                                    <p:cond delay="0"/>
+                                  </p:stCondLst>
+                                  <p:childTnLst>
+                                    <p:set>
+                                      <p:cBhvr>
+                                        <p:cTn id="9" dur="1" fill="hold">
+                                          <p:stCondLst>
+                                            <p:cond delay="0"/>
+                                          </p:stCondLst>
+                                        </p:cTn>
+                                        <p:tgtEl>
+                                          <p:spTgt spid="2"/>
+                                        </p:tgtEl>
+                                        <p:attrNameLst>
+                                          <p:attrName>style.visibility</p:attrName>
+                                        </p:attrNameLst>
+                                      </p:cBhvr>
+                                      <p:to>
+                                        <p:strVal val="visible"/>
+                                      </p:to>
+                                    </p:set>
+                                    <p:animEffect transition="in" filter="fade">
+                                      <p:cBhvr>
+                                        <p:cTn id="10" dur="500"/>
+                                        <p:tgtEl>
+                                          <p:spTgt spid="2"/>
+                                        </p:tgtEl>
+                                      </p:cBhvr>
+                                    </p:animEffect>
+                                  </p:childTnLst>
+                                </p:cTn>
+                              </p:par>
+                            </p:childTnLst>
+                          </p:cTn>
+                        </p:par>
+                      </p:childTnLst>
+                    </p:cTn>
+                  </p:par>
+                  <p:par>
+                    <p:cTn id="11" fill="hold">
+                      <p:stCondLst>
+                        <p:cond delay="indefinite"/>
+                      </p:stCondLst>
+                      <p:childTnLst>
+                        <p:par>
+                          <p:cTn id="12" fill="hold">
+                            <p:stCondLst>
+                              <p:cond delay="0"/>
+                            </p:stCondLst>
+                            <p:childTnLst>
+                              <p:par>
+                                <p:cTn id="13" presetID="10" presetClass="entr" presetSubtype="0" fill="hold" grpId="1" nodeType="clickEffect">
+                                  <p:stCondLst>
+                                    <p:cond delay="0"/>
+                                  </p:stCondLst>
+                                  <p:childTnLst>
+                                    <p:set>
+                                      <p:cBhvr>
+                                        <p:cTn id="14" dur="1" fill="hold">
+                                          <p:stCondLst>
+                                            <p:cond delay="0"/>
+                                          </p:stCondLst>
+                                        </p:cTn>
+                                        <p:tgtEl>
+                                          <p:spTgt spid="13"/>
+                                        </p:tgtEl>
+                                        <p:attrNameLst>
+                                          <p:attrName>style.visibility</p:attrName>
+                                        </p:attrNameLst>
+                                      </p:cBhvr>
+                                      <p:to>
+                                        <p:strVal val="visible"/>
+                                      </p:to>
+                                    </p:set>
+                                    <p:animEffect transition="in" filter="fade">
+                                      <p:cBhvr>
+                                        <p:cTn id="15" dur="500"/>
+                                        <p:tgtEl>
+                                          <p:spTgt spid="13"/>
+                                        </p:tgtEl>
+                                      </p:cBhvr>
+                                    </p:animEffect>
+                                  </p:childTnLst>
+                                </p:cTn>
+                              </p:par>
+                              <p:par>
+                                <p:cTn id="16" presetID="10" presetClass="entr" presetSubtype="0" fill="hold" grpId="0" nodeType="withEffect">
+                                  <p:stCondLst>
+                                    <p:cond delay="0"/>
+                                  </p:stCondLst>
+                                  <p:childTnLst>
+                                    <p:set>
+                                      <p:cBhvr>
+                                        <p:cTn id="17" dur="1" fill="hold">
+                                          <p:stCondLst>
+                                            <p:cond delay="0"/>
+                                          </p:stCondLst>
+                                        </p:cTn>
+                                        <p:tgtEl>
+                                          <p:spTgt spid="3"/>
+                                        </p:tgtEl>
+                                        <p:attrNameLst>
+                                          <p:attrName>style.visibility</p:attrName>
+                                        </p:attrNameLst>
+                                      </p:cBhvr>
+                                      <p:to>
+                                        <p:strVal val="visible"/>
+                                      </p:to>
+                                    </p:set>
+                                    <p:animEffect transition="in" filter="fade">
+                                      <p:cBhvr>
+                                        <p:cTn id="18" dur="500"/>
+                                        <p:tgtEl>
+                                          <p:spTgt spid="3"/>
+                                        </p:tgtEl>
+                                      </p:cBhvr>
+                                    </p:animEffect>
+                                  </p:childTnLst>
+                                </p:cTn>
+                              </p:par>
+                            </p:childTnLst>
+                          </p:cTn>
+                        </p:par>
+                      </p:childTnLst>
+                    </p:cTn>
+                  </p:par>
+                </p:childTnLst>
+              </p:cTn>
+              <p:prevCondLst>
+                <p:cond evt="onPrev" delay="0">
+                  <p:tgtEl>
+                    <p:sldTgt/>
+                  </p:tgtEl>
+                </p:cond>
+              </p:prevCondLst>
+              <p:nextCondLst>
+                <p:cond evt="onNext" delay="0">
+                  <p:tgtEl>
+                    <p:sldTgt/>
+                  </p:tgtEl>
+                </p:cond>
+              </p:nextCondLst>
+            </p:seq>
+          </p:childTnLst>
+        </p:cTn>
+      </p:par>
+    </p:tnLst>
+    <p:bldLst>
+      <p:bldP spid="2" grpId="0" animBg="1"/>
+      <p:bldP spid="3" grpId="0" animBg="1"/>
+      <p:bldP spid="12" grpId="1" animBg="1"/>
+      <p:bldP spid="13" grpId="1" animBg="1"/>
+    </p:bldLst>
+  </p:timing>
 </p:sld>
 </file>
 
@@ -8790,7 +14606,15 @@
           <a:p>
             <a:r>
               <a:rPr lang="de-DE" sz="2200" dirty="0"/>
-              <a:t>ConvexDivide - Fall 1 - Initialisierung</a:t>
+              <a:t>ConvexDivide - Fall 1 - „</a:t>
+            </a:r>
+            <a:r>
+              <a:rPr lang="de-DE" sz="2200" dirty="0" err="1"/>
+              <a:t>PrL</a:t>
+            </a:r>
+            <a:r>
+              <a:rPr lang="de-DE" sz="2200" dirty="0"/>
+              <a:t> zu groß“</a:t>
             </a:r>
           </a:p>
         </p:txBody>
@@ -8810,7 +14634,7 @@
           <p:nvPr/>
         </p:nvPicPr>
         <p:blipFill>
-          <a:blip r:embed="rId2"/>
+          <a:blip r:embed="rId3"/>
           <a:stretch>
             <a:fillRect/>
           </a:stretch>
@@ -8842,7 +14666,7 @@
             <p:spPr>
               <a:xfrm>
                 <a:off x="360000" y="917210"/>
-                <a:ext cx="6251112" cy="4493538"/>
+                <a:ext cx="6251112" cy="3139321"/>
               </a:xfrm>
               <a:prstGeom prst="rect">
                 <a:avLst/>
@@ -8870,15 +14694,6 @@
                 <a:r>
                   <a:rPr lang="de-DE" sz="2200" dirty="0"/>
                   <a:t>c(S02) = 0.80</a:t>
-                </a:r>
-              </a:p>
-              <a:p>
-                <a:endParaRPr lang="de-DE" sz="2200" dirty="0"/>
-              </a:p>
-              <a:p>
-                <a:r>
-                  <a:rPr lang="de-DE" sz="2200" dirty="0"/>
-                  <a:t>Das Polygon soll also so zerlegt werden, dass S01 auf einem Teilpolygon mit 20% der Fläche und S02 auf einem Teilpolygon mit 80% der Fläche von CP liegt.</a:t>
                 </a:r>
               </a:p>
               <a:p>
@@ -9017,15 +14832,15 @@
             <p:spPr>
               <a:xfrm>
                 <a:off x="360000" y="917210"/>
-                <a:ext cx="6251112" cy="4493538"/>
+                <a:ext cx="6251112" cy="3139321"/>
               </a:xfrm>
               <a:prstGeom prst="rect">
                 <a:avLst/>
               </a:prstGeom>
               <a:blipFill>
-                <a:blip r:embed="rId3"/>
+                <a:blip r:embed="rId4"/>
                 <a:stretch>
-                  <a:fillRect l="-1217" t="-845" r="-406" b="-1690"/>
+                  <a:fillRect l="-1217" t="-1210" b="-2823"/>
                 </a:stretch>
               </a:blipFill>
             </p:spPr>
@@ -9046,10 +14861,10 @@
       </mc:AlternateContent>
       <p:sp>
         <p:nvSpPr>
-          <p:cNvPr id="9" name="Textfeld 8">
-            <a:extLst>
-              <a:ext uri="{FF2B5EF4-FFF2-40B4-BE49-F238E27FC236}">
-                <a16:creationId xmlns:a16="http://schemas.microsoft.com/office/drawing/2014/main" id="{C4A2003C-3F9B-A644-B64C-59EB759EBDA2}"/>
+          <p:cNvPr id="13" name="Textfeld 12">
+            <a:extLst>
+              <a:ext uri="{FF2B5EF4-FFF2-40B4-BE49-F238E27FC236}">
+                <a16:creationId xmlns:a16="http://schemas.microsoft.com/office/drawing/2014/main" id="{76B4D50B-87EA-A844-8617-56F80985DE0F}"/>
               </a:ext>
             </a:extLst>
           </p:cNvPr>
@@ -9058,8 +14873,8 @@
         </p:nvSpPr>
         <p:spPr>
           <a:xfrm>
-            <a:off x="6678000" y="5934323"/>
-            <a:ext cx="2650727" cy="338554"/>
+            <a:off x="7922398" y="4381215"/>
+            <a:ext cx="803389" cy="292388"/>
           </a:xfrm>
           <a:prstGeom prst="rect">
             <a:avLst/>
@@ -9067,25 +14882,28 @@
           <a:noFill/>
         </p:spPr>
         <p:txBody>
-          <a:bodyPr wrap="square" rtlCol="0">
+          <a:bodyPr wrap="square">
             <a:spAutoFit/>
           </a:bodyPr>
           <a:lstStyle/>
           <a:p>
-            <a:pPr algn="ctr"/>
-            <a:r>
-              <a:rPr lang="de-DE" sz="1600" dirty="0"/>
-              <a:t>c(S01) = 0.20</a:t>
-            </a:r>
-          </a:p>
-        </p:txBody>
-      </p:sp>
-      <p:sp>
-        <p:nvSpPr>
-          <p:cNvPr id="10" name="Textfeld 9">
-            <a:extLst>
-              <a:ext uri="{FF2B5EF4-FFF2-40B4-BE49-F238E27FC236}">
-                <a16:creationId xmlns:a16="http://schemas.microsoft.com/office/drawing/2014/main" id="{3912403A-5116-F544-A3F0-CC41839AA235}"/>
+            <a:r>
+              <a:rPr lang="de-DE" sz="1300" dirty="0">
+                <a:solidFill>
+                  <a:srgbClr val="FF0000"/>
+                </a:solidFill>
+              </a:rPr>
+              <a:t>, c = 0.20</a:t>
+            </a:r>
+          </a:p>
+        </p:txBody>
+      </p:sp>
+      <p:sp>
+        <p:nvSpPr>
+          <p:cNvPr id="16" name="Textfeld 15">
+            <a:extLst>
+              <a:ext uri="{FF2B5EF4-FFF2-40B4-BE49-F238E27FC236}">
+                <a16:creationId xmlns:a16="http://schemas.microsoft.com/office/drawing/2014/main" id="{0CCD9F4B-9601-C64F-9016-5540C4E6122C}"/>
               </a:ext>
             </a:extLst>
           </p:cNvPr>
@@ -9094,8 +14912,8 @@
         </p:nvSpPr>
         <p:spPr>
           <a:xfrm>
-            <a:off x="9067273" y="5934323"/>
-            <a:ext cx="2650727" cy="338554"/>
+            <a:off x="10659027" y="4781708"/>
+            <a:ext cx="803389" cy="292388"/>
           </a:xfrm>
           <a:prstGeom prst="rect">
             <a:avLst/>
@@ -9103,61 +14921,105 @@
           <a:noFill/>
         </p:spPr>
         <p:txBody>
-          <a:bodyPr wrap="square" rtlCol="0">
+          <a:bodyPr wrap="square">
             <a:spAutoFit/>
           </a:bodyPr>
           <a:lstStyle/>
           <a:p>
-            <a:pPr algn="ctr"/>
-            <a:r>
-              <a:rPr lang="de-DE" sz="1600" dirty="0"/>
-              <a:t>c(S02) = 0.80 </a:t>
-            </a:r>
-          </a:p>
-        </p:txBody>
-      </p:sp>
-      <p:sp>
-        <p:nvSpPr>
-          <p:cNvPr id="2" name="Smiley 1">
-            <a:extLst>
-              <a:ext uri="{FF2B5EF4-FFF2-40B4-BE49-F238E27FC236}">
-                <a16:creationId xmlns:a16="http://schemas.microsoft.com/office/drawing/2014/main" id="{12BDC5CE-272A-A64A-83E1-82192FDDD23D}"/>
-              </a:ext>
-            </a:extLst>
-          </p:cNvPr>
-          <p:cNvSpPr/>
-          <p:nvPr/>
-        </p:nvSpPr>
-        <p:spPr>
-          <a:xfrm>
-            <a:off x="10566400" y="387927"/>
-            <a:ext cx="1265600" cy="1265382"/>
-          </a:xfrm>
-          <a:prstGeom prst="smileyFace">
-            <a:avLst/>
-          </a:prstGeom>
-        </p:spPr>
-        <p:style>
-          <a:lnRef idx="2">
-            <a:schemeClr val="accent4">
-              <a:shade val="50000"/>
-            </a:schemeClr>
-          </a:lnRef>
-          <a:fillRef idx="1">
-            <a:schemeClr val="accent4"/>
-          </a:fillRef>
-          <a:effectRef idx="0">
-            <a:schemeClr val="accent4"/>
-          </a:effectRef>
-          <a:fontRef idx="minor">
-            <a:schemeClr val="lt1"/>
-          </a:fontRef>
-        </p:style>
-        <p:txBody>
-          <a:bodyPr rtlCol="0" anchor="ctr"/>
-          <a:lstStyle/>
-          <a:p>
-            <a:pPr algn="ctr"/>
+            <a:r>
+              <a:rPr lang="de-DE" sz="1300" dirty="0">
+                <a:solidFill>
+                  <a:srgbClr val="FF0000"/>
+                </a:solidFill>
+              </a:rPr>
+              <a:t>, c = 0.80</a:t>
+            </a:r>
+          </a:p>
+        </p:txBody>
+      </p:sp>
+      <p:sp>
+        <p:nvSpPr>
+          <p:cNvPr id="3" name="Datumsplatzhalter 2">
+            <a:extLst>
+              <a:ext uri="{FF2B5EF4-FFF2-40B4-BE49-F238E27FC236}">
+                <a16:creationId xmlns:a16="http://schemas.microsoft.com/office/drawing/2014/main" id="{6E3A001D-AF46-6E45-8913-1FC8275073B2}"/>
+              </a:ext>
+            </a:extLst>
+          </p:cNvPr>
+          <p:cNvSpPr>
+            <a:spLocks noGrp="1"/>
+          </p:cNvSpPr>
+          <p:nvPr>
+            <p:ph type="dt" sz="half" idx="10"/>
+          </p:nvPr>
+        </p:nvSpPr>
+        <p:spPr/>
+        <p:txBody>
+          <a:bodyPr/>
+          <a:lstStyle/>
+          <a:p>
+            <a:r>
+              <a:rPr lang="de-DE"/>
+              <a:t>14.02.22</a:t>
+            </a:r>
+            <a:endParaRPr lang="de-DE" dirty="0"/>
+          </a:p>
+        </p:txBody>
+      </p:sp>
+      <p:sp>
+        <p:nvSpPr>
+          <p:cNvPr id="4" name="Fußzeilenplatzhalter 3">
+            <a:extLst>
+              <a:ext uri="{FF2B5EF4-FFF2-40B4-BE49-F238E27FC236}">
+                <a16:creationId xmlns:a16="http://schemas.microsoft.com/office/drawing/2014/main" id="{5F34EE9A-5358-B445-896A-B185A17E4D87}"/>
+              </a:ext>
+            </a:extLst>
+          </p:cNvPr>
+          <p:cNvSpPr>
+            <a:spLocks noGrp="1"/>
+          </p:cNvSpPr>
+          <p:nvPr>
+            <p:ph type="ftr" sz="quarter" idx="11"/>
+          </p:nvPr>
+        </p:nvSpPr>
+        <p:spPr/>
+        <p:txBody>
+          <a:bodyPr/>
+          <a:lstStyle/>
+          <a:p>
+            <a:r>
+              <a:rPr lang="de-DE"/>
+              <a:t>Seminar Algorithmische Geometrie</a:t>
+            </a:r>
+            <a:endParaRPr lang="de-DE" dirty="0"/>
+          </a:p>
+        </p:txBody>
+      </p:sp>
+      <p:sp>
+        <p:nvSpPr>
+          <p:cNvPr id="6" name="Foliennummernplatzhalter 5">
+            <a:extLst>
+              <a:ext uri="{FF2B5EF4-FFF2-40B4-BE49-F238E27FC236}">
+                <a16:creationId xmlns:a16="http://schemas.microsoft.com/office/drawing/2014/main" id="{1E85BC32-E684-C643-A3F6-94203A424759}"/>
+              </a:ext>
+            </a:extLst>
+          </p:cNvPr>
+          <p:cNvSpPr>
+            <a:spLocks noGrp="1"/>
+          </p:cNvSpPr>
+          <p:nvPr>
+            <p:ph type="sldNum" sz="quarter" idx="12"/>
+          </p:nvPr>
+        </p:nvSpPr>
+        <p:spPr/>
+        <p:txBody>
+          <a:bodyPr/>
+          <a:lstStyle/>
+          <a:p>
+            <a:fld id="{CD307F64-5B15-6D4F-AE85-70F08BDC121E}" type="slidenum">
+              <a:rPr lang="de-DE" smtClean="0"/>
+              <a:t>5</a:t>
+            </a:fld>
             <a:endParaRPr lang="de-DE"/>
           </a:p>
         </p:txBody>
@@ -9355,8 +15217,8 @@
           </a:prstGeom>
         </p:spPr>
       </p:pic>
-      <mc:AlternateContent xmlns:mc="http://schemas.openxmlformats.org/markup-compatibility/2006">
-        <mc:Choice xmlns:a14="http://schemas.microsoft.com/office/drawing/2010/main" Requires="a14">
+      <mc:AlternateContent xmlns:mc="http://schemas.openxmlformats.org/markup-compatibility/2006" xmlns:a14="http://schemas.microsoft.com/office/drawing/2010/main">
+        <mc:Choice Requires="a14">
           <p:sp>
             <p:nvSpPr>
               <p:cNvPr id="11" name="Textfeld 10">
@@ -9460,7 +15322,7 @@
             </p:txBody>
           </p:sp>
         </mc:Choice>
-        <mc:Fallback>
+        <mc:Fallback xmlns="">
           <p:sp>
             <p:nvSpPr>
               <p:cNvPr id="11" name="Textfeld 10">
@@ -9551,10 +15413,10 @@
       </p:cxnSp>
       <p:sp>
         <p:nvSpPr>
-          <p:cNvPr id="19" name="Textfeld 18">
-            <a:extLst>
-              <a:ext uri="{FF2B5EF4-FFF2-40B4-BE49-F238E27FC236}">
-                <a16:creationId xmlns:a16="http://schemas.microsoft.com/office/drawing/2014/main" id="{D4739507-62B6-8A4F-8D6B-D2F1EE4C8734}"/>
+          <p:cNvPr id="14" name="Textfeld 13">
+            <a:extLst>
+              <a:ext uri="{FF2B5EF4-FFF2-40B4-BE49-F238E27FC236}">
+                <a16:creationId xmlns:a16="http://schemas.microsoft.com/office/drawing/2014/main" id="{78BDCFD2-556E-3149-81CE-904760FD9AF6}"/>
               </a:ext>
             </a:extLst>
           </p:cNvPr>
@@ -9563,8 +15425,8 @@
         </p:nvSpPr>
         <p:spPr>
           <a:xfrm>
-            <a:off x="6678000" y="5934323"/>
-            <a:ext cx="2650727" cy="338554"/>
+            <a:off x="7922398" y="4381215"/>
+            <a:ext cx="803389" cy="292388"/>
           </a:xfrm>
           <a:prstGeom prst="rect">
             <a:avLst/>
@@ -9572,25 +15434,28 @@
           <a:noFill/>
         </p:spPr>
         <p:txBody>
-          <a:bodyPr wrap="square" rtlCol="0">
+          <a:bodyPr wrap="square">
             <a:spAutoFit/>
           </a:bodyPr>
           <a:lstStyle/>
           <a:p>
-            <a:pPr algn="ctr"/>
-            <a:r>
-              <a:rPr lang="de-DE" sz="1600" dirty="0"/>
-              <a:t>c(S01) = 0.20</a:t>
-            </a:r>
-          </a:p>
-        </p:txBody>
-      </p:sp>
-      <p:sp>
-        <p:nvSpPr>
-          <p:cNvPr id="20" name="Textfeld 19">
-            <a:extLst>
-              <a:ext uri="{FF2B5EF4-FFF2-40B4-BE49-F238E27FC236}">
-                <a16:creationId xmlns:a16="http://schemas.microsoft.com/office/drawing/2014/main" id="{7313A376-1B86-BB43-AE2D-E90E3644C844}"/>
+            <a:r>
+              <a:rPr lang="de-DE" sz="1300" dirty="0">
+                <a:solidFill>
+                  <a:srgbClr val="FF0000"/>
+                </a:solidFill>
+              </a:rPr>
+              <a:t>, c = 0.20</a:t>
+            </a:r>
+          </a:p>
+        </p:txBody>
+      </p:sp>
+      <p:sp>
+        <p:nvSpPr>
+          <p:cNvPr id="15" name="Textfeld 14">
+            <a:extLst>
+              <a:ext uri="{FF2B5EF4-FFF2-40B4-BE49-F238E27FC236}">
+                <a16:creationId xmlns:a16="http://schemas.microsoft.com/office/drawing/2014/main" id="{ABF60E6F-DC40-1B41-9F59-EE9B6A8BE966}"/>
               </a:ext>
             </a:extLst>
           </p:cNvPr>
@@ -9599,8 +15464,8 @@
         </p:nvSpPr>
         <p:spPr>
           <a:xfrm>
-            <a:off x="9067273" y="5934323"/>
-            <a:ext cx="2650727" cy="338554"/>
+            <a:off x="10659027" y="4781708"/>
+            <a:ext cx="803389" cy="292388"/>
           </a:xfrm>
           <a:prstGeom prst="rect">
             <a:avLst/>
@@ -9608,16 +15473,106 @@
           <a:noFill/>
         </p:spPr>
         <p:txBody>
-          <a:bodyPr wrap="square" rtlCol="0">
+          <a:bodyPr wrap="square">
             <a:spAutoFit/>
           </a:bodyPr>
           <a:lstStyle/>
           <a:p>
-            <a:pPr algn="ctr"/>
-            <a:r>
-              <a:rPr lang="de-DE" sz="1600" dirty="0"/>
-              <a:t>c(S02) = 0.80 </a:t>
-            </a:r>
+            <a:r>
+              <a:rPr lang="de-DE" sz="1300" dirty="0">
+                <a:solidFill>
+                  <a:srgbClr val="FF0000"/>
+                </a:solidFill>
+              </a:rPr>
+              <a:t>, c = 0.80</a:t>
+            </a:r>
+          </a:p>
+        </p:txBody>
+      </p:sp>
+      <p:sp>
+        <p:nvSpPr>
+          <p:cNvPr id="2" name="Datumsplatzhalter 1">
+            <a:extLst>
+              <a:ext uri="{FF2B5EF4-FFF2-40B4-BE49-F238E27FC236}">
+                <a16:creationId xmlns:a16="http://schemas.microsoft.com/office/drawing/2014/main" id="{A516F074-CF29-2949-AC56-1C0042B6B874}"/>
+              </a:ext>
+            </a:extLst>
+          </p:cNvPr>
+          <p:cNvSpPr>
+            <a:spLocks noGrp="1"/>
+          </p:cNvSpPr>
+          <p:nvPr>
+            <p:ph type="dt" sz="half" idx="10"/>
+          </p:nvPr>
+        </p:nvSpPr>
+        <p:spPr/>
+        <p:txBody>
+          <a:bodyPr/>
+          <a:lstStyle/>
+          <a:p>
+            <a:r>
+              <a:rPr lang="de-DE"/>
+              <a:t>14.02.22</a:t>
+            </a:r>
+            <a:endParaRPr lang="de-DE" dirty="0"/>
+          </a:p>
+        </p:txBody>
+      </p:sp>
+      <p:sp>
+        <p:nvSpPr>
+          <p:cNvPr id="3" name="Fußzeilenplatzhalter 2">
+            <a:extLst>
+              <a:ext uri="{FF2B5EF4-FFF2-40B4-BE49-F238E27FC236}">
+                <a16:creationId xmlns:a16="http://schemas.microsoft.com/office/drawing/2014/main" id="{06D8E814-08FE-474D-9A83-95C00FACC4D8}"/>
+              </a:ext>
+            </a:extLst>
+          </p:cNvPr>
+          <p:cNvSpPr>
+            <a:spLocks noGrp="1"/>
+          </p:cNvSpPr>
+          <p:nvPr>
+            <p:ph type="ftr" sz="quarter" idx="11"/>
+          </p:nvPr>
+        </p:nvSpPr>
+        <p:spPr/>
+        <p:txBody>
+          <a:bodyPr/>
+          <a:lstStyle/>
+          <a:p>
+            <a:r>
+              <a:rPr lang="de-DE"/>
+              <a:t>Seminar Algorithmische Geometrie</a:t>
+            </a:r>
+            <a:endParaRPr lang="de-DE" dirty="0"/>
+          </a:p>
+        </p:txBody>
+      </p:sp>
+      <p:sp>
+        <p:nvSpPr>
+          <p:cNvPr id="4" name="Foliennummernplatzhalter 3">
+            <a:extLst>
+              <a:ext uri="{FF2B5EF4-FFF2-40B4-BE49-F238E27FC236}">
+                <a16:creationId xmlns:a16="http://schemas.microsoft.com/office/drawing/2014/main" id="{176F0716-C443-6A4E-A7A2-821F96CF00F0}"/>
+              </a:ext>
+            </a:extLst>
+          </p:cNvPr>
+          <p:cNvSpPr>
+            <a:spLocks noGrp="1"/>
+          </p:cNvSpPr>
+          <p:nvPr>
+            <p:ph type="sldNum" sz="quarter" idx="12"/>
+          </p:nvPr>
+        </p:nvSpPr>
+        <p:spPr/>
+        <p:txBody>
+          <a:bodyPr/>
+          <a:lstStyle/>
+          <a:p>
+            <a:fld id="{CD307F64-5B15-6D4F-AE85-70F08BDC121E}" type="slidenum">
+              <a:rPr lang="de-DE" smtClean="0"/>
+              <a:t>6</a:t>
+            </a:fld>
+            <a:endParaRPr lang="de-DE"/>
           </a:p>
         </p:txBody>
       </p:sp>
@@ -9806,80 +15761,8 @@
           </a:prstGeom>
         </p:spPr>
       </p:pic>
-      <p:sp>
-        <p:nvSpPr>
-          <p:cNvPr id="16" name="Textfeld 15">
-            <a:extLst>
-              <a:ext uri="{FF2B5EF4-FFF2-40B4-BE49-F238E27FC236}">
-                <a16:creationId xmlns:a16="http://schemas.microsoft.com/office/drawing/2014/main" id="{94E87174-F78E-D647-A373-0BBBAB2FA4C8}"/>
-              </a:ext>
-            </a:extLst>
-          </p:cNvPr>
-          <p:cNvSpPr txBox="1"/>
-          <p:nvPr/>
-        </p:nvSpPr>
-        <p:spPr>
-          <a:xfrm>
-            <a:off x="6678000" y="5934323"/>
-            <a:ext cx="2650727" cy="338554"/>
-          </a:xfrm>
-          <a:prstGeom prst="rect">
-            <a:avLst/>
-          </a:prstGeom>
-          <a:noFill/>
-        </p:spPr>
-        <p:txBody>
-          <a:bodyPr wrap="square" rtlCol="0">
-            <a:spAutoFit/>
-          </a:bodyPr>
-          <a:lstStyle/>
-          <a:p>
-            <a:pPr algn="ctr"/>
-            <a:r>
-              <a:rPr lang="de-DE" sz="1600" dirty="0"/>
-              <a:t>c(S01) = 0.20</a:t>
-            </a:r>
-          </a:p>
-        </p:txBody>
-      </p:sp>
-      <p:sp>
-        <p:nvSpPr>
-          <p:cNvPr id="17" name="Textfeld 16">
-            <a:extLst>
-              <a:ext uri="{FF2B5EF4-FFF2-40B4-BE49-F238E27FC236}">
-                <a16:creationId xmlns:a16="http://schemas.microsoft.com/office/drawing/2014/main" id="{18828C28-B613-3C45-B1FA-BD03A63226F8}"/>
-              </a:ext>
-            </a:extLst>
-          </p:cNvPr>
-          <p:cNvSpPr txBox="1"/>
-          <p:nvPr/>
-        </p:nvSpPr>
-        <p:spPr>
-          <a:xfrm>
-            <a:off x="9067273" y="5934323"/>
-            <a:ext cx="2650727" cy="338554"/>
-          </a:xfrm>
-          <a:prstGeom prst="rect">
-            <a:avLst/>
-          </a:prstGeom>
-          <a:noFill/>
-        </p:spPr>
-        <p:txBody>
-          <a:bodyPr wrap="square" rtlCol="0">
-            <a:spAutoFit/>
-          </a:bodyPr>
-          <a:lstStyle/>
-          <a:p>
-            <a:pPr algn="ctr"/>
-            <a:r>
-              <a:rPr lang="de-DE" sz="1600" dirty="0"/>
-              <a:t>c(S02) = 0.80 </a:t>
-            </a:r>
-          </a:p>
-        </p:txBody>
-      </p:sp>
-      <mc:AlternateContent xmlns:mc="http://schemas.openxmlformats.org/markup-compatibility/2006">
-        <mc:Choice xmlns:a14="http://schemas.microsoft.com/office/drawing/2010/main" Requires="a14">
+      <mc:AlternateContent xmlns:mc="http://schemas.openxmlformats.org/markup-compatibility/2006" xmlns:a14="http://schemas.microsoft.com/office/drawing/2010/main">
+        <mc:Choice Requires="a14">
           <p:sp>
             <p:nvSpPr>
               <p:cNvPr id="18" name="Textfeld 17">
@@ -9980,7 +15863,7 @@
             </p:txBody>
           </p:sp>
         </mc:Choice>
-        <mc:Fallback>
+        <mc:Fallback xmlns="">
           <p:sp>
             <p:nvSpPr>
               <p:cNvPr id="18" name="Textfeld 17">
@@ -10025,6 +15908,171 @@
           </p:sp>
         </mc:Fallback>
       </mc:AlternateContent>
+      <p:sp>
+        <p:nvSpPr>
+          <p:cNvPr id="12" name="Textfeld 11">
+            <a:extLst>
+              <a:ext uri="{FF2B5EF4-FFF2-40B4-BE49-F238E27FC236}">
+                <a16:creationId xmlns:a16="http://schemas.microsoft.com/office/drawing/2014/main" id="{1D7CFD20-3902-834C-B6FF-DFDC2BF45990}"/>
+              </a:ext>
+            </a:extLst>
+          </p:cNvPr>
+          <p:cNvSpPr txBox="1"/>
+          <p:nvPr/>
+        </p:nvSpPr>
+        <p:spPr>
+          <a:xfrm>
+            <a:off x="7922398" y="4381215"/>
+            <a:ext cx="803389" cy="292388"/>
+          </a:xfrm>
+          <a:prstGeom prst="rect">
+            <a:avLst/>
+          </a:prstGeom>
+          <a:noFill/>
+        </p:spPr>
+        <p:txBody>
+          <a:bodyPr wrap="square">
+            <a:spAutoFit/>
+          </a:bodyPr>
+          <a:lstStyle/>
+          <a:p>
+            <a:r>
+              <a:rPr lang="de-DE" sz="1300" dirty="0">
+                <a:solidFill>
+                  <a:srgbClr val="FF0000"/>
+                </a:solidFill>
+              </a:rPr>
+              <a:t>, c = 0.20</a:t>
+            </a:r>
+          </a:p>
+        </p:txBody>
+      </p:sp>
+      <p:sp>
+        <p:nvSpPr>
+          <p:cNvPr id="19" name="Textfeld 18">
+            <a:extLst>
+              <a:ext uri="{FF2B5EF4-FFF2-40B4-BE49-F238E27FC236}">
+                <a16:creationId xmlns:a16="http://schemas.microsoft.com/office/drawing/2014/main" id="{B2F1F5BE-B1F0-6542-AB89-5B73D30CE626}"/>
+              </a:ext>
+            </a:extLst>
+          </p:cNvPr>
+          <p:cNvSpPr txBox="1"/>
+          <p:nvPr/>
+        </p:nvSpPr>
+        <p:spPr>
+          <a:xfrm>
+            <a:off x="10659027" y="4781708"/>
+            <a:ext cx="803389" cy="292388"/>
+          </a:xfrm>
+          <a:prstGeom prst="rect">
+            <a:avLst/>
+          </a:prstGeom>
+          <a:noFill/>
+        </p:spPr>
+        <p:txBody>
+          <a:bodyPr wrap="square">
+            <a:spAutoFit/>
+          </a:bodyPr>
+          <a:lstStyle/>
+          <a:p>
+            <a:r>
+              <a:rPr lang="de-DE" sz="1300" dirty="0">
+                <a:solidFill>
+                  <a:srgbClr val="FF0000"/>
+                </a:solidFill>
+              </a:rPr>
+              <a:t>, c = 0.80</a:t>
+            </a:r>
+          </a:p>
+        </p:txBody>
+      </p:sp>
+      <p:sp>
+        <p:nvSpPr>
+          <p:cNvPr id="2" name="Datumsplatzhalter 1">
+            <a:extLst>
+              <a:ext uri="{FF2B5EF4-FFF2-40B4-BE49-F238E27FC236}">
+                <a16:creationId xmlns:a16="http://schemas.microsoft.com/office/drawing/2014/main" id="{7F2E67E0-B458-AB42-9ACD-2890BF771DAB}"/>
+              </a:ext>
+            </a:extLst>
+          </p:cNvPr>
+          <p:cNvSpPr>
+            <a:spLocks noGrp="1"/>
+          </p:cNvSpPr>
+          <p:nvPr>
+            <p:ph type="dt" sz="half" idx="10"/>
+          </p:nvPr>
+        </p:nvSpPr>
+        <p:spPr/>
+        <p:txBody>
+          <a:bodyPr/>
+          <a:lstStyle/>
+          <a:p>
+            <a:r>
+              <a:rPr lang="de-DE"/>
+              <a:t>14.02.22</a:t>
+            </a:r>
+            <a:endParaRPr lang="de-DE" dirty="0"/>
+          </a:p>
+        </p:txBody>
+      </p:sp>
+      <p:sp>
+        <p:nvSpPr>
+          <p:cNvPr id="3" name="Fußzeilenplatzhalter 2">
+            <a:extLst>
+              <a:ext uri="{FF2B5EF4-FFF2-40B4-BE49-F238E27FC236}">
+                <a16:creationId xmlns:a16="http://schemas.microsoft.com/office/drawing/2014/main" id="{D40DBC2E-A93A-B64C-B510-DF7289617D49}"/>
+              </a:ext>
+            </a:extLst>
+          </p:cNvPr>
+          <p:cNvSpPr>
+            <a:spLocks noGrp="1"/>
+          </p:cNvSpPr>
+          <p:nvPr>
+            <p:ph type="ftr" sz="quarter" idx="11"/>
+          </p:nvPr>
+        </p:nvSpPr>
+        <p:spPr/>
+        <p:txBody>
+          <a:bodyPr/>
+          <a:lstStyle/>
+          <a:p>
+            <a:r>
+              <a:rPr lang="de-DE"/>
+              <a:t>Seminar Algorithmische Geometrie</a:t>
+            </a:r>
+            <a:endParaRPr lang="de-DE" dirty="0"/>
+          </a:p>
+        </p:txBody>
+      </p:sp>
+      <p:sp>
+        <p:nvSpPr>
+          <p:cNvPr id="4" name="Foliennummernplatzhalter 3">
+            <a:extLst>
+              <a:ext uri="{FF2B5EF4-FFF2-40B4-BE49-F238E27FC236}">
+                <a16:creationId xmlns:a16="http://schemas.microsoft.com/office/drawing/2014/main" id="{5090D968-FEDA-8B48-8641-6172D87C4504}"/>
+              </a:ext>
+            </a:extLst>
+          </p:cNvPr>
+          <p:cNvSpPr>
+            <a:spLocks noGrp="1"/>
+          </p:cNvSpPr>
+          <p:nvPr>
+            <p:ph type="sldNum" sz="quarter" idx="12"/>
+          </p:nvPr>
+        </p:nvSpPr>
+        <p:spPr/>
+        <p:txBody>
+          <a:bodyPr/>
+          <a:lstStyle/>
+          <a:p>
+            <a:fld id="{CD307F64-5B15-6D4F-AE85-70F08BDC121E}" type="slidenum">
+              <a:rPr lang="de-DE" smtClean="0"/>
+              <a:t>7</a:t>
+            </a:fld>
+            <a:endParaRPr lang="de-DE"/>
+          </a:p>
+        </p:txBody>
+      </p:sp>
     </p:spTree>
     <p:extLst>
       <p:ext uri="{BB962C8B-B14F-4D97-AF65-F5344CB8AC3E}">
@@ -10175,7 +16223,15 @@
           <a:p>
             <a:r>
               <a:rPr lang="de-DE" sz="2200" dirty="0"/>
-              <a:t>ConvexDivide - Fall 2.1 - Initialisierung</a:t>
+              <a:t>ConvexDivide - Fall 2.1 - „</a:t>
+            </a:r>
+            <a:r>
+              <a:rPr lang="de-DE" sz="2200" dirty="0" err="1"/>
+              <a:t>PrL</a:t>
+            </a:r>
+            <a:r>
+              <a:rPr lang="de-DE" sz="2200" dirty="0"/>
+              <a:t> zu klein“</a:t>
             </a:r>
           </a:p>
         </p:txBody>
@@ -10195,7 +16251,7 @@
           <p:nvPr/>
         </p:nvPicPr>
         <p:blipFill>
-          <a:blip r:embed="rId2"/>
+          <a:blip r:embed="rId3"/>
           <a:stretch>
             <a:fillRect/>
           </a:stretch>
@@ -10227,7 +16283,7 @@
             <p:spPr>
               <a:xfrm>
                 <a:off x="360000" y="917210"/>
-                <a:ext cx="6105832" cy="4493538"/>
+                <a:ext cx="6105832" cy="3139321"/>
               </a:xfrm>
               <a:prstGeom prst="rect">
                 <a:avLst/>
@@ -10255,15 +16311,6 @@
                 <a:r>
                   <a:rPr lang="de-DE" sz="2200" dirty="0"/>
                   <a:t>c(S02) = 0.30</a:t>
-                </a:r>
-              </a:p>
-              <a:p>
-                <a:endParaRPr lang="de-DE" sz="2200" dirty="0"/>
-              </a:p>
-              <a:p>
-                <a:r>
-                  <a:rPr lang="de-DE" sz="2200" dirty="0"/>
-                  <a:t>Das Polygon soll so zerteilt werden, dass S01 auf einem Teilpolygon mit 70% der Fläche und S02 auf einem Teilpolygon mit 30% der Fläche von CP liegt.</a:t>
                 </a:r>
               </a:p>
               <a:p>
@@ -10402,15 +16449,15 @@
             <p:spPr>
               <a:xfrm>
                 <a:off x="360000" y="917210"/>
-                <a:ext cx="6105832" cy="4493538"/>
+                <a:ext cx="6105832" cy="3139321"/>
               </a:xfrm>
               <a:prstGeom prst="rect">
                 <a:avLst/>
               </a:prstGeom>
               <a:blipFill>
-                <a:blip r:embed="rId3"/>
+                <a:blip r:embed="rId4"/>
                 <a:stretch>
-                  <a:fillRect l="-1245" t="-845" b="-1690"/>
+                  <a:fillRect l="-1245" t="-1210" b="-2823"/>
                 </a:stretch>
               </a:blipFill>
             </p:spPr>
@@ -10431,10 +16478,10 @@
       </mc:AlternateContent>
       <p:sp>
         <p:nvSpPr>
-          <p:cNvPr id="9" name="Textfeld 8">
-            <a:extLst>
-              <a:ext uri="{FF2B5EF4-FFF2-40B4-BE49-F238E27FC236}">
-                <a16:creationId xmlns:a16="http://schemas.microsoft.com/office/drawing/2014/main" id="{B5BE41D3-7AE4-A344-82BF-D9AEB08662B7}"/>
+          <p:cNvPr id="16" name="Textfeld 15">
+            <a:extLst>
+              <a:ext uri="{FF2B5EF4-FFF2-40B4-BE49-F238E27FC236}">
+                <a16:creationId xmlns:a16="http://schemas.microsoft.com/office/drawing/2014/main" id="{6FE7D587-269B-8A4C-B5E2-4479BA46E90E}"/>
               </a:ext>
             </a:extLst>
           </p:cNvPr>
@@ -10443,8 +16490,8 @@
         </p:nvSpPr>
         <p:spPr>
           <a:xfrm>
-            <a:off x="6678000" y="5934323"/>
-            <a:ext cx="2650727" cy="338554"/>
+            <a:off x="7922398" y="4381215"/>
+            <a:ext cx="803389" cy="292388"/>
           </a:xfrm>
           <a:prstGeom prst="rect">
             <a:avLst/>
@@ -10452,25 +16499,28 @@
           <a:noFill/>
         </p:spPr>
         <p:txBody>
-          <a:bodyPr wrap="square" rtlCol="0">
+          <a:bodyPr wrap="square">
             <a:spAutoFit/>
           </a:bodyPr>
           <a:lstStyle/>
           <a:p>
-            <a:pPr algn="ctr"/>
-            <a:r>
-              <a:rPr lang="de-DE" sz="1600" dirty="0"/>
-              <a:t>c(S01) = 0.70</a:t>
-            </a:r>
-          </a:p>
-        </p:txBody>
-      </p:sp>
-      <p:sp>
-        <p:nvSpPr>
-          <p:cNvPr id="10" name="Textfeld 9">
-            <a:extLst>
-              <a:ext uri="{FF2B5EF4-FFF2-40B4-BE49-F238E27FC236}">
-                <a16:creationId xmlns:a16="http://schemas.microsoft.com/office/drawing/2014/main" id="{D4FEB585-F195-2F49-AC4B-AAEE0450AF44}"/>
+            <a:r>
+              <a:rPr lang="de-DE" sz="1300" dirty="0">
+                <a:solidFill>
+                  <a:srgbClr val="FF0000"/>
+                </a:solidFill>
+              </a:rPr>
+              <a:t>, c = 0.70</a:t>
+            </a:r>
+          </a:p>
+        </p:txBody>
+      </p:sp>
+      <p:sp>
+        <p:nvSpPr>
+          <p:cNvPr id="17" name="Textfeld 16">
+            <a:extLst>
+              <a:ext uri="{FF2B5EF4-FFF2-40B4-BE49-F238E27FC236}">
+                <a16:creationId xmlns:a16="http://schemas.microsoft.com/office/drawing/2014/main" id="{63361B3B-12BB-C843-8378-CDFD29AFF50C}"/>
               </a:ext>
             </a:extLst>
           </p:cNvPr>
@@ -10479,8 +16529,8 @@
         </p:nvSpPr>
         <p:spPr>
           <a:xfrm>
-            <a:off x="9067273" y="5934323"/>
-            <a:ext cx="2650727" cy="338554"/>
+            <a:off x="10659027" y="4781708"/>
+            <a:ext cx="803389" cy="292388"/>
           </a:xfrm>
           <a:prstGeom prst="rect">
             <a:avLst/>
@@ -10488,61 +16538,105 @@
           <a:noFill/>
         </p:spPr>
         <p:txBody>
-          <a:bodyPr wrap="square" rtlCol="0">
+          <a:bodyPr wrap="square">
             <a:spAutoFit/>
           </a:bodyPr>
           <a:lstStyle/>
           <a:p>
-            <a:pPr algn="ctr"/>
-            <a:r>
-              <a:rPr lang="de-DE" sz="1600" dirty="0"/>
-              <a:t>c(S02) = 0.30 </a:t>
-            </a:r>
-          </a:p>
-        </p:txBody>
-      </p:sp>
-      <p:sp>
-        <p:nvSpPr>
-          <p:cNvPr id="11" name="Smiley 10">
-            <a:extLst>
-              <a:ext uri="{FF2B5EF4-FFF2-40B4-BE49-F238E27FC236}">
-                <a16:creationId xmlns:a16="http://schemas.microsoft.com/office/drawing/2014/main" id="{44FA3655-4B0E-0C4A-AAD9-1781C4C785B6}"/>
-              </a:ext>
-            </a:extLst>
-          </p:cNvPr>
-          <p:cNvSpPr/>
-          <p:nvPr/>
-        </p:nvSpPr>
-        <p:spPr>
-          <a:xfrm>
-            <a:off x="10566400" y="387927"/>
-            <a:ext cx="1265600" cy="1265382"/>
-          </a:xfrm>
-          <a:prstGeom prst="smileyFace">
-            <a:avLst/>
-          </a:prstGeom>
-        </p:spPr>
-        <p:style>
-          <a:lnRef idx="2">
-            <a:schemeClr val="accent4">
-              <a:shade val="50000"/>
-            </a:schemeClr>
-          </a:lnRef>
-          <a:fillRef idx="1">
-            <a:schemeClr val="accent4"/>
-          </a:fillRef>
-          <a:effectRef idx="0">
-            <a:schemeClr val="accent4"/>
-          </a:effectRef>
-          <a:fontRef idx="minor">
-            <a:schemeClr val="lt1"/>
-          </a:fontRef>
-        </p:style>
-        <p:txBody>
-          <a:bodyPr rtlCol="0" anchor="ctr"/>
-          <a:lstStyle/>
-          <a:p>
-            <a:pPr algn="ctr"/>
+            <a:r>
+              <a:rPr lang="de-DE" sz="1300" dirty="0">
+                <a:solidFill>
+                  <a:srgbClr val="FF0000"/>
+                </a:solidFill>
+              </a:rPr>
+              <a:t>, c = 0.30</a:t>
+            </a:r>
+          </a:p>
+        </p:txBody>
+      </p:sp>
+      <p:sp>
+        <p:nvSpPr>
+          <p:cNvPr id="2" name="Datumsplatzhalter 1">
+            <a:extLst>
+              <a:ext uri="{FF2B5EF4-FFF2-40B4-BE49-F238E27FC236}">
+                <a16:creationId xmlns:a16="http://schemas.microsoft.com/office/drawing/2014/main" id="{27DFDA6A-79B5-EF44-BA17-3FDF4F83BD07}"/>
+              </a:ext>
+            </a:extLst>
+          </p:cNvPr>
+          <p:cNvSpPr>
+            <a:spLocks noGrp="1"/>
+          </p:cNvSpPr>
+          <p:nvPr>
+            <p:ph type="dt" sz="half" idx="10"/>
+          </p:nvPr>
+        </p:nvSpPr>
+        <p:spPr/>
+        <p:txBody>
+          <a:bodyPr/>
+          <a:lstStyle/>
+          <a:p>
+            <a:r>
+              <a:rPr lang="de-DE"/>
+              <a:t>14.02.22</a:t>
+            </a:r>
+            <a:endParaRPr lang="de-DE" dirty="0"/>
+          </a:p>
+        </p:txBody>
+      </p:sp>
+      <p:sp>
+        <p:nvSpPr>
+          <p:cNvPr id="3" name="Fußzeilenplatzhalter 2">
+            <a:extLst>
+              <a:ext uri="{FF2B5EF4-FFF2-40B4-BE49-F238E27FC236}">
+                <a16:creationId xmlns:a16="http://schemas.microsoft.com/office/drawing/2014/main" id="{2956EAE5-DA8A-394D-BCCB-507473D58C41}"/>
+              </a:ext>
+            </a:extLst>
+          </p:cNvPr>
+          <p:cNvSpPr>
+            <a:spLocks noGrp="1"/>
+          </p:cNvSpPr>
+          <p:nvPr>
+            <p:ph type="ftr" sz="quarter" idx="11"/>
+          </p:nvPr>
+        </p:nvSpPr>
+        <p:spPr/>
+        <p:txBody>
+          <a:bodyPr/>
+          <a:lstStyle/>
+          <a:p>
+            <a:r>
+              <a:rPr lang="de-DE"/>
+              <a:t>Seminar Algorithmische Geometrie</a:t>
+            </a:r>
+            <a:endParaRPr lang="de-DE" dirty="0"/>
+          </a:p>
+        </p:txBody>
+      </p:sp>
+      <p:sp>
+        <p:nvSpPr>
+          <p:cNvPr id="4" name="Foliennummernplatzhalter 3">
+            <a:extLst>
+              <a:ext uri="{FF2B5EF4-FFF2-40B4-BE49-F238E27FC236}">
+                <a16:creationId xmlns:a16="http://schemas.microsoft.com/office/drawing/2014/main" id="{EA6DCD5B-6FFE-CB4B-9ACF-4D054C799489}"/>
+              </a:ext>
+            </a:extLst>
+          </p:cNvPr>
+          <p:cNvSpPr>
+            <a:spLocks noGrp="1"/>
+          </p:cNvSpPr>
+          <p:nvPr>
+            <p:ph type="sldNum" sz="quarter" idx="12"/>
+          </p:nvPr>
+        </p:nvSpPr>
+        <p:spPr/>
+        <p:txBody>
+          <a:bodyPr/>
+          <a:lstStyle/>
+          <a:p>
+            <a:fld id="{CD307F64-5B15-6D4F-AE85-70F08BDC121E}" type="slidenum">
+              <a:rPr lang="de-DE" smtClean="0"/>
+              <a:t>8</a:t>
+            </a:fld>
             <a:endParaRPr lang="de-DE"/>
           </a:p>
         </p:txBody>
@@ -10893,80 +16987,8 @@
           </a:p>
         </p:txBody>
       </p:sp>
-      <p:sp>
-        <p:nvSpPr>
-          <p:cNvPr id="19" name="Textfeld 18">
-            <a:extLst>
-              <a:ext uri="{FF2B5EF4-FFF2-40B4-BE49-F238E27FC236}">
-                <a16:creationId xmlns:a16="http://schemas.microsoft.com/office/drawing/2014/main" id="{EA7465AD-FDC0-704E-B96E-5B7B59A9E0C9}"/>
-              </a:ext>
-            </a:extLst>
-          </p:cNvPr>
-          <p:cNvSpPr txBox="1"/>
-          <p:nvPr/>
-        </p:nvSpPr>
-        <p:spPr>
-          <a:xfrm>
-            <a:off x="6678000" y="5934323"/>
-            <a:ext cx="2650727" cy="338554"/>
-          </a:xfrm>
-          <a:prstGeom prst="rect">
-            <a:avLst/>
-          </a:prstGeom>
-          <a:noFill/>
-        </p:spPr>
-        <p:txBody>
-          <a:bodyPr wrap="square" rtlCol="0">
-            <a:spAutoFit/>
-          </a:bodyPr>
-          <a:lstStyle/>
-          <a:p>
-            <a:pPr algn="ctr"/>
-            <a:r>
-              <a:rPr lang="de-DE" sz="1600" dirty="0"/>
-              <a:t>c(S01) = 0.70</a:t>
-            </a:r>
-          </a:p>
-        </p:txBody>
-      </p:sp>
-      <p:sp>
-        <p:nvSpPr>
-          <p:cNvPr id="20" name="Textfeld 19">
-            <a:extLst>
-              <a:ext uri="{FF2B5EF4-FFF2-40B4-BE49-F238E27FC236}">
-                <a16:creationId xmlns:a16="http://schemas.microsoft.com/office/drawing/2014/main" id="{8B5920A5-65B6-1348-9CD5-191124658801}"/>
-              </a:ext>
-            </a:extLst>
-          </p:cNvPr>
-          <p:cNvSpPr txBox="1"/>
-          <p:nvPr/>
-        </p:nvSpPr>
-        <p:spPr>
-          <a:xfrm>
-            <a:off x="9067273" y="5934323"/>
-            <a:ext cx="2650727" cy="338554"/>
-          </a:xfrm>
-          <a:prstGeom prst="rect">
-            <a:avLst/>
-          </a:prstGeom>
-          <a:noFill/>
-        </p:spPr>
-        <p:txBody>
-          <a:bodyPr wrap="square" rtlCol="0">
-            <a:spAutoFit/>
-          </a:bodyPr>
-          <a:lstStyle/>
-          <a:p>
-            <a:pPr algn="ctr"/>
-            <a:r>
-              <a:rPr lang="de-DE" sz="1600" dirty="0"/>
-              <a:t>c(S02) = 0.30 </a:t>
-            </a:r>
-          </a:p>
-        </p:txBody>
-      </p:sp>
-      <mc:AlternateContent xmlns:mc="http://schemas.openxmlformats.org/markup-compatibility/2006">
-        <mc:Choice xmlns:a14="http://schemas.microsoft.com/office/drawing/2010/main" Requires="a14">
+      <mc:AlternateContent xmlns:mc="http://schemas.openxmlformats.org/markup-compatibility/2006" xmlns:a14="http://schemas.microsoft.com/office/drawing/2010/main">
+        <mc:Choice Requires="a14">
           <p:sp>
             <p:nvSpPr>
               <p:cNvPr id="21" name="Textfeld 20">
@@ -11145,7 +17167,7 @@
             </p:txBody>
           </p:sp>
         </mc:Choice>
-        <mc:Fallback>
+        <mc:Fallback xmlns="">
           <p:sp>
             <p:nvSpPr>
               <p:cNvPr id="21" name="Textfeld 20">
@@ -11190,6 +17212,171 @@
           </p:sp>
         </mc:Fallback>
       </mc:AlternateContent>
+      <p:sp>
+        <p:nvSpPr>
+          <p:cNvPr id="22" name="Textfeld 21">
+            <a:extLst>
+              <a:ext uri="{FF2B5EF4-FFF2-40B4-BE49-F238E27FC236}">
+                <a16:creationId xmlns:a16="http://schemas.microsoft.com/office/drawing/2014/main" id="{E255A79D-1804-714D-8B08-7BFA4A4EBB94}"/>
+              </a:ext>
+            </a:extLst>
+          </p:cNvPr>
+          <p:cNvSpPr txBox="1"/>
+          <p:nvPr/>
+        </p:nvSpPr>
+        <p:spPr>
+          <a:xfrm>
+            <a:off x="7922398" y="4381215"/>
+            <a:ext cx="803389" cy="292388"/>
+          </a:xfrm>
+          <a:prstGeom prst="rect">
+            <a:avLst/>
+          </a:prstGeom>
+          <a:noFill/>
+        </p:spPr>
+        <p:txBody>
+          <a:bodyPr wrap="square">
+            <a:spAutoFit/>
+          </a:bodyPr>
+          <a:lstStyle/>
+          <a:p>
+            <a:r>
+              <a:rPr lang="de-DE" sz="1300" dirty="0">
+                <a:solidFill>
+                  <a:srgbClr val="FF0000"/>
+                </a:solidFill>
+              </a:rPr>
+              <a:t>, c = 0.70</a:t>
+            </a:r>
+          </a:p>
+        </p:txBody>
+      </p:sp>
+      <p:sp>
+        <p:nvSpPr>
+          <p:cNvPr id="23" name="Textfeld 22">
+            <a:extLst>
+              <a:ext uri="{FF2B5EF4-FFF2-40B4-BE49-F238E27FC236}">
+                <a16:creationId xmlns:a16="http://schemas.microsoft.com/office/drawing/2014/main" id="{0710EB97-92C5-1046-97C9-E6D7CDB71576}"/>
+              </a:ext>
+            </a:extLst>
+          </p:cNvPr>
+          <p:cNvSpPr txBox="1"/>
+          <p:nvPr/>
+        </p:nvSpPr>
+        <p:spPr>
+          <a:xfrm>
+            <a:off x="10659027" y="4781708"/>
+            <a:ext cx="803389" cy="292388"/>
+          </a:xfrm>
+          <a:prstGeom prst="rect">
+            <a:avLst/>
+          </a:prstGeom>
+          <a:noFill/>
+        </p:spPr>
+        <p:txBody>
+          <a:bodyPr wrap="square">
+            <a:spAutoFit/>
+          </a:bodyPr>
+          <a:lstStyle/>
+          <a:p>
+            <a:r>
+              <a:rPr lang="de-DE" sz="1300" dirty="0">
+                <a:solidFill>
+                  <a:srgbClr val="FF0000"/>
+                </a:solidFill>
+              </a:rPr>
+              <a:t>, c = 0.30</a:t>
+            </a:r>
+          </a:p>
+        </p:txBody>
+      </p:sp>
+      <p:sp>
+        <p:nvSpPr>
+          <p:cNvPr id="2" name="Datumsplatzhalter 1">
+            <a:extLst>
+              <a:ext uri="{FF2B5EF4-FFF2-40B4-BE49-F238E27FC236}">
+                <a16:creationId xmlns:a16="http://schemas.microsoft.com/office/drawing/2014/main" id="{CC14BDC8-E526-CC43-8CE6-E2A6CEB3E697}"/>
+              </a:ext>
+            </a:extLst>
+          </p:cNvPr>
+          <p:cNvSpPr>
+            <a:spLocks noGrp="1"/>
+          </p:cNvSpPr>
+          <p:nvPr>
+            <p:ph type="dt" sz="half" idx="10"/>
+          </p:nvPr>
+        </p:nvSpPr>
+        <p:spPr/>
+        <p:txBody>
+          <a:bodyPr/>
+          <a:lstStyle/>
+          <a:p>
+            <a:r>
+              <a:rPr lang="de-DE"/>
+              <a:t>14.02.22</a:t>
+            </a:r>
+            <a:endParaRPr lang="de-DE" dirty="0"/>
+          </a:p>
+        </p:txBody>
+      </p:sp>
+      <p:sp>
+        <p:nvSpPr>
+          <p:cNvPr id="3" name="Fußzeilenplatzhalter 2">
+            <a:extLst>
+              <a:ext uri="{FF2B5EF4-FFF2-40B4-BE49-F238E27FC236}">
+                <a16:creationId xmlns:a16="http://schemas.microsoft.com/office/drawing/2014/main" id="{C9DBAD7D-5FF4-3148-84C6-4633BFCA22D1}"/>
+              </a:ext>
+            </a:extLst>
+          </p:cNvPr>
+          <p:cNvSpPr>
+            <a:spLocks noGrp="1"/>
+          </p:cNvSpPr>
+          <p:nvPr>
+            <p:ph type="ftr" sz="quarter" idx="11"/>
+          </p:nvPr>
+        </p:nvSpPr>
+        <p:spPr/>
+        <p:txBody>
+          <a:bodyPr/>
+          <a:lstStyle/>
+          <a:p>
+            <a:r>
+              <a:rPr lang="de-DE"/>
+              <a:t>Seminar Algorithmische Geometrie</a:t>
+            </a:r>
+            <a:endParaRPr lang="de-DE" dirty="0"/>
+          </a:p>
+        </p:txBody>
+      </p:sp>
+      <p:sp>
+        <p:nvSpPr>
+          <p:cNvPr id="4" name="Foliennummernplatzhalter 3">
+            <a:extLst>
+              <a:ext uri="{FF2B5EF4-FFF2-40B4-BE49-F238E27FC236}">
+                <a16:creationId xmlns:a16="http://schemas.microsoft.com/office/drawing/2014/main" id="{739DC53E-6DF4-6640-A3D6-C2326F03E364}"/>
+              </a:ext>
+            </a:extLst>
+          </p:cNvPr>
+          <p:cNvSpPr>
+            <a:spLocks noGrp="1"/>
+          </p:cNvSpPr>
+          <p:nvPr>
+            <p:ph type="sldNum" sz="quarter" idx="12"/>
+          </p:nvPr>
+        </p:nvSpPr>
+        <p:spPr/>
+        <p:txBody>
+          <a:bodyPr/>
+          <a:lstStyle/>
+          <a:p>
+            <a:fld id="{CD307F64-5B15-6D4F-AE85-70F08BDC121E}" type="slidenum">
+              <a:rPr lang="de-DE" smtClean="0"/>
+              <a:t>9</a:t>
+            </a:fld>
+            <a:endParaRPr lang="de-DE"/>
+          </a:p>
+        </p:txBody>
+      </p:sp>
     </p:spTree>
     <p:extLst>
       <p:ext uri="{BB962C8B-B14F-4D97-AF65-F5344CB8AC3E}">
